--- a/_Docs/Poll_it_wireframe.pptx
+++ b/_Docs/Poll_it_wireframe.pptx
@@ -3,15 +3,16 @@
 <p:presentation xmlns:a="http://schemas.openxmlformats.org/drawingml/2006/main" xmlns:p="http://schemas.openxmlformats.org/presentationml/2006/main" xmlns:r="http://schemas.openxmlformats.org/officeDocument/2006/relationships">
   <p:sldMasterIdLst>
     <p:sldMasterId id="2147483648" r:id="rId2"/>
+    <p:sldMasterId id="2147483661" r:id="rId3"/>
   </p:sldMasterIdLst>
   <p:sldIdLst>
-    <p:sldId id="256" r:id="rId3"/>
-    <p:sldId id="257" r:id="rId4"/>
-    <p:sldId id="258" r:id="rId5"/>
-    <p:sldId id="259" r:id="rId6"/>
-    <p:sldId id="260" r:id="rId7"/>
-    <p:sldId id="261" r:id="rId8"/>
-    <p:sldId id="262" r:id="rId9"/>
+    <p:sldId id="256" r:id="rId4"/>
+    <p:sldId id="257" r:id="rId5"/>
+    <p:sldId id="258" r:id="rId6"/>
+    <p:sldId id="259" r:id="rId7"/>
+    <p:sldId id="260" r:id="rId8"/>
+    <p:sldId id="261" r:id="rId9"/>
+    <p:sldId id="262" r:id="rId10"/>
   </p:sldIdLst>
   <p:sldSz cx="10080625" cy="7559675"/>
   <p:notesSz cx="7772400" cy="10058400"/>
@@ -59,7 +60,7 @@
       </p:grpSpPr>
       <p:sp>
         <p:nvSpPr>
-          <p:cNvPr id="26" name="PlaceHolder 1"/>
+          <p:cNvPr id="23" name="PlaceHolder 1"/>
           <p:cNvSpPr>
             <a:spLocks noGrp="1"/>
           </p:cNvSpPr>
@@ -70,7 +71,7 @@
         <p:spPr>
           <a:xfrm>
             <a:off x="504000" y="301320"/>
-            <a:ext cx="9071640" cy="1262160"/>
+            <a:ext cx="9071280" cy="1261800"/>
           </a:xfrm>
           <a:prstGeom prst="rect">
             <a:avLst/>
@@ -96,7 +97,7 @@
       </p:sp>
       <p:sp>
         <p:nvSpPr>
-          <p:cNvPr id="27" name="PlaceHolder 2"/>
+          <p:cNvPr id="24" name="PlaceHolder 2"/>
           <p:cNvSpPr>
             <a:spLocks noGrp="1"/>
           </p:cNvSpPr>
@@ -107,7 +108,7 @@
         <p:spPr>
           <a:xfrm>
             <a:off x="504000" y="1769040"/>
-            <a:ext cx="9071640" cy="2091240"/>
+            <a:ext cx="9071280" cy="2090880"/>
           </a:xfrm>
           <a:prstGeom prst="rect">
             <a:avLst/>
@@ -132,7 +133,7 @@
       </p:sp>
       <p:sp>
         <p:nvSpPr>
-          <p:cNvPr id="28" name="PlaceHolder 3"/>
+          <p:cNvPr id="25" name="PlaceHolder 3"/>
           <p:cNvSpPr>
             <a:spLocks noGrp="1"/>
           </p:cNvSpPr>
@@ -142,8 +143,8 @@
         </p:nvSpPr>
         <p:spPr>
           <a:xfrm>
-            <a:off x="504000" y="4059360"/>
-            <a:ext cx="9071640" cy="2091240"/>
+            <a:off x="504000" y="4059000"/>
+            <a:ext cx="9071280" cy="2090880"/>
           </a:xfrm>
           <a:prstGeom prst="rect">
             <a:avLst/>
@@ -190,7 +191,7 @@
       </p:grpSpPr>
       <p:sp>
         <p:nvSpPr>
-          <p:cNvPr id="29" name="PlaceHolder 1"/>
+          <p:cNvPr id="26" name="PlaceHolder 1"/>
           <p:cNvSpPr>
             <a:spLocks noGrp="1"/>
           </p:cNvSpPr>
@@ -201,7 +202,7 @@
         <p:spPr>
           <a:xfrm>
             <a:off x="504000" y="301320"/>
-            <a:ext cx="9071640" cy="1262160"/>
+            <a:ext cx="9071280" cy="1261800"/>
           </a:xfrm>
           <a:prstGeom prst="rect">
             <a:avLst/>
@@ -227,7 +228,7 @@
       </p:sp>
       <p:sp>
         <p:nvSpPr>
-          <p:cNvPr id="30" name="PlaceHolder 2"/>
+          <p:cNvPr id="27" name="PlaceHolder 2"/>
           <p:cNvSpPr>
             <a:spLocks noGrp="1"/>
           </p:cNvSpPr>
@@ -238,7 +239,7 @@
         <p:spPr>
           <a:xfrm>
             <a:off x="504000" y="1769040"/>
-            <a:ext cx="4426920" cy="2091240"/>
+            <a:ext cx="4426560" cy="2090880"/>
           </a:xfrm>
           <a:prstGeom prst="rect">
             <a:avLst/>
@@ -263,7 +264,7 @@
       </p:sp>
       <p:sp>
         <p:nvSpPr>
-          <p:cNvPr id="31" name="PlaceHolder 3"/>
+          <p:cNvPr id="28" name="PlaceHolder 3"/>
           <p:cNvSpPr>
             <a:spLocks noGrp="1"/>
           </p:cNvSpPr>
@@ -273,8 +274,8 @@
         </p:nvSpPr>
         <p:spPr>
           <a:xfrm>
-            <a:off x="5152680" y="1769040"/>
-            <a:ext cx="4426920" cy="2091240"/>
+            <a:off x="5152320" y="1769040"/>
+            <a:ext cx="4426560" cy="2090880"/>
           </a:xfrm>
           <a:prstGeom prst="rect">
             <a:avLst/>
@@ -299,7 +300,7 @@
       </p:sp>
       <p:sp>
         <p:nvSpPr>
-          <p:cNvPr id="32" name="PlaceHolder 4"/>
+          <p:cNvPr id="29" name="PlaceHolder 4"/>
           <p:cNvSpPr>
             <a:spLocks noGrp="1"/>
           </p:cNvSpPr>
@@ -309,8 +310,8 @@
         </p:nvSpPr>
         <p:spPr>
           <a:xfrm>
-            <a:off x="5152680" y="4059360"/>
-            <a:ext cx="4426920" cy="2091240"/>
+            <a:off x="5152320" y="4059000"/>
+            <a:ext cx="4426560" cy="2090880"/>
           </a:xfrm>
           <a:prstGeom prst="rect">
             <a:avLst/>
@@ -335,7 +336,7 @@
       </p:sp>
       <p:sp>
         <p:nvSpPr>
-          <p:cNvPr id="33" name="PlaceHolder 5"/>
+          <p:cNvPr id="30" name="PlaceHolder 5"/>
           <p:cNvSpPr>
             <a:spLocks noGrp="1"/>
           </p:cNvSpPr>
@@ -345,8 +346,8 @@
         </p:nvSpPr>
         <p:spPr>
           <a:xfrm>
-            <a:off x="504000" y="4059360"/>
-            <a:ext cx="4426920" cy="2091240"/>
+            <a:off x="504000" y="4059000"/>
+            <a:ext cx="4426560" cy="2090880"/>
           </a:xfrm>
           <a:prstGeom prst="rect">
             <a:avLst/>
@@ -393,7 +394,7 @@
       </p:grpSpPr>
       <p:sp>
         <p:nvSpPr>
-          <p:cNvPr id="34" name="PlaceHolder 1"/>
+          <p:cNvPr id="31" name="PlaceHolder 1"/>
           <p:cNvSpPr>
             <a:spLocks noGrp="1"/>
           </p:cNvSpPr>
@@ -404,7 +405,7 @@
         <p:spPr>
           <a:xfrm>
             <a:off x="504000" y="301320"/>
-            <a:ext cx="9071640" cy="1262160"/>
+            <a:ext cx="9071280" cy="1261800"/>
           </a:xfrm>
           <a:prstGeom prst="rect">
             <a:avLst/>
@@ -430,7 +431,7 @@
       </p:sp>
       <p:sp>
         <p:nvSpPr>
-          <p:cNvPr id="35" name="PlaceHolder 2"/>
+          <p:cNvPr id="32" name="PlaceHolder 2"/>
           <p:cNvSpPr>
             <a:spLocks noGrp="1"/>
           </p:cNvSpPr>
@@ -441,7 +442,7 @@
         <p:spPr>
           <a:xfrm>
             <a:off x="504000" y="1769040"/>
-            <a:ext cx="9071640" cy="4384440"/>
+            <a:ext cx="9071280" cy="4384080"/>
           </a:xfrm>
           <a:prstGeom prst="rect">
             <a:avLst/>
@@ -466,7 +467,7 @@
       </p:sp>
       <p:sp>
         <p:nvSpPr>
-          <p:cNvPr id="36" name="PlaceHolder 3"/>
+          <p:cNvPr id="33" name="PlaceHolder 3"/>
           <p:cNvSpPr>
             <a:spLocks noGrp="1"/>
           </p:cNvSpPr>
@@ -477,7 +478,7 @@
         <p:spPr>
           <a:xfrm>
             <a:off x="504000" y="1769040"/>
-            <a:ext cx="9071640" cy="4384440"/>
+            <a:ext cx="9071280" cy="4384080"/>
           </a:xfrm>
           <a:prstGeom prst="rect">
             <a:avLst/>
@@ -502,7 +503,7 @@
       </p:sp>
       <p:pic>
         <p:nvPicPr>
-          <p:cNvPr id="37" name="" descr=""/>
+          <p:cNvPr id="34" name="" descr=""/>
           <p:cNvPicPr/>
           <p:nvPr/>
         </p:nvPicPr>
@@ -512,8 +513,8 @@
         </p:blipFill>
         <p:spPr>
           <a:xfrm>
-            <a:off x="2292120" y="1768680"/>
-            <a:ext cx="5495040" cy="4384440"/>
+            <a:off x="2292120" y="1769040"/>
+            <a:ext cx="5494680" cy="4384080"/>
           </a:xfrm>
           <a:prstGeom prst="rect">
             <a:avLst/>
@@ -525,7 +526,7 @@
       </p:pic>
       <p:pic>
         <p:nvPicPr>
-          <p:cNvPr id="38" name="" descr=""/>
+          <p:cNvPr id="35" name="" descr=""/>
           <p:cNvPicPr/>
           <p:nvPr/>
         </p:nvPicPr>
@@ -535,8 +536,8 @@
         </p:blipFill>
         <p:spPr>
           <a:xfrm>
-            <a:off x="2292120" y="1768680"/>
-            <a:ext cx="5495040" cy="4384440"/>
+            <a:off x="2292120" y="1769040"/>
+            <a:ext cx="5494680" cy="4384080"/>
           </a:xfrm>
           <a:prstGeom prst="rect">
             <a:avLst/>
@@ -546,6 +547,635 @@
           </a:ln>
         </p:spPr>
       </p:pic>
+    </p:spTree>
+  </p:cSld>
+</p:sldLayout>
+</file>
+
+<file path=ppt/slideLayouts/slideLayout13.xml><?xml version="1.0" encoding="utf-8"?>
+<p:sldLayout xmlns:a="http://schemas.openxmlformats.org/drawingml/2006/main" xmlns:p="http://schemas.openxmlformats.org/presentationml/2006/main" xmlns:r="http://schemas.openxmlformats.org/officeDocument/2006/relationships" type="blank" preserve="1">
+  <p:cSld name="Blank Slide">
+    <p:spTree>
+      <p:nvGrpSpPr>
+        <p:cNvPr id="1" name=""/>
+        <p:cNvGrpSpPr/>
+        <p:nvPr/>
+      </p:nvGrpSpPr>
+      <p:grpSpPr>
+        <a:xfrm>
+          <a:off x="0" y="0"/>
+          <a:ext cx="0" cy="0"/>
+          <a:chOff x="0" y="0"/>
+          <a:chExt cx="0" cy="0"/>
+        </a:xfrm>
+      </p:grpSpPr>
+    </p:spTree>
+  </p:cSld>
+</p:sldLayout>
+</file>
+
+<file path=ppt/slideLayouts/slideLayout14.xml><?xml version="1.0" encoding="utf-8"?>
+<p:sldLayout xmlns:a="http://schemas.openxmlformats.org/drawingml/2006/main" xmlns:p="http://schemas.openxmlformats.org/presentationml/2006/main" xmlns:r="http://schemas.openxmlformats.org/officeDocument/2006/relationships" type="tx" preserve="1">
+  <p:cSld name="Title Slide">
+    <p:spTree>
+      <p:nvGrpSpPr>
+        <p:cNvPr id="1" name=""/>
+        <p:cNvGrpSpPr/>
+        <p:nvPr/>
+      </p:nvGrpSpPr>
+      <p:grpSpPr>
+        <a:xfrm>
+          <a:off x="0" y="0"/>
+          <a:ext cx="0" cy="0"/>
+          <a:chOff x="0" y="0"/>
+          <a:chExt cx="0" cy="0"/>
+        </a:xfrm>
+      </p:grpSpPr>
+      <p:sp>
+        <p:nvSpPr>
+          <p:cNvPr id="38" name="PlaceHolder 1"/>
+          <p:cNvSpPr>
+            <a:spLocks noGrp="1"/>
+          </p:cNvSpPr>
+          <p:nvPr>
+            <p:ph type="title"/>
+          </p:nvPr>
+        </p:nvSpPr>
+        <p:spPr>
+          <a:xfrm>
+            <a:off x="504000" y="301320"/>
+            <a:ext cx="9071280" cy="1261800"/>
+          </a:xfrm>
+          <a:prstGeom prst="rect">
+            <a:avLst/>
+          </a:prstGeom>
+        </p:spPr>
+        <p:txBody>
+          <a:bodyPr lIns="0" rIns="0" tIns="0" bIns="0" anchor="ctr"/>
+          <a:p>
+            <a:pPr algn="ctr"/>
+            <a:endParaRPr lang="en-US" sz="4400" spc="-1" strike="noStrike">
+              <a:solidFill>
+                <a:srgbClr val="000000"/>
+              </a:solidFill>
+              <a:uFill>
+                <a:solidFill>
+                  <a:srgbClr val="ffffff"/>
+                </a:solidFill>
+              </a:uFill>
+              <a:latin typeface="Arial"/>
+            </a:endParaRPr>
+          </a:p>
+        </p:txBody>
+      </p:sp>
+      <p:sp>
+        <p:nvSpPr>
+          <p:cNvPr id="39" name="PlaceHolder 2"/>
+          <p:cNvSpPr>
+            <a:spLocks noGrp="1"/>
+          </p:cNvSpPr>
+          <p:nvPr>
+            <p:ph type="subTitle"/>
+          </p:nvPr>
+        </p:nvSpPr>
+        <p:spPr>
+          <a:xfrm>
+            <a:off x="504000" y="1769040"/>
+            <a:ext cx="9071280" cy="4384080"/>
+          </a:xfrm>
+          <a:prstGeom prst="rect">
+            <a:avLst/>
+          </a:prstGeom>
+        </p:spPr>
+        <p:txBody>
+          <a:bodyPr lIns="0" rIns="0" tIns="0" bIns="0" anchor="ctr"/>
+          <a:p>
+            <a:pPr algn="ctr"/>
+            <a:endParaRPr lang="en-US" sz="3200" spc="-1" strike="noStrike">
+              <a:solidFill>
+                <a:srgbClr val="000000"/>
+              </a:solidFill>
+              <a:uFill>
+                <a:solidFill>
+                  <a:srgbClr val="ffffff"/>
+                </a:solidFill>
+              </a:uFill>
+              <a:latin typeface="Arial"/>
+            </a:endParaRPr>
+          </a:p>
+        </p:txBody>
+      </p:sp>
+    </p:spTree>
+  </p:cSld>
+</p:sldLayout>
+</file>
+
+<file path=ppt/slideLayouts/slideLayout15.xml><?xml version="1.0" encoding="utf-8"?>
+<p:sldLayout xmlns:a="http://schemas.openxmlformats.org/drawingml/2006/main" xmlns:p="http://schemas.openxmlformats.org/presentationml/2006/main" xmlns:r="http://schemas.openxmlformats.org/officeDocument/2006/relationships" type="obj" preserve="1">
+  <p:cSld name="Title, Content">
+    <p:spTree>
+      <p:nvGrpSpPr>
+        <p:cNvPr id="1" name=""/>
+        <p:cNvGrpSpPr/>
+        <p:nvPr/>
+      </p:nvGrpSpPr>
+      <p:grpSpPr>
+        <a:xfrm>
+          <a:off x="0" y="0"/>
+          <a:ext cx="0" cy="0"/>
+          <a:chOff x="0" y="0"/>
+          <a:chExt cx="0" cy="0"/>
+        </a:xfrm>
+      </p:grpSpPr>
+      <p:sp>
+        <p:nvSpPr>
+          <p:cNvPr id="40" name="PlaceHolder 1"/>
+          <p:cNvSpPr>
+            <a:spLocks noGrp="1"/>
+          </p:cNvSpPr>
+          <p:nvPr>
+            <p:ph type="title"/>
+          </p:nvPr>
+        </p:nvSpPr>
+        <p:spPr>
+          <a:xfrm>
+            <a:off x="504000" y="301320"/>
+            <a:ext cx="9071280" cy="1261800"/>
+          </a:xfrm>
+          <a:prstGeom prst="rect">
+            <a:avLst/>
+          </a:prstGeom>
+        </p:spPr>
+        <p:txBody>
+          <a:bodyPr lIns="0" rIns="0" tIns="0" bIns="0" anchor="ctr"/>
+          <a:p>
+            <a:pPr algn="ctr"/>
+            <a:endParaRPr lang="en-US" sz="4400" spc="-1" strike="noStrike">
+              <a:solidFill>
+                <a:srgbClr val="000000"/>
+              </a:solidFill>
+              <a:uFill>
+                <a:solidFill>
+                  <a:srgbClr val="ffffff"/>
+                </a:solidFill>
+              </a:uFill>
+              <a:latin typeface="Arial"/>
+            </a:endParaRPr>
+          </a:p>
+        </p:txBody>
+      </p:sp>
+      <p:sp>
+        <p:nvSpPr>
+          <p:cNvPr id="41" name="PlaceHolder 2"/>
+          <p:cNvSpPr>
+            <a:spLocks noGrp="1"/>
+          </p:cNvSpPr>
+          <p:nvPr>
+            <p:ph type="body"/>
+          </p:nvPr>
+        </p:nvSpPr>
+        <p:spPr>
+          <a:xfrm>
+            <a:off x="504000" y="1769040"/>
+            <a:ext cx="9071280" cy="4384080"/>
+          </a:xfrm>
+          <a:prstGeom prst="rect">
+            <a:avLst/>
+          </a:prstGeom>
+        </p:spPr>
+        <p:txBody>
+          <a:bodyPr lIns="0" rIns="0" tIns="0" bIns="0"/>
+          <a:p>
+            <a:endParaRPr lang="en-US" sz="3200" spc="-1" strike="noStrike">
+              <a:solidFill>
+                <a:srgbClr val="000000"/>
+              </a:solidFill>
+              <a:uFill>
+                <a:solidFill>
+                  <a:srgbClr val="ffffff"/>
+                </a:solidFill>
+              </a:uFill>
+              <a:latin typeface="Arial"/>
+            </a:endParaRPr>
+          </a:p>
+        </p:txBody>
+      </p:sp>
+    </p:spTree>
+  </p:cSld>
+</p:sldLayout>
+</file>
+
+<file path=ppt/slideLayouts/slideLayout16.xml><?xml version="1.0" encoding="utf-8"?>
+<p:sldLayout xmlns:a="http://schemas.openxmlformats.org/drawingml/2006/main" xmlns:p="http://schemas.openxmlformats.org/presentationml/2006/main" xmlns:r="http://schemas.openxmlformats.org/officeDocument/2006/relationships" type="twoObj" preserve="1">
+  <p:cSld name="Title, 2 Content">
+    <p:spTree>
+      <p:nvGrpSpPr>
+        <p:cNvPr id="1" name=""/>
+        <p:cNvGrpSpPr/>
+        <p:nvPr/>
+      </p:nvGrpSpPr>
+      <p:grpSpPr>
+        <a:xfrm>
+          <a:off x="0" y="0"/>
+          <a:ext cx="0" cy="0"/>
+          <a:chOff x="0" y="0"/>
+          <a:chExt cx="0" cy="0"/>
+        </a:xfrm>
+      </p:grpSpPr>
+      <p:sp>
+        <p:nvSpPr>
+          <p:cNvPr id="42" name="PlaceHolder 1"/>
+          <p:cNvSpPr>
+            <a:spLocks noGrp="1"/>
+          </p:cNvSpPr>
+          <p:nvPr>
+            <p:ph type="title"/>
+          </p:nvPr>
+        </p:nvSpPr>
+        <p:spPr>
+          <a:xfrm>
+            <a:off x="504000" y="301320"/>
+            <a:ext cx="9071280" cy="1261800"/>
+          </a:xfrm>
+          <a:prstGeom prst="rect">
+            <a:avLst/>
+          </a:prstGeom>
+        </p:spPr>
+        <p:txBody>
+          <a:bodyPr lIns="0" rIns="0" tIns="0" bIns="0" anchor="ctr"/>
+          <a:p>
+            <a:pPr algn="ctr"/>
+            <a:endParaRPr lang="en-US" sz="4400" spc="-1" strike="noStrike">
+              <a:solidFill>
+                <a:srgbClr val="000000"/>
+              </a:solidFill>
+              <a:uFill>
+                <a:solidFill>
+                  <a:srgbClr val="ffffff"/>
+                </a:solidFill>
+              </a:uFill>
+              <a:latin typeface="Arial"/>
+            </a:endParaRPr>
+          </a:p>
+        </p:txBody>
+      </p:sp>
+      <p:sp>
+        <p:nvSpPr>
+          <p:cNvPr id="43" name="PlaceHolder 2"/>
+          <p:cNvSpPr>
+            <a:spLocks noGrp="1"/>
+          </p:cNvSpPr>
+          <p:nvPr>
+            <p:ph type="body"/>
+          </p:nvPr>
+        </p:nvSpPr>
+        <p:spPr>
+          <a:xfrm>
+            <a:off x="504000" y="1769040"/>
+            <a:ext cx="4426560" cy="4384080"/>
+          </a:xfrm>
+          <a:prstGeom prst="rect">
+            <a:avLst/>
+          </a:prstGeom>
+        </p:spPr>
+        <p:txBody>
+          <a:bodyPr lIns="0" rIns="0" tIns="0" bIns="0"/>
+          <a:p>
+            <a:endParaRPr lang="en-US" sz="3200" spc="-1" strike="noStrike">
+              <a:solidFill>
+                <a:srgbClr val="000000"/>
+              </a:solidFill>
+              <a:uFill>
+                <a:solidFill>
+                  <a:srgbClr val="ffffff"/>
+                </a:solidFill>
+              </a:uFill>
+              <a:latin typeface="Arial"/>
+            </a:endParaRPr>
+          </a:p>
+        </p:txBody>
+      </p:sp>
+      <p:sp>
+        <p:nvSpPr>
+          <p:cNvPr id="44" name="PlaceHolder 3"/>
+          <p:cNvSpPr>
+            <a:spLocks noGrp="1"/>
+          </p:cNvSpPr>
+          <p:nvPr>
+            <p:ph type="body"/>
+          </p:nvPr>
+        </p:nvSpPr>
+        <p:spPr>
+          <a:xfrm>
+            <a:off x="5152320" y="1769040"/>
+            <a:ext cx="4426560" cy="4384080"/>
+          </a:xfrm>
+          <a:prstGeom prst="rect">
+            <a:avLst/>
+          </a:prstGeom>
+        </p:spPr>
+        <p:txBody>
+          <a:bodyPr lIns="0" rIns="0" tIns="0" bIns="0"/>
+          <a:p>
+            <a:endParaRPr lang="en-US" sz="3200" spc="-1" strike="noStrike">
+              <a:solidFill>
+                <a:srgbClr val="000000"/>
+              </a:solidFill>
+              <a:uFill>
+                <a:solidFill>
+                  <a:srgbClr val="ffffff"/>
+                </a:solidFill>
+              </a:uFill>
+              <a:latin typeface="Arial"/>
+            </a:endParaRPr>
+          </a:p>
+        </p:txBody>
+      </p:sp>
+    </p:spTree>
+  </p:cSld>
+</p:sldLayout>
+</file>
+
+<file path=ppt/slideLayouts/slideLayout17.xml><?xml version="1.0" encoding="utf-8"?>
+<p:sldLayout xmlns:a="http://schemas.openxmlformats.org/drawingml/2006/main" xmlns:p="http://schemas.openxmlformats.org/presentationml/2006/main" xmlns:r="http://schemas.openxmlformats.org/officeDocument/2006/relationships" type="titleOnly" preserve="1">
+  <p:cSld name="Title Only">
+    <p:spTree>
+      <p:nvGrpSpPr>
+        <p:cNvPr id="1" name=""/>
+        <p:cNvGrpSpPr/>
+        <p:nvPr/>
+      </p:nvGrpSpPr>
+      <p:grpSpPr>
+        <a:xfrm>
+          <a:off x="0" y="0"/>
+          <a:ext cx="0" cy="0"/>
+          <a:chOff x="0" y="0"/>
+          <a:chExt cx="0" cy="0"/>
+        </a:xfrm>
+      </p:grpSpPr>
+      <p:sp>
+        <p:nvSpPr>
+          <p:cNvPr id="45" name="PlaceHolder 1"/>
+          <p:cNvSpPr>
+            <a:spLocks noGrp="1"/>
+          </p:cNvSpPr>
+          <p:nvPr>
+            <p:ph type="title"/>
+          </p:nvPr>
+        </p:nvSpPr>
+        <p:spPr>
+          <a:xfrm>
+            <a:off x="504000" y="301320"/>
+            <a:ext cx="9071280" cy="1261800"/>
+          </a:xfrm>
+          <a:prstGeom prst="rect">
+            <a:avLst/>
+          </a:prstGeom>
+        </p:spPr>
+        <p:txBody>
+          <a:bodyPr lIns="0" rIns="0" tIns="0" bIns="0" anchor="ctr"/>
+          <a:p>
+            <a:pPr algn="ctr"/>
+            <a:endParaRPr lang="en-US" sz="4400" spc="-1" strike="noStrike">
+              <a:solidFill>
+                <a:srgbClr val="000000"/>
+              </a:solidFill>
+              <a:uFill>
+                <a:solidFill>
+                  <a:srgbClr val="ffffff"/>
+                </a:solidFill>
+              </a:uFill>
+              <a:latin typeface="Arial"/>
+            </a:endParaRPr>
+          </a:p>
+        </p:txBody>
+      </p:sp>
+    </p:spTree>
+  </p:cSld>
+</p:sldLayout>
+</file>
+
+<file path=ppt/slideLayouts/slideLayout18.xml><?xml version="1.0" encoding="utf-8"?>
+<p:sldLayout xmlns:a="http://schemas.openxmlformats.org/drawingml/2006/main" xmlns:p="http://schemas.openxmlformats.org/presentationml/2006/main" xmlns:r="http://schemas.openxmlformats.org/officeDocument/2006/relationships" type="objOnly" preserve="1">
+  <p:cSld name="Centered Text">
+    <p:spTree>
+      <p:nvGrpSpPr>
+        <p:cNvPr id="1" name=""/>
+        <p:cNvGrpSpPr/>
+        <p:nvPr/>
+      </p:nvGrpSpPr>
+      <p:grpSpPr>
+        <a:xfrm>
+          <a:off x="0" y="0"/>
+          <a:ext cx="0" cy="0"/>
+          <a:chOff x="0" y="0"/>
+          <a:chExt cx="0" cy="0"/>
+        </a:xfrm>
+      </p:grpSpPr>
+      <p:sp>
+        <p:nvSpPr>
+          <p:cNvPr id="46" name="PlaceHolder 1"/>
+          <p:cNvSpPr>
+            <a:spLocks noGrp="1"/>
+          </p:cNvSpPr>
+          <p:nvPr>
+            <p:ph type="subTitle"/>
+          </p:nvPr>
+        </p:nvSpPr>
+        <p:spPr>
+          <a:xfrm>
+            <a:off x="504000" y="301320"/>
+            <a:ext cx="9071280" cy="5850360"/>
+          </a:xfrm>
+          <a:prstGeom prst="rect">
+            <a:avLst/>
+          </a:prstGeom>
+        </p:spPr>
+        <p:txBody>
+          <a:bodyPr lIns="0" rIns="0" tIns="0" bIns="0" anchor="ctr"/>
+          <a:p>
+            <a:pPr algn="ctr"/>
+            <a:endParaRPr lang="en-US" sz="3200" spc="-1" strike="noStrike">
+              <a:solidFill>
+                <a:srgbClr val="000000"/>
+              </a:solidFill>
+              <a:uFill>
+                <a:solidFill>
+                  <a:srgbClr val="ffffff"/>
+                </a:solidFill>
+              </a:uFill>
+              <a:latin typeface="Arial"/>
+            </a:endParaRPr>
+          </a:p>
+        </p:txBody>
+      </p:sp>
+    </p:spTree>
+  </p:cSld>
+</p:sldLayout>
+</file>
+
+<file path=ppt/slideLayouts/slideLayout19.xml><?xml version="1.0" encoding="utf-8"?>
+<p:sldLayout xmlns:a="http://schemas.openxmlformats.org/drawingml/2006/main" xmlns:p="http://schemas.openxmlformats.org/presentationml/2006/main" xmlns:r="http://schemas.openxmlformats.org/officeDocument/2006/relationships" type="twoObjAndObj" preserve="1">
+  <p:cSld name="Title, 2 Content and Content">
+    <p:spTree>
+      <p:nvGrpSpPr>
+        <p:cNvPr id="1" name=""/>
+        <p:cNvGrpSpPr/>
+        <p:nvPr/>
+      </p:nvGrpSpPr>
+      <p:grpSpPr>
+        <a:xfrm>
+          <a:off x="0" y="0"/>
+          <a:ext cx="0" cy="0"/>
+          <a:chOff x="0" y="0"/>
+          <a:chExt cx="0" cy="0"/>
+        </a:xfrm>
+      </p:grpSpPr>
+      <p:sp>
+        <p:nvSpPr>
+          <p:cNvPr id="47" name="PlaceHolder 1"/>
+          <p:cNvSpPr>
+            <a:spLocks noGrp="1"/>
+          </p:cNvSpPr>
+          <p:nvPr>
+            <p:ph type="title"/>
+          </p:nvPr>
+        </p:nvSpPr>
+        <p:spPr>
+          <a:xfrm>
+            <a:off x="504000" y="301320"/>
+            <a:ext cx="9071280" cy="1261800"/>
+          </a:xfrm>
+          <a:prstGeom prst="rect">
+            <a:avLst/>
+          </a:prstGeom>
+        </p:spPr>
+        <p:txBody>
+          <a:bodyPr lIns="0" rIns="0" tIns="0" bIns="0" anchor="ctr"/>
+          <a:p>
+            <a:pPr algn="ctr"/>
+            <a:endParaRPr lang="en-US" sz="4400" spc="-1" strike="noStrike">
+              <a:solidFill>
+                <a:srgbClr val="000000"/>
+              </a:solidFill>
+              <a:uFill>
+                <a:solidFill>
+                  <a:srgbClr val="ffffff"/>
+                </a:solidFill>
+              </a:uFill>
+              <a:latin typeface="Arial"/>
+            </a:endParaRPr>
+          </a:p>
+        </p:txBody>
+      </p:sp>
+      <p:sp>
+        <p:nvSpPr>
+          <p:cNvPr id="48" name="PlaceHolder 2"/>
+          <p:cNvSpPr>
+            <a:spLocks noGrp="1"/>
+          </p:cNvSpPr>
+          <p:nvPr>
+            <p:ph type="body"/>
+          </p:nvPr>
+        </p:nvSpPr>
+        <p:spPr>
+          <a:xfrm>
+            <a:off x="504000" y="1769040"/>
+            <a:ext cx="4426560" cy="2090880"/>
+          </a:xfrm>
+          <a:prstGeom prst="rect">
+            <a:avLst/>
+          </a:prstGeom>
+        </p:spPr>
+        <p:txBody>
+          <a:bodyPr lIns="0" rIns="0" tIns="0" bIns="0"/>
+          <a:p>
+            <a:endParaRPr lang="en-US" sz="3200" spc="-1" strike="noStrike">
+              <a:solidFill>
+                <a:srgbClr val="000000"/>
+              </a:solidFill>
+              <a:uFill>
+                <a:solidFill>
+                  <a:srgbClr val="ffffff"/>
+                </a:solidFill>
+              </a:uFill>
+              <a:latin typeface="Arial"/>
+            </a:endParaRPr>
+          </a:p>
+        </p:txBody>
+      </p:sp>
+      <p:sp>
+        <p:nvSpPr>
+          <p:cNvPr id="49" name="PlaceHolder 3"/>
+          <p:cNvSpPr>
+            <a:spLocks noGrp="1"/>
+          </p:cNvSpPr>
+          <p:nvPr>
+            <p:ph type="body"/>
+          </p:nvPr>
+        </p:nvSpPr>
+        <p:spPr>
+          <a:xfrm>
+            <a:off x="504000" y="4059000"/>
+            <a:ext cx="4426560" cy="2090880"/>
+          </a:xfrm>
+          <a:prstGeom prst="rect">
+            <a:avLst/>
+          </a:prstGeom>
+        </p:spPr>
+        <p:txBody>
+          <a:bodyPr lIns="0" rIns="0" tIns="0" bIns="0"/>
+          <a:p>
+            <a:endParaRPr lang="en-US" sz="3200" spc="-1" strike="noStrike">
+              <a:solidFill>
+                <a:srgbClr val="000000"/>
+              </a:solidFill>
+              <a:uFill>
+                <a:solidFill>
+                  <a:srgbClr val="ffffff"/>
+                </a:solidFill>
+              </a:uFill>
+              <a:latin typeface="Arial"/>
+            </a:endParaRPr>
+          </a:p>
+        </p:txBody>
+      </p:sp>
+      <p:sp>
+        <p:nvSpPr>
+          <p:cNvPr id="50" name="PlaceHolder 4"/>
+          <p:cNvSpPr>
+            <a:spLocks noGrp="1"/>
+          </p:cNvSpPr>
+          <p:nvPr>
+            <p:ph type="body"/>
+          </p:nvPr>
+        </p:nvSpPr>
+        <p:spPr>
+          <a:xfrm>
+            <a:off x="5152320" y="1769040"/>
+            <a:ext cx="4426560" cy="4384080"/>
+          </a:xfrm>
+          <a:prstGeom prst="rect">
+            <a:avLst/>
+          </a:prstGeom>
+        </p:spPr>
+        <p:txBody>
+          <a:bodyPr lIns="0" rIns="0" tIns="0" bIns="0"/>
+          <a:p>
+            <a:endParaRPr lang="en-US" sz="3200" spc="-1" strike="noStrike">
+              <a:solidFill>
+                <a:srgbClr val="000000"/>
+              </a:solidFill>
+              <a:uFill>
+                <a:solidFill>
+                  <a:srgbClr val="ffffff"/>
+                </a:solidFill>
+              </a:uFill>
+              <a:latin typeface="Arial"/>
+            </a:endParaRPr>
+          </a:p>
+        </p:txBody>
+      </p:sp>
     </p:spTree>
   </p:cSld>
 </p:sldLayout>
@@ -570,7 +1200,7 @@
       </p:grpSpPr>
       <p:sp>
         <p:nvSpPr>
-          <p:cNvPr id="5" name="PlaceHolder 1"/>
+          <p:cNvPr id="2" name="PlaceHolder 1"/>
           <p:cNvSpPr>
             <a:spLocks noGrp="1"/>
           </p:cNvSpPr>
@@ -581,7 +1211,7 @@
         <p:spPr>
           <a:xfrm>
             <a:off x="504000" y="301320"/>
-            <a:ext cx="9071640" cy="1262160"/>
+            <a:ext cx="9071280" cy="1261800"/>
           </a:xfrm>
           <a:prstGeom prst="rect">
             <a:avLst/>
@@ -607,7 +1237,7 @@
       </p:sp>
       <p:sp>
         <p:nvSpPr>
-          <p:cNvPr id="6" name="PlaceHolder 2"/>
+          <p:cNvPr id="3" name="PlaceHolder 2"/>
           <p:cNvSpPr>
             <a:spLocks noGrp="1"/>
           </p:cNvSpPr>
@@ -618,7 +1248,7 @@
         <p:spPr>
           <a:xfrm>
             <a:off x="504000" y="1769040"/>
-            <a:ext cx="9071640" cy="4384440"/>
+            <a:ext cx="9071280" cy="4384080"/>
           </a:xfrm>
           <a:prstGeom prst="rect">
             <a:avLst/>
@@ -642,6 +1272,851 @@
           </a:p>
         </p:txBody>
       </p:sp>
+    </p:spTree>
+  </p:cSld>
+</p:sldLayout>
+</file>
+
+<file path=ppt/slideLayouts/slideLayout20.xml><?xml version="1.0" encoding="utf-8"?>
+<p:sldLayout xmlns:a="http://schemas.openxmlformats.org/drawingml/2006/main" xmlns:p="http://schemas.openxmlformats.org/presentationml/2006/main" xmlns:r="http://schemas.openxmlformats.org/officeDocument/2006/relationships" type="objAndTwoObj" preserve="1">
+  <p:cSld name="Title Content and 2 Content">
+    <p:spTree>
+      <p:nvGrpSpPr>
+        <p:cNvPr id="1" name=""/>
+        <p:cNvGrpSpPr/>
+        <p:nvPr/>
+      </p:nvGrpSpPr>
+      <p:grpSpPr>
+        <a:xfrm>
+          <a:off x="0" y="0"/>
+          <a:ext cx="0" cy="0"/>
+          <a:chOff x="0" y="0"/>
+          <a:chExt cx="0" cy="0"/>
+        </a:xfrm>
+      </p:grpSpPr>
+      <p:sp>
+        <p:nvSpPr>
+          <p:cNvPr id="51" name="PlaceHolder 1"/>
+          <p:cNvSpPr>
+            <a:spLocks noGrp="1"/>
+          </p:cNvSpPr>
+          <p:nvPr>
+            <p:ph type="title"/>
+          </p:nvPr>
+        </p:nvSpPr>
+        <p:spPr>
+          <a:xfrm>
+            <a:off x="504000" y="301320"/>
+            <a:ext cx="9071280" cy="1261800"/>
+          </a:xfrm>
+          <a:prstGeom prst="rect">
+            <a:avLst/>
+          </a:prstGeom>
+        </p:spPr>
+        <p:txBody>
+          <a:bodyPr lIns="0" rIns="0" tIns="0" bIns="0" anchor="ctr"/>
+          <a:p>
+            <a:pPr algn="ctr"/>
+            <a:endParaRPr lang="en-US" sz="4400" spc="-1" strike="noStrike">
+              <a:solidFill>
+                <a:srgbClr val="000000"/>
+              </a:solidFill>
+              <a:uFill>
+                <a:solidFill>
+                  <a:srgbClr val="ffffff"/>
+                </a:solidFill>
+              </a:uFill>
+              <a:latin typeface="Arial"/>
+            </a:endParaRPr>
+          </a:p>
+        </p:txBody>
+      </p:sp>
+      <p:sp>
+        <p:nvSpPr>
+          <p:cNvPr id="52" name="PlaceHolder 2"/>
+          <p:cNvSpPr>
+            <a:spLocks noGrp="1"/>
+          </p:cNvSpPr>
+          <p:nvPr>
+            <p:ph type="body"/>
+          </p:nvPr>
+        </p:nvSpPr>
+        <p:spPr>
+          <a:xfrm>
+            <a:off x="504000" y="1769040"/>
+            <a:ext cx="4426560" cy="4384080"/>
+          </a:xfrm>
+          <a:prstGeom prst="rect">
+            <a:avLst/>
+          </a:prstGeom>
+        </p:spPr>
+        <p:txBody>
+          <a:bodyPr lIns="0" rIns="0" tIns="0" bIns="0"/>
+          <a:p>
+            <a:endParaRPr lang="en-US" sz="3200" spc="-1" strike="noStrike">
+              <a:solidFill>
+                <a:srgbClr val="000000"/>
+              </a:solidFill>
+              <a:uFill>
+                <a:solidFill>
+                  <a:srgbClr val="ffffff"/>
+                </a:solidFill>
+              </a:uFill>
+              <a:latin typeface="Arial"/>
+            </a:endParaRPr>
+          </a:p>
+        </p:txBody>
+      </p:sp>
+      <p:sp>
+        <p:nvSpPr>
+          <p:cNvPr id="53" name="PlaceHolder 3"/>
+          <p:cNvSpPr>
+            <a:spLocks noGrp="1"/>
+          </p:cNvSpPr>
+          <p:nvPr>
+            <p:ph type="body"/>
+          </p:nvPr>
+        </p:nvSpPr>
+        <p:spPr>
+          <a:xfrm>
+            <a:off x="5152320" y="1769040"/>
+            <a:ext cx="4426560" cy="2090880"/>
+          </a:xfrm>
+          <a:prstGeom prst="rect">
+            <a:avLst/>
+          </a:prstGeom>
+        </p:spPr>
+        <p:txBody>
+          <a:bodyPr lIns="0" rIns="0" tIns="0" bIns="0"/>
+          <a:p>
+            <a:endParaRPr lang="en-US" sz="3200" spc="-1" strike="noStrike">
+              <a:solidFill>
+                <a:srgbClr val="000000"/>
+              </a:solidFill>
+              <a:uFill>
+                <a:solidFill>
+                  <a:srgbClr val="ffffff"/>
+                </a:solidFill>
+              </a:uFill>
+              <a:latin typeface="Arial"/>
+            </a:endParaRPr>
+          </a:p>
+        </p:txBody>
+      </p:sp>
+      <p:sp>
+        <p:nvSpPr>
+          <p:cNvPr id="54" name="PlaceHolder 4"/>
+          <p:cNvSpPr>
+            <a:spLocks noGrp="1"/>
+          </p:cNvSpPr>
+          <p:nvPr>
+            <p:ph type="body"/>
+          </p:nvPr>
+        </p:nvSpPr>
+        <p:spPr>
+          <a:xfrm>
+            <a:off x="5152320" y="4059000"/>
+            <a:ext cx="4426560" cy="2090880"/>
+          </a:xfrm>
+          <a:prstGeom prst="rect">
+            <a:avLst/>
+          </a:prstGeom>
+        </p:spPr>
+        <p:txBody>
+          <a:bodyPr lIns="0" rIns="0" tIns="0" bIns="0"/>
+          <a:p>
+            <a:endParaRPr lang="en-US" sz="3200" spc="-1" strike="noStrike">
+              <a:solidFill>
+                <a:srgbClr val="000000"/>
+              </a:solidFill>
+              <a:uFill>
+                <a:solidFill>
+                  <a:srgbClr val="ffffff"/>
+                </a:solidFill>
+              </a:uFill>
+              <a:latin typeface="Arial"/>
+            </a:endParaRPr>
+          </a:p>
+        </p:txBody>
+      </p:sp>
+    </p:spTree>
+  </p:cSld>
+</p:sldLayout>
+</file>
+
+<file path=ppt/slideLayouts/slideLayout21.xml><?xml version="1.0" encoding="utf-8"?>
+<p:sldLayout xmlns:a="http://schemas.openxmlformats.org/drawingml/2006/main" xmlns:p="http://schemas.openxmlformats.org/presentationml/2006/main" xmlns:r="http://schemas.openxmlformats.org/officeDocument/2006/relationships" type="twoObjOverTx" preserve="1">
+  <p:cSld name="Title, 2 Content over Content">
+    <p:spTree>
+      <p:nvGrpSpPr>
+        <p:cNvPr id="1" name=""/>
+        <p:cNvGrpSpPr/>
+        <p:nvPr/>
+      </p:nvGrpSpPr>
+      <p:grpSpPr>
+        <a:xfrm>
+          <a:off x="0" y="0"/>
+          <a:ext cx="0" cy="0"/>
+          <a:chOff x="0" y="0"/>
+          <a:chExt cx="0" cy="0"/>
+        </a:xfrm>
+      </p:grpSpPr>
+      <p:sp>
+        <p:nvSpPr>
+          <p:cNvPr id="55" name="PlaceHolder 1"/>
+          <p:cNvSpPr>
+            <a:spLocks noGrp="1"/>
+          </p:cNvSpPr>
+          <p:nvPr>
+            <p:ph type="title"/>
+          </p:nvPr>
+        </p:nvSpPr>
+        <p:spPr>
+          <a:xfrm>
+            <a:off x="504000" y="301320"/>
+            <a:ext cx="9071280" cy="1261800"/>
+          </a:xfrm>
+          <a:prstGeom prst="rect">
+            <a:avLst/>
+          </a:prstGeom>
+        </p:spPr>
+        <p:txBody>
+          <a:bodyPr lIns="0" rIns="0" tIns="0" bIns="0" anchor="ctr"/>
+          <a:p>
+            <a:pPr algn="ctr"/>
+            <a:endParaRPr lang="en-US" sz="4400" spc="-1" strike="noStrike">
+              <a:solidFill>
+                <a:srgbClr val="000000"/>
+              </a:solidFill>
+              <a:uFill>
+                <a:solidFill>
+                  <a:srgbClr val="ffffff"/>
+                </a:solidFill>
+              </a:uFill>
+              <a:latin typeface="Arial"/>
+            </a:endParaRPr>
+          </a:p>
+        </p:txBody>
+      </p:sp>
+      <p:sp>
+        <p:nvSpPr>
+          <p:cNvPr id="56" name="PlaceHolder 2"/>
+          <p:cNvSpPr>
+            <a:spLocks noGrp="1"/>
+          </p:cNvSpPr>
+          <p:nvPr>
+            <p:ph type="body"/>
+          </p:nvPr>
+        </p:nvSpPr>
+        <p:spPr>
+          <a:xfrm>
+            <a:off x="504000" y="1769040"/>
+            <a:ext cx="4426560" cy="2090880"/>
+          </a:xfrm>
+          <a:prstGeom prst="rect">
+            <a:avLst/>
+          </a:prstGeom>
+        </p:spPr>
+        <p:txBody>
+          <a:bodyPr lIns="0" rIns="0" tIns="0" bIns="0"/>
+          <a:p>
+            <a:endParaRPr lang="en-US" sz="3200" spc="-1" strike="noStrike">
+              <a:solidFill>
+                <a:srgbClr val="000000"/>
+              </a:solidFill>
+              <a:uFill>
+                <a:solidFill>
+                  <a:srgbClr val="ffffff"/>
+                </a:solidFill>
+              </a:uFill>
+              <a:latin typeface="Arial"/>
+            </a:endParaRPr>
+          </a:p>
+        </p:txBody>
+      </p:sp>
+      <p:sp>
+        <p:nvSpPr>
+          <p:cNvPr id="57" name="PlaceHolder 3"/>
+          <p:cNvSpPr>
+            <a:spLocks noGrp="1"/>
+          </p:cNvSpPr>
+          <p:nvPr>
+            <p:ph type="body"/>
+          </p:nvPr>
+        </p:nvSpPr>
+        <p:spPr>
+          <a:xfrm>
+            <a:off x="5152320" y="1769040"/>
+            <a:ext cx="4426560" cy="2090880"/>
+          </a:xfrm>
+          <a:prstGeom prst="rect">
+            <a:avLst/>
+          </a:prstGeom>
+        </p:spPr>
+        <p:txBody>
+          <a:bodyPr lIns="0" rIns="0" tIns="0" bIns="0"/>
+          <a:p>
+            <a:endParaRPr lang="en-US" sz="3200" spc="-1" strike="noStrike">
+              <a:solidFill>
+                <a:srgbClr val="000000"/>
+              </a:solidFill>
+              <a:uFill>
+                <a:solidFill>
+                  <a:srgbClr val="ffffff"/>
+                </a:solidFill>
+              </a:uFill>
+              <a:latin typeface="Arial"/>
+            </a:endParaRPr>
+          </a:p>
+        </p:txBody>
+      </p:sp>
+      <p:sp>
+        <p:nvSpPr>
+          <p:cNvPr id="58" name="PlaceHolder 4"/>
+          <p:cNvSpPr>
+            <a:spLocks noGrp="1"/>
+          </p:cNvSpPr>
+          <p:nvPr>
+            <p:ph type="body"/>
+          </p:nvPr>
+        </p:nvSpPr>
+        <p:spPr>
+          <a:xfrm>
+            <a:off x="504000" y="4059000"/>
+            <a:ext cx="9071280" cy="2090880"/>
+          </a:xfrm>
+          <a:prstGeom prst="rect">
+            <a:avLst/>
+          </a:prstGeom>
+        </p:spPr>
+        <p:txBody>
+          <a:bodyPr lIns="0" rIns="0" tIns="0" bIns="0"/>
+          <a:p>
+            <a:endParaRPr lang="en-US" sz="3200" spc="-1" strike="noStrike">
+              <a:solidFill>
+                <a:srgbClr val="000000"/>
+              </a:solidFill>
+              <a:uFill>
+                <a:solidFill>
+                  <a:srgbClr val="ffffff"/>
+                </a:solidFill>
+              </a:uFill>
+              <a:latin typeface="Arial"/>
+            </a:endParaRPr>
+          </a:p>
+        </p:txBody>
+      </p:sp>
+    </p:spTree>
+  </p:cSld>
+</p:sldLayout>
+</file>
+
+<file path=ppt/slideLayouts/slideLayout22.xml><?xml version="1.0" encoding="utf-8"?>
+<p:sldLayout xmlns:a="http://schemas.openxmlformats.org/drawingml/2006/main" xmlns:p="http://schemas.openxmlformats.org/presentationml/2006/main" xmlns:r="http://schemas.openxmlformats.org/officeDocument/2006/relationships" type="objOverTx" preserve="1">
+  <p:cSld name="Title, Content over Content">
+    <p:spTree>
+      <p:nvGrpSpPr>
+        <p:cNvPr id="1" name=""/>
+        <p:cNvGrpSpPr/>
+        <p:nvPr/>
+      </p:nvGrpSpPr>
+      <p:grpSpPr>
+        <a:xfrm>
+          <a:off x="0" y="0"/>
+          <a:ext cx="0" cy="0"/>
+          <a:chOff x="0" y="0"/>
+          <a:chExt cx="0" cy="0"/>
+        </a:xfrm>
+      </p:grpSpPr>
+      <p:sp>
+        <p:nvSpPr>
+          <p:cNvPr id="59" name="PlaceHolder 1"/>
+          <p:cNvSpPr>
+            <a:spLocks noGrp="1"/>
+          </p:cNvSpPr>
+          <p:nvPr>
+            <p:ph type="title"/>
+          </p:nvPr>
+        </p:nvSpPr>
+        <p:spPr>
+          <a:xfrm>
+            <a:off x="504000" y="301320"/>
+            <a:ext cx="9071280" cy="1261800"/>
+          </a:xfrm>
+          <a:prstGeom prst="rect">
+            <a:avLst/>
+          </a:prstGeom>
+        </p:spPr>
+        <p:txBody>
+          <a:bodyPr lIns="0" rIns="0" tIns="0" bIns="0" anchor="ctr"/>
+          <a:p>
+            <a:pPr algn="ctr"/>
+            <a:endParaRPr lang="en-US" sz="4400" spc="-1" strike="noStrike">
+              <a:solidFill>
+                <a:srgbClr val="000000"/>
+              </a:solidFill>
+              <a:uFill>
+                <a:solidFill>
+                  <a:srgbClr val="ffffff"/>
+                </a:solidFill>
+              </a:uFill>
+              <a:latin typeface="Arial"/>
+            </a:endParaRPr>
+          </a:p>
+        </p:txBody>
+      </p:sp>
+      <p:sp>
+        <p:nvSpPr>
+          <p:cNvPr id="60" name="PlaceHolder 2"/>
+          <p:cNvSpPr>
+            <a:spLocks noGrp="1"/>
+          </p:cNvSpPr>
+          <p:nvPr>
+            <p:ph type="body"/>
+          </p:nvPr>
+        </p:nvSpPr>
+        <p:spPr>
+          <a:xfrm>
+            <a:off x="504000" y="1769040"/>
+            <a:ext cx="9071280" cy="2090880"/>
+          </a:xfrm>
+          <a:prstGeom prst="rect">
+            <a:avLst/>
+          </a:prstGeom>
+        </p:spPr>
+        <p:txBody>
+          <a:bodyPr lIns="0" rIns="0" tIns="0" bIns="0"/>
+          <a:p>
+            <a:endParaRPr lang="en-US" sz="3200" spc="-1" strike="noStrike">
+              <a:solidFill>
+                <a:srgbClr val="000000"/>
+              </a:solidFill>
+              <a:uFill>
+                <a:solidFill>
+                  <a:srgbClr val="ffffff"/>
+                </a:solidFill>
+              </a:uFill>
+              <a:latin typeface="Arial"/>
+            </a:endParaRPr>
+          </a:p>
+        </p:txBody>
+      </p:sp>
+      <p:sp>
+        <p:nvSpPr>
+          <p:cNvPr id="61" name="PlaceHolder 3"/>
+          <p:cNvSpPr>
+            <a:spLocks noGrp="1"/>
+          </p:cNvSpPr>
+          <p:nvPr>
+            <p:ph type="body"/>
+          </p:nvPr>
+        </p:nvSpPr>
+        <p:spPr>
+          <a:xfrm>
+            <a:off x="504000" y="4059000"/>
+            <a:ext cx="9071280" cy="2090880"/>
+          </a:xfrm>
+          <a:prstGeom prst="rect">
+            <a:avLst/>
+          </a:prstGeom>
+        </p:spPr>
+        <p:txBody>
+          <a:bodyPr lIns="0" rIns="0" tIns="0" bIns="0"/>
+          <a:p>
+            <a:endParaRPr lang="en-US" sz="3200" spc="-1" strike="noStrike">
+              <a:solidFill>
+                <a:srgbClr val="000000"/>
+              </a:solidFill>
+              <a:uFill>
+                <a:solidFill>
+                  <a:srgbClr val="ffffff"/>
+                </a:solidFill>
+              </a:uFill>
+              <a:latin typeface="Arial"/>
+            </a:endParaRPr>
+          </a:p>
+        </p:txBody>
+      </p:sp>
+    </p:spTree>
+  </p:cSld>
+</p:sldLayout>
+</file>
+
+<file path=ppt/slideLayouts/slideLayout23.xml><?xml version="1.0" encoding="utf-8"?>
+<p:sldLayout xmlns:a="http://schemas.openxmlformats.org/drawingml/2006/main" xmlns:p="http://schemas.openxmlformats.org/presentationml/2006/main" xmlns:r="http://schemas.openxmlformats.org/officeDocument/2006/relationships" type="fourObj" preserve="1">
+  <p:cSld name="Title, 4 Content">
+    <p:spTree>
+      <p:nvGrpSpPr>
+        <p:cNvPr id="1" name=""/>
+        <p:cNvGrpSpPr/>
+        <p:nvPr/>
+      </p:nvGrpSpPr>
+      <p:grpSpPr>
+        <a:xfrm>
+          <a:off x="0" y="0"/>
+          <a:ext cx="0" cy="0"/>
+          <a:chOff x="0" y="0"/>
+          <a:chExt cx="0" cy="0"/>
+        </a:xfrm>
+      </p:grpSpPr>
+      <p:sp>
+        <p:nvSpPr>
+          <p:cNvPr id="62" name="PlaceHolder 1"/>
+          <p:cNvSpPr>
+            <a:spLocks noGrp="1"/>
+          </p:cNvSpPr>
+          <p:nvPr>
+            <p:ph type="title"/>
+          </p:nvPr>
+        </p:nvSpPr>
+        <p:spPr>
+          <a:xfrm>
+            <a:off x="504000" y="301320"/>
+            <a:ext cx="9071280" cy="1261800"/>
+          </a:xfrm>
+          <a:prstGeom prst="rect">
+            <a:avLst/>
+          </a:prstGeom>
+        </p:spPr>
+        <p:txBody>
+          <a:bodyPr lIns="0" rIns="0" tIns="0" bIns="0" anchor="ctr"/>
+          <a:p>
+            <a:pPr algn="ctr"/>
+            <a:endParaRPr lang="en-US" sz="4400" spc="-1" strike="noStrike">
+              <a:solidFill>
+                <a:srgbClr val="000000"/>
+              </a:solidFill>
+              <a:uFill>
+                <a:solidFill>
+                  <a:srgbClr val="ffffff"/>
+                </a:solidFill>
+              </a:uFill>
+              <a:latin typeface="Arial"/>
+            </a:endParaRPr>
+          </a:p>
+        </p:txBody>
+      </p:sp>
+      <p:sp>
+        <p:nvSpPr>
+          <p:cNvPr id="63" name="PlaceHolder 2"/>
+          <p:cNvSpPr>
+            <a:spLocks noGrp="1"/>
+          </p:cNvSpPr>
+          <p:nvPr>
+            <p:ph type="body"/>
+          </p:nvPr>
+        </p:nvSpPr>
+        <p:spPr>
+          <a:xfrm>
+            <a:off x="504000" y="1769040"/>
+            <a:ext cx="4426560" cy="2090880"/>
+          </a:xfrm>
+          <a:prstGeom prst="rect">
+            <a:avLst/>
+          </a:prstGeom>
+        </p:spPr>
+        <p:txBody>
+          <a:bodyPr lIns="0" rIns="0" tIns="0" bIns="0"/>
+          <a:p>
+            <a:endParaRPr lang="en-US" sz="3200" spc="-1" strike="noStrike">
+              <a:solidFill>
+                <a:srgbClr val="000000"/>
+              </a:solidFill>
+              <a:uFill>
+                <a:solidFill>
+                  <a:srgbClr val="ffffff"/>
+                </a:solidFill>
+              </a:uFill>
+              <a:latin typeface="Arial"/>
+            </a:endParaRPr>
+          </a:p>
+        </p:txBody>
+      </p:sp>
+      <p:sp>
+        <p:nvSpPr>
+          <p:cNvPr id="64" name="PlaceHolder 3"/>
+          <p:cNvSpPr>
+            <a:spLocks noGrp="1"/>
+          </p:cNvSpPr>
+          <p:nvPr>
+            <p:ph type="body"/>
+          </p:nvPr>
+        </p:nvSpPr>
+        <p:spPr>
+          <a:xfrm>
+            <a:off x="5152320" y="1769040"/>
+            <a:ext cx="4426560" cy="2090880"/>
+          </a:xfrm>
+          <a:prstGeom prst="rect">
+            <a:avLst/>
+          </a:prstGeom>
+        </p:spPr>
+        <p:txBody>
+          <a:bodyPr lIns="0" rIns="0" tIns="0" bIns="0"/>
+          <a:p>
+            <a:endParaRPr lang="en-US" sz="3200" spc="-1" strike="noStrike">
+              <a:solidFill>
+                <a:srgbClr val="000000"/>
+              </a:solidFill>
+              <a:uFill>
+                <a:solidFill>
+                  <a:srgbClr val="ffffff"/>
+                </a:solidFill>
+              </a:uFill>
+              <a:latin typeface="Arial"/>
+            </a:endParaRPr>
+          </a:p>
+        </p:txBody>
+      </p:sp>
+      <p:sp>
+        <p:nvSpPr>
+          <p:cNvPr id="65" name="PlaceHolder 4"/>
+          <p:cNvSpPr>
+            <a:spLocks noGrp="1"/>
+          </p:cNvSpPr>
+          <p:nvPr>
+            <p:ph type="body"/>
+          </p:nvPr>
+        </p:nvSpPr>
+        <p:spPr>
+          <a:xfrm>
+            <a:off x="5152320" y="4059000"/>
+            <a:ext cx="4426560" cy="2090880"/>
+          </a:xfrm>
+          <a:prstGeom prst="rect">
+            <a:avLst/>
+          </a:prstGeom>
+        </p:spPr>
+        <p:txBody>
+          <a:bodyPr lIns="0" rIns="0" tIns="0" bIns="0"/>
+          <a:p>
+            <a:endParaRPr lang="en-US" sz="3200" spc="-1" strike="noStrike">
+              <a:solidFill>
+                <a:srgbClr val="000000"/>
+              </a:solidFill>
+              <a:uFill>
+                <a:solidFill>
+                  <a:srgbClr val="ffffff"/>
+                </a:solidFill>
+              </a:uFill>
+              <a:latin typeface="Arial"/>
+            </a:endParaRPr>
+          </a:p>
+        </p:txBody>
+      </p:sp>
+      <p:sp>
+        <p:nvSpPr>
+          <p:cNvPr id="66" name="PlaceHolder 5"/>
+          <p:cNvSpPr>
+            <a:spLocks noGrp="1"/>
+          </p:cNvSpPr>
+          <p:nvPr>
+            <p:ph type="body"/>
+          </p:nvPr>
+        </p:nvSpPr>
+        <p:spPr>
+          <a:xfrm>
+            <a:off x="504000" y="4059000"/>
+            <a:ext cx="4426560" cy="2090880"/>
+          </a:xfrm>
+          <a:prstGeom prst="rect">
+            <a:avLst/>
+          </a:prstGeom>
+        </p:spPr>
+        <p:txBody>
+          <a:bodyPr lIns="0" rIns="0" tIns="0" bIns="0"/>
+          <a:p>
+            <a:endParaRPr lang="en-US" sz="3200" spc="-1" strike="noStrike">
+              <a:solidFill>
+                <a:srgbClr val="000000"/>
+              </a:solidFill>
+              <a:uFill>
+                <a:solidFill>
+                  <a:srgbClr val="ffffff"/>
+                </a:solidFill>
+              </a:uFill>
+              <a:latin typeface="Arial"/>
+            </a:endParaRPr>
+          </a:p>
+        </p:txBody>
+      </p:sp>
+    </p:spTree>
+  </p:cSld>
+</p:sldLayout>
+</file>
+
+<file path=ppt/slideLayouts/slideLayout24.xml><?xml version="1.0" encoding="utf-8"?>
+<p:sldLayout xmlns:a="http://schemas.openxmlformats.org/drawingml/2006/main" xmlns:p="http://schemas.openxmlformats.org/presentationml/2006/main" xmlns:r="http://schemas.openxmlformats.org/officeDocument/2006/relationships" type="blank" preserve="1">
+  <p:cSld name="Title, 6 Content">
+    <p:spTree>
+      <p:nvGrpSpPr>
+        <p:cNvPr id="1" name=""/>
+        <p:cNvGrpSpPr/>
+        <p:nvPr/>
+      </p:nvGrpSpPr>
+      <p:grpSpPr>
+        <a:xfrm>
+          <a:off x="0" y="0"/>
+          <a:ext cx="0" cy="0"/>
+          <a:chOff x="0" y="0"/>
+          <a:chExt cx="0" cy="0"/>
+        </a:xfrm>
+      </p:grpSpPr>
+      <p:sp>
+        <p:nvSpPr>
+          <p:cNvPr id="67" name="PlaceHolder 1"/>
+          <p:cNvSpPr>
+            <a:spLocks noGrp="1"/>
+          </p:cNvSpPr>
+          <p:nvPr>
+            <p:ph type="title"/>
+          </p:nvPr>
+        </p:nvSpPr>
+        <p:spPr>
+          <a:xfrm>
+            <a:off x="504000" y="301320"/>
+            <a:ext cx="9071280" cy="1261800"/>
+          </a:xfrm>
+          <a:prstGeom prst="rect">
+            <a:avLst/>
+          </a:prstGeom>
+        </p:spPr>
+        <p:txBody>
+          <a:bodyPr lIns="0" rIns="0" tIns="0" bIns="0" anchor="ctr"/>
+          <a:p>
+            <a:pPr algn="ctr"/>
+            <a:endParaRPr lang="en-US" sz="4400" spc="-1" strike="noStrike">
+              <a:solidFill>
+                <a:srgbClr val="000000"/>
+              </a:solidFill>
+              <a:uFill>
+                <a:solidFill>
+                  <a:srgbClr val="ffffff"/>
+                </a:solidFill>
+              </a:uFill>
+              <a:latin typeface="Arial"/>
+            </a:endParaRPr>
+          </a:p>
+        </p:txBody>
+      </p:sp>
+      <p:sp>
+        <p:nvSpPr>
+          <p:cNvPr id="68" name="PlaceHolder 2"/>
+          <p:cNvSpPr>
+            <a:spLocks noGrp="1"/>
+          </p:cNvSpPr>
+          <p:nvPr>
+            <p:ph type="body"/>
+          </p:nvPr>
+        </p:nvSpPr>
+        <p:spPr>
+          <a:xfrm>
+            <a:off x="504000" y="1769040"/>
+            <a:ext cx="9071280" cy="4384080"/>
+          </a:xfrm>
+          <a:prstGeom prst="rect">
+            <a:avLst/>
+          </a:prstGeom>
+        </p:spPr>
+        <p:txBody>
+          <a:bodyPr lIns="0" rIns="0" tIns="0" bIns="0"/>
+          <a:p>
+            <a:endParaRPr lang="en-US" sz="3200" spc="-1" strike="noStrike">
+              <a:solidFill>
+                <a:srgbClr val="000000"/>
+              </a:solidFill>
+              <a:uFill>
+                <a:solidFill>
+                  <a:srgbClr val="ffffff"/>
+                </a:solidFill>
+              </a:uFill>
+              <a:latin typeface="Arial"/>
+            </a:endParaRPr>
+          </a:p>
+        </p:txBody>
+      </p:sp>
+      <p:sp>
+        <p:nvSpPr>
+          <p:cNvPr id="69" name="PlaceHolder 3"/>
+          <p:cNvSpPr>
+            <a:spLocks noGrp="1"/>
+          </p:cNvSpPr>
+          <p:nvPr>
+            <p:ph type="body"/>
+          </p:nvPr>
+        </p:nvSpPr>
+        <p:spPr>
+          <a:xfrm>
+            <a:off x="504000" y="1769040"/>
+            <a:ext cx="9071280" cy="4384080"/>
+          </a:xfrm>
+          <a:prstGeom prst="rect">
+            <a:avLst/>
+          </a:prstGeom>
+        </p:spPr>
+        <p:txBody>
+          <a:bodyPr lIns="0" rIns="0" tIns="0" bIns="0"/>
+          <a:p>
+            <a:endParaRPr lang="en-US" sz="3200" spc="-1" strike="noStrike">
+              <a:solidFill>
+                <a:srgbClr val="000000"/>
+              </a:solidFill>
+              <a:uFill>
+                <a:solidFill>
+                  <a:srgbClr val="ffffff"/>
+                </a:solidFill>
+              </a:uFill>
+              <a:latin typeface="Arial"/>
+            </a:endParaRPr>
+          </a:p>
+        </p:txBody>
+      </p:sp>
+      <p:pic>
+        <p:nvPicPr>
+          <p:cNvPr id="70" name="" descr=""/>
+          <p:cNvPicPr/>
+          <p:nvPr/>
+        </p:nvPicPr>
+        <p:blipFill>
+          <a:blip r:embed="rId2"/>
+          <a:stretch/>
+        </p:blipFill>
+        <p:spPr>
+          <a:xfrm>
+            <a:off x="2292120" y="1769040"/>
+            <a:ext cx="5494680" cy="4384080"/>
+          </a:xfrm>
+          <a:prstGeom prst="rect">
+            <a:avLst/>
+          </a:prstGeom>
+          <a:ln>
+            <a:noFill/>
+          </a:ln>
+        </p:spPr>
+      </p:pic>
+      <p:pic>
+        <p:nvPicPr>
+          <p:cNvPr id="71" name="" descr=""/>
+          <p:cNvPicPr/>
+          <p:nvPr/>
+        </p:nvPicPr>
+        <p:blipFill>
+          <a:blip r:embed="rId3"/>
+          <a:stretch/>
+        </p:blipFill>
+        <p:spPr>
+          <a:xfrm>
+            <a:off x="2292120" y="1769040"/>
+            <a:ext cx="5494680" cy="4384080"/>
+          </a:xfrm>
+          <a:prstGeom prst="rect">
+            <a:avLst/>
+          </a:prstGeom>
+          <a:ln>
+            <a:noFill/>
+          </a:ln>
+        </p:spPr>
+      </p:pic>
     </p:spTree>
   </p:cSld>
 </p:sldLayout>
@@ -666,7 +2141,7 @@
       </p:grpSpPr>
       <p:sp>
         <p:nvSpPr>
-          <p:cNvPr id="7" name="PlaceHolder 1"/>
+          <p:cNvPr id="4" name="PlaceHolder 1"/>
           <p:cNvSpPr>
             <a:spLocks noGrp="1"/>
           </p:cNvSpPr>
@@ -677,7 +2152,7 @@
         <p:spPr>
           <a:xfrm>
             <a:off x="504000" y="301320"/>
-            <a:ext cx="9071640" cy="1262160"/>
+            <a:ext cx="9071280" cy="1261800"/>
           </a:xfrm>
           <a:prstGeom prst="rect">
             <a:avLst/>
@@ -703,7 +2178,7 @@
       </p:sp>
       <p:sp>
         <p:nvSpPr>
-          <p:cNvPr id="8" name="PlaceHolder 2"/>
+          <p:cNvPr id="5" name="PlaceHolder 2"/>
           <p:cNvSpPr>
             <a:spLocks noGrp="1"/>
           </p:cNvSpPr>
@@ -714,7 +2189,7 @@
         <p:spPr>
           <a:xfrm>
             <a:off x="504000" y="1769040"/>
-            <a:ext cx="9071640" cy="4384440"/>
+            <a:ext cx="9071280" cy="4384080"/>
           </a:xfrm>
           <a:prstGeom prst="rect">
             <a:avLst/>
@@ -761,7 +2236,7 @@
       </p:grpSpPr>
       <p:sp>
         <p:nvSpPr>
-          <p:cNvPr id="9" name="PlaceHolder 1"/>
+          <p:cNvPr id="6" name="PlaceHolder 1"/>
           <p:cNvSpPr>
             <a:spLocks noGrp="1"/>
           </p:cNvSpPr>
@@ -772,7 +2247,7 @@
         <p:spPr>
           <a:xfrm>
             <a:off x="504000" y="301320"/>
-            <a:ext cx="9071640" cy="1262160"/>
+            <a:ext cx="9071280" cy="1261800"/>
           </a:xfrm>
           <a:prstGeom prst="rect">
             <a:avLst/>
@@ -798,7 +2273,7 @@
       </p:sp>
       <p:sp>
         <p:nvSpPr>
-          <p:cNvPr id="10" name="PlaceHolder 2"/>
+          <p:cNvPr id="7" name="PlaceHolder 2"/>
           <p:cNvSpPr>
             <a:spLocks noGrp="1"/>
           </p:cNvSpPr>
@@ -809,7 +2284,7 @@
         <p:spPr>
           <a:xfrm>
             <a:off x="504000" y="1769040"/>
-            <a:ext cx="4426920" cy="4384440"/>
+            <a:ext cx="4426560" cy="4384080"/>
           </a:xfrm>
           <a:prstGeom prst="rect">
             <a:avLst/>
@@ -834,7 +2309,7 @@
       </p:sp>
       <p:sp>
         <p:nvSpPr>
-          <p:cNvPr id="11" name="PlaceHolder 3"/>
+          <p:cNvPr id="8" name="PlaceHolder 3"/>
           <p:cNvSpPr>
             <a:spLocks noGrp="1"/>
           </p:cNvSpPr>
@@ -844,8 +2319,8 @@
         </p:nvSpPr>
         <p:spPr>
           <a:xfrm>
-            <a:off x="5152680" y="1769040"/>
-            <a:ext cx="4426920" cy="4384440"/>
+            <a:off x="5152320" y="1769040"/>
+            <a:ext cx="4426560" cy="4384080"/>
           </a:xfrm>
           <a:prstGeom prst="rect">
             <a:avLst/>
@@ -892,7 +2367,7 @@
       </p:grpSpPr>
       <p:sp>
         <p:nvSpPr>
-          <p:cNvPr id="12" name="PlaceHolder 1"/>
+          <p:cNvPr id="9" name="PlaceHolder 1"/>
           <p:cNvSpPr>
             <a:spLocks noGrp="1"/>
           </p:cNvSpPr>
@@ -903,7 +2378,7 @@
         <p:spPr>
           <a:xfrm>
             <a:off x="504000" y="301320"/>
-            <a:ext cx="9071640" cy="1262160"/>
+            <a:ext cx="9071280" cy="1261800"/>
           </a:xfrm>
           <a:prstGeom prst="rect">
             <a:avLst/>
@@ -951,7 +2426,7 @@
       </p:grpSpPr>
       <p:sp>
         <p:nvSpPr>
-          <p:cNvPr id="13" name="PlaceHolder 1"/>
+          <p:cNvPr id="10" name="PlaceHolder 1"/>
           <p:cNvSpPr>
             <a:spLocks noGrp="1"/>
           </p:cNvSpPr>
@@ -962,7 +2437,7 @@
         <p:spPr>
           <a:xfrm>
             <a:off x="504000" y="301320"/>
-            <a:ext cx="9071640" cy="5851800"/>
+            <a:ext cx="9071280" cy="5850360"/>
           </a:xfrm>
           <a:prstGeom prst="rect">
             <a:avLst/>
@@ -1010,7 +2485,7 @@
       </p:grpSpPr>
       <p:sp>
         <p:nvSpPr>
-          <p:cNvPr id="14" name="PlaceHolder 1"/>
+          <p:cNvPr id="11" name="PlaceHolder 1"/>
           <p:cNvSpPr>
             <a:spLocks noGrp="1"/>
           </p:cNvSpPr>
@@ -1021,7 +2496,7 @@
         <p:spPr>
           <a:xfrm>
             <a:off x="504000" y="301320"/>
-            <a:ext cx="9071640" cy="1262160"/>
+            <a:ext cx="9071280" cy="1261800"/>
           </a:xfrm>
           <a:prstGeom prst="rect">
             <a:avLst/>
@@ -1047,7 +2522,7 @@
       </p:sp>
       <p:sp>
         <p:nvSpPr>
-          <p:cNvPr id="15" name="PlaceHolder 2"/>
+          <p:cNvPr id="12" name="PlaceHolder 2"/>
           <p:cNvSpPr>
             <a:spLocks noGrp="1"/>
           </p:cNvSpPr>
@@ -1058,7 +2533,7 @@
         <p:spPr>
           <a:xfrm>
             <a:off x="504000" y="1769040"/>
-            <a:ext cx="4426920" cy="2091240"/>
+            <a:ext cx="4426560" cy="2090880"/>
           </a:xfrm>
           <a:prstGeom prst="rect">
             <a:avLst/>
@@ -1083,7 +2558,7 @@
       </p:sp>
       <p:sp>
         <p:nvSpPr>
-          <p:cNvPr id="16" name="PlaceHolder 3"/>
+          <p:cNvPr id="13" name="PlaceHolder 3"/>
           <p:cNvSpPr>
             <a:spLocks noGrp="1"/>
           </p:cNvSpPr>
@@ -1093,8 +2568,8 @@
         </p:nvSpPr>
         <p:spPr>
           <a:xfrm>
-            <a:off x="504000" y="4059360"/>
-            <a:ext cx="4426920" cy="2091240"/>
+            <a:off x="504000" y="4059000"/>
+            <a:ext cx="4426560" cy="2090880"/>
           </a:xfrm>
           <a:prstGeom prst="rect">
             <a:avLst/>
@@ -1119,7 +2594,7 @@
       </p:sp>
       <p:sp>
         <p:nvSpPr>
-          <p:cNvPr id="17" name="PlaceHolder 4"/>
+          <p:cNvPr id="14" name="PlaceHolder 4"/>
           <p:cNvSpPr>
             <a:spLocks noGrp="1"/>
           </p:cNvSpPr>
@@ -1129,8 +2604,8 @@
         </p:nvSpPr>
         <p:spPr>
           <a:xfrm>
-            <a:off x="5152680" y="1769040"/>
-            <a:ext cx="4426920" cy="4384440"/>
+            <a:off x="5152320" y="1769040"/>
+            <a:ext cx="4426560" cy="4384080"/>
           </a:xfrm>
           <a:prstGeom prst="rect">
             <a:avLst/>
@@ -1177,7 +2652,7 @@
       </p:grpSpPr>
       <p:sp>
         <p:nvSpPr>
-          <p:cNvPr id="18" name="PlaceHolder 1"/>
+          <p:cNvPr id="15" name="PlaceHolder 1"/>
           <p:cNvSpPr>
             <a:spLocks noGrp="1"/>
           </p:cNvSpPr>
@@ -1188,7 +2663,7 @@
         <p:spPr>
           <a:xfrm>
             <a:off x="504000" y="301320"/>
-            <a:ext cx="9071640" cy="1262160"/>
+            <a:ext cx="9071280" cy="1261800"/>
           </a:xfrm>
           <a:prstGeom prst="rect">
             <a:avLst/>
@@ -1214,7 +2689,7 @@
       </p:sp>
       <p:sp>
         <p:nvSpPr>
-          <p:cNvPr id="19" name="PlaceHolder 2"/>
+          <p:cNvPr id="16" name="PlaceHolder 2"/>
           <p:cNvSpPr>
             <a:spLocks noGrp="1"/>
           </p:cNvSpPr>
@@ -1225,7 +2700,7 @@
         <p:spPr>
           <a:xfrm>
             <a:off x="504000" y="1769040"/>
-            <a:ext cx="4426920" cy="4384440"/>
+            <a:ext cx="4426560" cy="4384080"/>
           </a:xfrm>
           <a:prstGeom prst="rect">
             <a:avLst/>
@@ -1250,7 +2725,7 @@
       </p:sp>
       <p:sp>
         <p:nvSpPr>
-          <p:cNvPr id="20" name="PlaceHolder 3"/>
+          <p:cNvPr id="17" name="PlaceHolder 3"/>
           <p:cNvSpPr>
             <a:spLocks noGrp="1"/>
           </p:cNvSpPr>
@@ -1260,8 +2735,8 @@
         </p:nvSpPr>
         <p:spPr>
           <a:xfrm>
-            <a:off x="5152680" y="1769040"/>
-            <a:ext cx="4426920" cy="2091240"/>
+            <a:off x="5152320" y="1769040"/>
+            <a:ext cx="4426560" cy="2090880"/>
           </a:xfrm>
           <a:prstGeom prst="rect">
             <a:avLst/>
@@ -1286,7 +2761,7 @@
       </p:sp>
       <p:sp>
         <p:nvSpPr>
-          <p:cNvPr id="21" name="PlaceHolder 4"/>
+          <p:cNvPr id="18" name="PlaceHolder 4"/>
           <p:cNvSpPr>
             <a:spLocks noGrp="1"/>
           </p:cNvSpPr>
@@ -1296,8 +2771,8 @@
         </p:nvSpPr>
         <p:spPr>
           <a:xfrm>
-            <a:off x="5152680" y="4059360"/>
-            <a:ext cx="4426920" cy="2091240"/>
+            <a:off x="5152320" y="4059000"/>
+            <a:ext cx="4426560" cy="2090880"/>
           </a:xfrm>
           <a:prstGeom prst="rect">
             <a:avLst/>
@@ -1344,7 +2819,7 @@
       </p:grpSpPr>
       <p:sp>
         <p:nvSpPr>
-          <p:cNvPr id="22" name="PlaceHolder 1"/>
+          <p:cNvPr id="19" name="PlaceHolder 1"/>
           <p:cNvSpPr>
             <a:spLocks noGrp="1"/>
           </p:cNvSpPr>
@@ -1355,7 +2830,7 @@
         <p:spPr>
           <a:xfrm>
             <a:off x="504000" y="301320"/>
-            <a:ext cx="9071640" cy="1262160"/>
+            <a:ext cx="9071280" cy="1261800"/>
           </a:xfrm>
           <a:prstGeom prst="rect">
             <a:avLst/>
@@ -1381,7 +2856,7 @@
       </p:sp>
       <p:sp>
         <p:nvSpPr>
-          <p:cNvPr id="23" name="PlaceHolder 2"/>
+          <p:cNvPr id="20" name="PlaceHolder 2"/>
           <p:cNvSpPr>
             <a:spLocks noGrp="1"/>
           </p:cNvSpPr>
@@ -1392,7 +2867,7 @@
         <p:spPr>
           <a:xfrm>
             <a:off x="504000" y="1769040"/>
-            <a:ext cx="4426920" cy="2091240"/>
+            <a:ext cx="4426560" cy="2090880"/>
           </a:xfrm>
           <a:prstGeom prst="rect">
             <a:avLst/>
@@ -1417,7 +2892,7 @@
       </p:sp>
       <p:sp>
         <p:nvSpPr>
-          <p:cNvPr id="24" name="PlaceHolder 3"/>
+          <p:cNvPr id="21" name="PlaceHolder 3"/>
           <p:cNvSpPr>
             <a:spLocks noGrp="1"/>
           </p:cNvSpPr>
@@ -1427,8 +2902,8 @@
         </p:nvSpPr>
         <p:spPr>
           <a:xfrm>
-            <a:off x="5152680" y="1769040"/>
-            <a:ext cx="4426920" cy="2091240"/>
+            <a:off x="5152320" y="1769040"/>
+            <a:ext cx="4426560" cy="2090880"/>
           </a:xfrm>
           <a:prstGeom prst="rect">
             <a:avLst/>
@@ -1453,7 +2928,7 @@
       </p:sp>
       <p:sp>
         <p:nvSpPr>
-          <p:cNvPr id="25" name="PlaceHolder 4"/>
+          <p:cNvPr id="22" name="PlaceHolder 4"/>
           <p:cNvSpPr>
             <a:spLocks noGrp="1"/>
           </p:cNvSpPr>
@@ -1463,8 +2938,8 @@
         </p:nvSpPr>
         <p:spPr>
           <a:xfrm>
-            <a:off x="504000" y="4059360"/>
-            <a:ext cx="9071640" cy="2091240"/>
+            <a:off x="504000" y="4059000"/>
+            <a:ext cx="9071280" cy="2090880"/>
           </a:xfrm>
           <a:prstGeom prst="rect">
             <a:avLst/>
@@ -1522,7 +2997,7 @@
         <p:spPr>
           <a:xfrm>
             <a:off x="504000" y="301320"/>
-            <a:ext cx="9071640" cy="1262160"/>
+            <a:ext cx="9071280" cy="1261800"/>
           </a:xfrm>
           <a:prstGeom prst="rect">
             <a:avLst/>
@@ -1532,20 +3007,6 @@
           <a:bodyPr lIns="0" rIns="0" tIns="0" bIns="0" anchor="ctr"/>
           <a:p>
             <a:pPr algn="ctr"/>
-            <a:r>
-              <a:rPr lang="en-US" sz="4400" spc="-1" strike="noStrike">
-                <a:solidFill>
-                  <a:srgbClr val="000000"/>
-                </a:solidFill>
-                <a:uFill>
-                  <a:solidFill>
-                    <a:srgbClr val="ffffff"/>
-                  </a:solidFill>
-                </a:uFill>
-                <a:latin typeface="Arial"/>
-              </a:rPr>
-              <a:t>Click to edit the title text format</a:t>
-            </a:r>
             <a:endParaRPr lang="en-US" sz="4400" spc="-1" strike="noStrike">
               <a:solidFill>
                 <a:srgbClr val="000000"/>
@@ -1572,8 +3033,8 @@
         </p:nvSpPr>
         <p:spPr>
           <a:xfrm>
-            <a:off x="504000" y="1769040"/>
-            <a:ext cx="9071640" cy="4384440"/>
+            <a:off x="504000" y="1768680"/>
+            <a:ext cx="9072000" cy="4384080"/>
           </a:xfrm>
           <a:prstGeom prst="rect">
             <a:avLst/>
@@ -1824,158 +3285,6 @@
                 </a:solidFill>
               </a:uFill>
               <a:latin typeface="Arial"/>
-            </a:endParaRPr>
-          </a:p>
-        </p:txBody>
-      </p:sp>
-      <p:sp>
-        <p:nvSpPr>
-          <p:cNvPr id="2" name="PlaceHolder 3"/>
-          <p:cNvSpPr>
-            <a:spLocks noGrp="1"/>
-          </p:cNvSpPr>
-          <p:nvPr>
-            <p:ph type="dt"/>
-          </p:nvPr>
-        </p:nvSpPr>
-        <p:spPr>
-          <a:xfrm>
-            <a:off x="504000" y="6887160"/>
-            <a:ext cx="2348280" cy="521280"/>
-          </a:xfrm>
-          <a:prstGeom prst="rect">
-            <a:avLst/>
-          </a:prstGeom>
-        </p:spPr>
-        <p:txBody>
-          <a:bodyPr lIns="0" rIns="0" tIns="0" bIns="0"/>
-          <a:p>
-            <a:r>
-              <a:rPr lang="en-US" sz="1400" spc="-1" strike="noStrike">
-                <a:solidFill>
-                  <a:srgbClr val="000000"/>
-                </a:solidFill>
-                <a:uFill>
-                  <a:solidFill>
-                    <a:srgbClr val="ffffff"/>
-                  </a:solidFill>
-                </a:uFill>
-                <a:latin typeface="Times New Roman"/>
-              </a:rPr>
-              <a:t>&lt;date/time&gt;</a:t>
-            </a:r>
-            <a:endParaRPr lang="en-US" sz="1400" spc="-1" strike="noStrike">
-              <a:solidFill>
-                <a:srgbClr val="000000"/>
-              </a:solidFill>
-              <a:uFill>
-                <a:solidFill>
-                  <a:srgbClr val="ffffff"/>
-                </a:solidFill>
-              </a:uFill>
-              <a:latin typeface="Times New Roman"/>
-            </a:endParaRPr>
-          </a:p>
-        </p:txBody>
-      </p:sp>
-      <p:sp>
-        <p:nvSpPr>
-          <p:cNvPr id="3" name="PlaceHolder 4"/>
-          <p:cNvSpPr>
-            <a:spLocks noGrp="1"/>
-          </p:cNvSpPr>
-          <p:nvPr>
-            <p:ph type="ftr"/>
-          </p:nvPr>
-        </p:nvSpPr>
-        <p:spPr>
-          <a:xfrm>
-            <a:off x="3447360" y="6887160"/>
-            <a:ext cx="3195000" cy="521280"/>
-          </a:xfrm>
-          <a:prstGeom prst="rect">
-            <a:avLst/>
-          </a:prstGeom>
-        </p:spPr>
-        <p:txBody>
-          <a:bodyPr lIns="0" rIns="0" tIns="0" bIns="0"/>
-          <a:p>
-            <a:pPr algn="ctr"/>
-            <a:r>
-              <a:rPr lang="en-US" sz="1400" spc="-1" strike="noStrike">
-                <a:solidFill>
-                  <a:srgbClr val="000000"/>
-                </a:solidFill>
-                <a:uFill>
-                  <a:solidFill>
-                    <a:srgbClr val="ffffff"/>
-                  </a:solidFill>
-                </a:uFill>
-                <a:latin typeface="Times New Roman"/>
-              </a:rPr>
-              <a:t>&lt;footer&gt;</a:t>
-            </a:r>
-            <a:endParaRPr lang="en-US" sz="1400" spc="-1" strike="noStrike">
-              <a:solidFill>
-                <a:srgbClr val="000000"/>
-              </a:solidFill>
-              <a:uFill>
-                <a:solidFill>
-                  <a:srgbClr val="ffffff"/>
-                </a:solidFill>
-              </a:uFill>
-              <a:latin typeface="Times New Roman"/>
-            </a:endParaRPr>
-          </a:p>
-        </p:txBody>
-      </p:sp>
-      <p:sp>
-        <p:nvSpPr>
-          <p:cNvPr id="4" name="PlaceHolder 5"/>
-          <p:cNvSpPr>
-            <a:spLocks noGrp="1"/>
-          </p:cNvSpPr>
-          <p:nvPr>
-            <p:ph type="sldNum"/>
-          </p:nvPr>
-        </p:nvSpPr>
-        <p:spPr>
-          <a:xfrm>
-            <a:off x="7227360" y="6887160"/>
-            <a:ext cx="2348280" cy="521280"/>
-          </a:xfrm>
-          <a:prstGeom prst="rect">
-            <a:avLst/>
-          </a:prstGeom>
-        </p:spPr>
-        <p:txBody>
-          <a:bodyPr lIns="0" rIns="0" tIns="0" bIns="0"/>
-          <a:p>
-            <a:pPr algn="r"/>
-            <a:fld id="{625C9D9D-0F73-4270-A2A2-D8F2653E1B93}" type="slidenum">
-              <a:rPr lang="en-US" sz="1400" spc="-1" strike="noStrike">
-                <a:solidFill>
-                  <a:srgbClr val="000000"/>
-                </a:solidFill>
-                <a:uFill>
-                  <a:solidFill>
-                    <a:srgbClr val="ffffff"/>
-                  </a:solidFill>
-                </a:uFill>
-                <a:latin typeface="Times New Roman"/>
-              </a:rPr>
-              <a:t>&lt;number&gt;</a:t>
-            </a:fld>
-            <a:endParaRPr lang="en-US" sz="1400" spc="-1" strike="noStrike">
-              <a:solidFill>
-                <a:srgbClr val="000000"/>
-              </a:solidFill>
-              <a:uFill>
-                <a:solidFill>
-                  <a:srgbClr val="ffffff"/>
-                </a:solidFill>
-              </a:uFill>
-              <a:latin typeface="Times New Roman"/>
             </a:endParaRPr>
           </a:p>
         </p:txBody>
@@ -1996,6 +3305,348 @@
     <p:sldLayoutId id="2147483658" r:id="rId11"/>
     <p:sldLayoutId id="2147483659" r:id="rId12"/>
     <p:sldLayoutId id="2147483660" r:id="rId13"/>
+  </p:sldLayoutIdLst>
+</p:sldMaster>
+</file>
+
+<file path=ppt/slideMasters/slideMaster2.xml><?xml version="1.0" encoding="utf-8"?>
+<p:sldMaster xmlns:a="http://schemas.openxmlformats.org/drawingml/2006/main" xmlns:p="http://schemas.openxmlformats.org/presentationml/2006/main" xmlns:r="http://schemas.openxmlformats.org/officeDocument/2006/relationships">
+  <p:cSld>
+    <p:spTree>
+      <p:nvGrpSpPr>
+        <p:cNvPr id="1" name=""/>
+        <p:cNvGrpSpPr/>
+        <p:nvPr/>
+      </p:nvGrpSpPr>
+      <p:grpSpPr>
+        <a:xfrm>
+          <a:off x="0" y="0"/>
+          <a:ext cx="0" cy="0"/>
+          <a:chOff x="0" y="0"/>
+          <a:chExt cx="0" cy="0"/>
+        </a:xfrm>
+      </p:grpSpPr>
+      <p:sp>
+        <p:nvSpPr>
+          <p:cNvPr id="36" name="PlaceHolder 1"/>
+          <p:cNvSpPr>
+            <a:spLocks noGrp="1"/>
+          </p:cNvSpPr>
+          <p:nvPr>
+            <p:ph type="title"/>
+          </p:nvPr>
+        </p:nvSpPr>
+        <p:spPr>
+          <a:xfrm>
+            <a:off x="504000" y="301320"/>
+            <a:ext cx="9071280" cy="1261800"/>
+          </a:xfrm>
+          <a:prstGeom prst="rect">
+            <a:avLst/>
+          </a:prstGeom>
+        </p:spPr>
+        <p:txBody>
+          <a:bodyPr lIns="0" rIns="0" tIns="0" bIns="0" anchor="ctr"/>
+          <a:p>
+            <a:pPr algn="ctr"/>
+            <a:endParaRPr lang="en-US" sz="4400" spc="-1" strike="noStrike">
+              <a:solidFill>
+                <a:srgbClr val="000000"/>
+              </a:solidFill>
+              <a:uFill>
+                <a:solidFill>
+                  <a:srgbClr val="ffffff"/>
+                </a:solidFill>
+              </a:uFill>
+              <a:latin typeface="Arial"/>
+            </a:endParaRPr>
+          </a:p>
+        </p:txBody>
+      </p:sp>
+      <p:sp>
+        <p:nvSpPr>
+          <p:cNvPr id="37" name="PlaceHolder 2"/>
+          <p:cNvSpPr>
+            <a:spLocks noGrp="1"/>
+          </p:cNvSpPr>
+          <p:nvPr>
+            <p:ph type="body"/>
+          </p:nvPr>
+        </p:nvSpPr>
+        <p:spPr>
+          <a:xfrm>
+            <a:off x="504000" y="1769040"/>
+            <a:ext cx="9071280" cy="4384080"/>
+          </a:xfrm>
+          <a:prstGeom prst="rect">
+            <a:avLst/>
+          </a:prstGeom>
+        </p:spPr>
+        <p:txBody>
+          <a:bodyPr lIns="0" rIns="0" tIns="0" bIns="0"/>
+          <a:p>
+            <a:pPr marL="432000" indent="-324000">
+              <a:buClr>
+                <a:srgbClr val="000000"/>
+              </a:buClr>
+              <a:buSzPct val="45000"/>
+              <a:buFont typeface="Wingdings" charset="2"/>
+              <a:buChar char=""/>
+            </a:pPr>
+            <a:r>
+              <a:rPr lang="en-US" sz="1800" spc="-1" strike="noStrike">
+                <a:solidFill>
+                  <a:srgbClr val="000000"/>
+                </a:solidFill>
+                <a:uFill>
+                  <a:solidFill>
+                    <a:srgbClr val="ffffff"/>
+                  </a:solidFill>
+                </a:uFill>
+                <a:latin typeface="Arial"/>
+              </a:rPr>
+              <a:t>Click to edit the outline text format</a:t>
+            </a:r>
+            <a:endParaRPr lang="en-US" sz="1800" spc="-1" strike="noStrike">
+              <a:solidFill>
+                <a:srgbClr val="000000"/>
+              </a:solidFill>
+              <a:uFill>
+                <a:solidFill>
+                  <a:srgbClr val="ffffff"/>
+                </a:solidFill>
+              </a:uFill>
+              <a:latin typeface="Arial"/>
+            </a:endParaRPr>
+          </a:p>
+          <a:p>
+            <a:pPr lvl="1" marL="864000" indent="-324000">
+              <a:buClr>
+                <a:srgbClr val="000000"/>
+              </a:buClr>
+              <a:buSzPct val="75000"/>
+              <a:buFont typeface="Symbol" charset="2"/>
+              <a:buChar char=""/>
+            </a:pPr>
+            <a:r>
+              <a:rPr lang="en-US" sz="1800" spc="-1" strike="noStrike">
+                <a:solidFill>
+                  <a:srgbClr val="000000"/>
+                </a:solidFill>
+                <a:uFill>
+                  <a:solidFill>
+                    <a:srgbClr val="ffffff"/>
+                  </a:solidFill>
+                </a:uFill>
+                <a:latin typeface="Arial"/>
+              </a:rPr>
+              <a:t>Second Outline Level</a:t>
+            </a:r>
+            <a:endParaRPr lang="en-US" sz="1800" spc="-1" strike="noStrike">
+              <a:solidFill>
+                <a:srgbClr val="000000"/>
+              </a:solidFill>
+              <a:uFill>
+                <a:solidFill>
+                  <a:srgbClr val="ffffff"/>
+                </a:solidFill>
+              </a:uFill>
+              <a:latin typeface="Arial"/>
+            </a:endParaRPr>
+          </a:p>
+          <a:p>
+            <a:pPr lvl="2" marL="1296000" indent="-288000">
+              <a:buClr>
+                <a:srgbClr val="000000"/>
+              </a:buClr>
+              <a:buSzPct val="45000"/>
+              <a:buFont typeface="Wingdings" charset="2"/>
+              <a:buChar char=""/>
+            </a:pPr>
+            <a:r>
+              <a:rPr lang="en-US" sz="1800" spc="-1" strike="noStrike">
+                <a:solidFill>
+                  <a:srgbClr val="000000"/>
+                </a:solidFill>
+                <a:uFill>
+                  <a:solidFill>
+                    <a:srgbClr val="ffffff"/>
+                  </a:solidFill>
+                </a:uFill>
+                <a:latin typeface="Arial"/>
+              </a:rPr>
+              <a:t>Third Outline Level</a:t>
+            </a:r>
+            <a:endParaRPr lang="en-US" sz="1800" spc="-1" strike="noStrike">
+              <a:solidFill>
+                <a:srgbClr val="000000"/>
+              </a:solidFill>
+              <a:uFill>
+                <a:solidFill>
+                  <a:srgbClr val="ffffff"/>
+                </a:solidFill>
+              </a:uFill>
+              <a:latin typeface="Arial"/>
+            </a:endParaRPr>
+          </a:p>
+          <a:p>
+            <a:pPr lvl="3" marL="1728000" indent="-216000">
+              <a:buClr>
+                <a:srgbClr val="000000"/>
+              </a:buClr>
+              <a:buSzPct val="75000"/>
+              <a:buFont typeface="Symbol" charset="2"/>
+              <a:buChar char=""/>
+            </a:pPr>
+            <a:r>
+              <a:rPr lang="en-US" sz="1800" spc="-1" strike="noStrike">
+                <a:solidFill>
+                  <a:srgbClr val="000000"/>
+                </a:solidFill>
+                <a:uFill>
+                  <a:solidFill>
+                    <a:srgbClr val="ffffff"/>
+                  </a:solidFill>
+                </a:uFill>
+                <a:latin typeface="Arial"/>
+              </a:rPr>
+              <a:t>Fourth Outline Level</a:t>
+            </a:r>
+            <a:endParaRPr lang="en-US" sz="1800" spc="-1" strike="noStrike">
+              <a:solidFill>
+                <a:srgbClr val="000000"/>
+              </a:solidFill>
+              <a:uFill>
+                <a:solidFill>
+                  <a:srgbClr val="ffffff"/>
+                </a:solidFill>
+              </a:uFill>
+              <a:latin typeface="Arial"/>
+            </a:endParaRPr>
+          </a:p>
+          <a:p>
+            <a:pPr lvl="4" marL="2160000" indent="-216000">
+              <a:buClr>
+                <a:srgbClr val="000000"/>
+              </a:buClr>
+              <a:buSzPct val="45000"/>
+              <a:buFont typeface="Wingdings" charset="2"/>
+              <a:buChar char=""/>
+            </a:pPr>
+            <a:r>
+              <a:rPr lang="en-US" sz="1800" spc="-1" strike="noStrike">
+                <a:solidFill>
+                  <a:srgbClr val="000000"/>
+                </a:solidFill>
+                <a:uFill>
+                  <a:solidFill>
+                    <a:srgbClr val="ffffff"/>
+                  </a:solidFill>
+                </a:uFill>
+                <a:latin typeface="Arial"/>
+              </a:rPr>
+              <a:t>Fifth Outline Level</a:t>
+            </a:r>
+            <a:endParaRPr lang="en-US" sz="1800" spc="-1" strike="noStrike">
+              <a:solidFill>
+                <a:srgbClr val="000000"/>
+              </a:solidFill>
+              <a:uFill>
+                <a:solidFill>
+                  <a:srgbClr val="ffffff"/>
+                </a:solidFill>
+              </a:uFill>
+              <a:latin typeface="Arial"/>
+            </a:endParaRPr>
+          </a:p>
+          <a:p>
+            <a:pPr lvl="5" marL="2592000" indent="-216000">
+              <a:buClr>
+                <a:srgbClr val="000000"/>
+              </a:buClr>
+              <a:buSzPct val="45000"/>
+              <a:buFont typeface="Wingdings" charset="2"/>
+              <a:buChar char=""/>
+            </a:pPr>
+            <a:r>
+              <a:rPr lang="en-US" sz="1800" spc="-1" strike="noStrike">
+                <a:solidFill>
+                  <a:srgbClr val="000000"/>
+                </a:solidFill>
+                <a:uFill>
+                  <a:solidFill>
+                    <a:srgbClr val="ffffff"/>
+                  </a:solidFill>
+                </a:uFill>
+                <a:latin typeface="Arial"/>
+              </a:rPr>
+              <a:t>Sixth Outline Level</a:t>
+            </a:r>
+            <a:endParaRPr lang="en-US" sz="1800" spc="-1" strike="noStrike">
+              <a:solidFill>
+                <a:srgbClr val="000000"/>
+              </a:solidFill>
+              <a:uFill>
+                <a:solidFill>
+                  <a:srgbClr val="ffffff"/>
+                </a:solidFill>
+              </a:uFill>
+              <a:latin typeface="Arial"/>
+            </a:endParaRPr>
+          </a:p>
+          <a:p>
+            <a:pPr lvl="6" marL="3024000" indent="-216000">
+              <a:buClr>
+                <a:srgbClr val="000000"/>
+              </a:buClr>
+              <a:buSzPct val="45000"/>
+              <a:buFont typeface="Wingdings" charset="2"/>
+              <a:buChar char=""/>
+            </a:pPr>
+            <a:r>
+              <a:rPr lang="en-US" sz="1800" spc="-1" strike="noStrike">
+                <a:solidFill>
+                  <a:srgbClr val="000000"/>
+                </a:solidFill>
+                <a:uFill>
+                  <a:solidFill>
+                    <a:srgbClr val="ffffff"/>
+                  </a:solidFill>
+                </a:uFill>
+                <a:latin typeface="Arial"/>
+              </a:rPr>
+              <a:t>Seventh Outline Level</a:t>
+            </a:r>
+            <a:endParaRPr lang="en-US" sz="1800" spc="-1" strike="noStrike">
+              <a:solidFill>
+                <a:srgbClr val="000000"/>
+              </a:solidFill>
+              <a:uFill>
+                <a:solidFill>
+                  <a:srgbClr val="ffffff"/>
+                </a:solidFill>
+              </a:uFill>
+              <a:latin typeface="Arial"/>
+            </a:endParaRPr>
+          </a:p>
+        </p:txBody>
+      </p:sp>
+    </p:spTree>
+  </p:cSld>
+  <p:clrMap bg1="lt1" bg2="lt2" tx1="dk1" tx2="dk2" accent1="accent1" accent2="accent2" accent3="accent3" accent4="accent4" accent5="accent5" accent6="accent6" hlink="hlink" folHlink="folHlink"/>
+  <p:sldLayoutIdLst>
+    <p:sldLayoutId id="2147483662" r:id="rId2"/>
+    <p:sldLayoutId id="2147483663" r:id="rId3"/>
+    <p:sldLayoutId id="2147483664" r:id="rId4"/>
+    <p:sldLayoutId id="2147483665" r:id="rId5"/>
+    <p:sldLayoutId id="2147483666" r:id="rId6"/>
+    <p:sldLayoutId id="2147483667" r:id="rId7"/>
+    <p:sldLayoutId id="2147483668" r:id="rId8"/>
+    <p:sldLayoutId id="2147483669" r:id="rId9"/>
+    <p:sldLayoutId id="2147483670" r:id="rId10"/>
+    <p:sldLayoutId id="2147483671" r:id="rId11"/>
+    <p:sldLayoutId id="2147483672" r:id="rId12"/>
+    <p:sldLayoutId id="2147483673" r:id="rId13"/>
   </p:sldLayoutIdLst>
 </p:sldMaster>
 </file>
@@ -2019,14 +3670,14 @@
       </p:grpSpPr>
       <p:sp>
         <p:nvSpPr>
-          <p:cNvPr id="39" name="CustomShape 1"/>
+          <p:cNvPr id="72" name="CustomShape 1"/>
           <p:cNvSpPr/>
           <p:nvPr/>
         </p:nvSpPr>
         <p:spPr>
           <a:xfrm>
             <a:off x="548640" y="457200"/>
-            <a:ext cx="9144000" cy="3383280"/>
+            <a:ext cx="9143640" cy="3382920"/>
           </a:xfrm>
           <a:prstGeom prst="rect">
             <a:avLst/>
@@ -2049,7 +3700,11 @@
         <p:txBody>
           <a:bodyPr wrap="none" lIns="90000" rIns="90000" tIns="45000" bIns="45000" anchor="ctr"/>
           <a:p>
-            <a:pPr algn="ctr"/>
+            <a:pPr algn="ctr">
+              <a:lnSpc>
+                <a:spcPct val="100000"/>
+              </a:lnSpc>
+            </a:pPr>
             <a:r>
               <a:rPr lang="en-US" sz="1800" spc="-1" strike="noStrike">
                 <a:solidFill>
@@ -2061,6 +3716,7 @@
                   </a:solidFill>
                 </a:uFill>
                 <a:latin typeface="Arial"/>
+                <a:ea typeface="DejaVu Sans"/>
               </a:rPr>
               <a:t>New Poll #</a:t>
             </a:r>
@@ -2077,7 +3733,11 @@
             </a:endParaRPr>
           </a:p>
           <a:p>
-            <a:pPr algn="ctr"/>
+            <a:pPr algn="ctr">
+              <a:lnSpc>
+                <a:spcPct val="100000"/>
+              </a:lnSpc>
+            </a:pPr>
             <a:endParaRPr lang="en-US" sz="1800" spc="-1" strike="noStrike">
               <a:solidFill>
                 <a:srgbClr val="000000"/>
@@ -2091,7 +3751,11 @@
             </a:endParaRPr>
           </a:p>
           <a:p>
-            <a:pPr algn="ctr"/>
+            <a:pPr algn="ctr">
+              <a:lnSpc>
+                <a:spcPct val="100000"/>
+              </a:lnSpc>
+            </a:pPr>
             <a:endParaRPr lang="en-US" sz="1800" spc="-1" strike="noStrike">
               <a:solidFill>
                 <a:srgbClr val="000000"/>
@@ -2105,7 +3769,11 @@
             </a:endParaRPr>
           </a:p>
           <a:p>
-            <a:pPr algn="ctr"/>
+            <a:pPr algn="ctr">
+              <a:lnSpc>
+                <a:spcPct val="100000"/>
+              </a:lnSpc>
+            </a:pPr>
             <a:endParaRPr lang="en-US" sz="1800" spc="-1" strike="noStrike">
               <a:solidFill>
                 <a:srgbClr val="000000"/>
@@ -2119,7 +3787,11 @@
             </a:endParaRPr>
           </a:p>
           <a:p>
-            <a:pPr algn="ctr"/>
+            <a:pPr algn="ctr">
+              <a:lnSpc>
+                <a:spcPct val="100000"/>
+              </a:lnSpc>
+            </a:pPr>
             <a:r>
               <a:rPr lang="en-US" sz="1800" spc="-1" strike="noStrike">
                 <a:solidFill>
@@ -2131,6 +3803,7 @@
                   </a:solidFill>
                 </a:uFill>
                 <a:latin typeface="Arial"/>
+                <a:ea typeface="DejaVu Sans"/>
               </a:rPr>
               <a:t>Question:</a:t>
             </a:r>
@@ -2147,7 +3820,11 @@
             </a:endParaRPr>
           </a:p>
           <a:p>
-            <a:pPr algn="ctr"/>
+            <a:pPr algn="ctr">
+              <a:lnSpc>
+                <a:spcPct val="100000"/>
+              </a:lnSpc>
+            </a:pPr>
             <a:endParaRPr lang="en-US" sz="1800" spc="-1" strike="noStrike">
               <a:solidFill>
                 <a:srgbClr val="000000"/>
@@ -2161,7 +3838,11 @@
             </a:endParaRPr>
           </a:p>
           <a:p>
-            <a:pPr algn="ctr"/>
+            <a:pPr algn="ctr">
+              <a:lnSpc>
+                <a:spcPct val="100000"/>
+              </a:lnSpc>
+            </a:pPr>
             <a:endParaRPr lang="en-US" sz="1800" spc="-1" strike="noStrike">
               <a:solidFill>
                 <a:srgbClr val="000000"/>
@@ -2175,7 +3856,11 @@
             </a:endParaRPr>
           </a:p>
           <a:p>
-            <a:pPr algn="ctr"/>
+            <a:pPr algn="ctr">
+              <a:lnSpc>
+                <a:spcPct val="100000"/>
+              </a:lnSpc>
+            </a:pPr>
             <a:endParaRPr lang="en-US" sz="1800" spc="-1" strike="noStrike">
               <a:solidFill>
                 <a:srgbClr val="000000"/>
@@ -2189,7 +3874,11 @@
             </a:endParaRPr>
           </a:p>
           <a:p>
-            <a:pPr algn="ctr"/>
+            <a:pPr algn="ctr">
+              <a:lnSpc>
+                <a:spcPct val="100000"/>
+              </a:lnSpc>
+            </a:pPr>
             <a:endParaRPr lang="en-US" sz="1800" spc="-1" strike="noStrike">
               <a:solidFill>
                 <a:srgbClr val="000000"/>
@@ -2206,20 +3895,20 @@
       </p:sp>
       <p:sp>
         <p:nvSpPr>
-          <p:cNvPr id="40" name="CustomShape 2"/>
+          <p:cNvPr id="73" name="CustomShape 2"/>
           <p:cNvSpPr/>
           <p:nvPr/>
         </p:nvSpPr>
         <p:spPr>
           <a:xfrm>
             <a:off x="3017520" y="6400800"/>
-            <a:ext cx="3749040" cy="640080"/>
+            <a:ext cx="3748680" cy="639720"/>
           </a:xfrm>
           <a:custGeom>
             <a:avLst/>
             <a:gdLst/>
             <a:ahLst/>
-            <a:rect l="0" t="0" r="r" b="b"/>
+            <a:rect l="l" t="t" r="r" b="b"/>
             <a:pathLst>
               <a:path w="10416" h="1780">
                 <a:moveTo>
@@ -2278,7 +3967,11 @@
         <p:txBody>
           <a:bodyPr wrap="none" lIns="90000" rIns="90000" tIns="45000" bIns="45000" anchor="ctr"/>
           <a:p>
-            <a:pPr algn="ctr"/>
+            <a:pPr algn="ctr">
+              <a:lnSpc>
+                <a:spcPct val="100000"/>
+              </a:lnSpc>
+            </a:pPr>
             <a:r>
               <a:rPr lang="en-US" sz="1800" spc="-1" strike="noStrike">
                 <a:solidFill>
@@ -2290,6 +3983,7 @@
                   </a:solidFill>
                 </a:uFill>
                 <a:latin typeface="Arial"/>
+                <a:ea typeface="DejaVu Sans"/>
               </a:rPr>
               <a:t>Submit</a:t>
             </a:r>
@@ -2309,14 +4003,14 @@
       </p:sp>
       <p:sp>
         <p:nvSpPr>
-          <p:cNvPr id="41" name="CustomShape 3"/>
+          <p:cNvPr id="74" name="CustomShape 3"/>
           <p:cNvSpPr/>
           <p:nvPr/>
         </p:nvSpPr>
         <p:spPr>
           <a:xfrm>
             <a:off x="3665520" y="4206240"/>
-            <a:ext cx="182880" cy="182880"/>
+            <a:ext cx="182520" cy="182520"/>
           </a:xfrm>
           <a:prstGeom prst="rect">
             <a:avLst/>
@@ -2339,14 +4033,14 @@
       </p:sp>
       <p:sp>
         <p:nvSpPr>
-          <p:cNvPr id="42" name="TextShape 4"/>
-          <p:cNvSpPr txBox="1"/>
+          <p:cNvPr id="75" name="CustomShape 4"/>
+          <p:cNvSpPr/>
           <p:nvPr/>
         </p:nvSpPr>
         <p:spPr>
           <a:xfrm>
             <a:off x="3939840" y="4134240"/>
-            <a:ext cx="674640" cy="346320"/>
+            <a:ext cx="674280" cy="345960"/>
           </a:xfrm>
           <a:prstGeom prst="rect">
             <a:avLst/>
@@ -2356,6 +4050,12 @@
             <a:noFill/>
           </a:ln>
         </p:spPr>
+        <p:style>
+          <a:lnRef idx="0"/>
+          <a:fillRef idx="0"/>
+          <a:effectRef idx="0"/>
+          <a:fontRef idx="minor"/>
+        </p:style>
         <p:txBody>
           <a:bodyPr lIns="90000" rIns="90000" tIns="45000" bIns="45000"/>
           <a:p>
@@ -2389,14 +4089,14 @@
       </p:sp>
       <p:sp>
         <p:nvSpPr>
-          <p:cNvPr id="43" name="CustomShape 5"/>
+          <p:cNvPr id="76" name="CustomShape 5"/>
           <p:cNvSpPr/>
           <p:nvPr/>
         </p:nvSpPr>
         <p:spPr>
           <a:xfrm>
             <a:off x="4819680" y="4206240"/>
-            <a:ext cx="182880" cy="182880"/>
+            <a:ext cx="182520" cy="182520"/>
           </a:xfrm>
           <a:prstGeom prst="rect">
             <a:avLst/>
@@ -2419,14 +4119,14 @@
       </p:sp>
       <p:sp>
         <p:nvSpPr>
-          <p:cNvPr id="44" name="TextShape 6"/>
-          <p:cNvSpPr txBox="1"/>
+          <p:cNvPr id="77" name="CustomShape 6"/>
+          <p:cNvSpPr/>
           <p:nvPr/>
         </p:nvSpPr>
         <p:spPr>
           <a:xfrm>
             <a:off x="5002560" y="4134240"/>
-            <a:ext cx="941040" cy="346320"/>
+            <a:ext cx="940680" cy="345960"/>
           </a:xfrm>
           <a:prstGeom prst="rect">
             <a:avLst/>
@@ -2436,6 +4136,12 @@
             <a:noFill/>
           </a:ln>
         </p:spPr>
+        <p:style>
+          <a:lnRef idx="0"/>
+          <a:fillRef idx="0"/>
+          <a:effectRef idx="0"/>
+          <a:fontRef idx="minor"/>
+        </p:style>
         <p:txBody>
           <a:bodyPr lIns="90000" rIns="90000" tIns="45000" bIns="45000"/>
           <a:p>
@@ -2469,14 +4175,14 @@
       </p:sp>
       <p:sp>
         <p:nvSpPr>
-          <p:cNvPr id="45" name="CustomShape 7"/>
+          <p:cNvPr id="78" name="CustomShape 7"/>
           <p:cNvSpPr/>
           <p:nvPr/>
         </p:nvSpPr>
         <p:spPr>
           <a:xfrm>
             <a:off x="2560320" y="4663440"/>
-            <a:ext cx="4754880" cy="365760"/>
+            <a:ext cx="4754520" cy="365400"/>
           </a:xfrm>
           <a:prstGeom prst="rect">
             <a:avLst/>
@@ -2499,7 +4205,11 @@
         <p:txBody>
           <a:bodyPr wrap="none" lIns="90000" rIns="90000" tIns="45000" bIns="45000" anchor="ctr"/>
           <a:p>
-            <a:pPr algn="ctr"/>
+            <a:pPr algn="ctr">
+              <a:lnSpc>
+                <a:spcPct val="100000"/>
+              </a:lnSpc>
+            </a:pPr>
             <a:r>
               <a:rPr lang="en-US" sz="1800" spc="-1" strike="noStrike">
                 <a:solidFill>
@@ -2511,6 +4221,7 @@
                   </a:solidFill>
                 </a:uFill>
                 <a:latin typeface="Arial"/>
+                <a:ea typeface="DejaVu Sans"/>
               </a:rPr>
               <a:t>Dropdown with age range</a:t>
             </a:r>
@@ -2530,14 +4241,14 @@
       </p:sp>
       <p:sp>
         <p:nvSpPr>
-          <p:cNvPr id="46" name="CustomShape 8"/>
+          <p:cNvPr id="79" name="CustomShape 8"/>
           <p:cNvSpPr/>
           <p:nvPr/>
         </p:nvSpPr>
         <p:spPr>
           <a:xfrm>
             <a:off x="3749040" y="5303520"/>
-            <a:ext cx="2103120" cy="274320"/>
+            <a:ext cx="2102760" cy="273960"/>
           </a:xfrm>
           <a:prstGeom prst="rect">
             <a:avLst/>
@@ -2560,7 +4271,11 @@
         <p:txBody>
           <a:bodyPr wrap="none" lIns="90000" rIns="90000" tIns="45000" bIns="45000" anchor="ctr"/>
           <a:p>
-            <a:pPr algn="ctr"/>
+            <a:pPr algn="ctr">
+              <a:lnSpc>
+                <a:spcPct val="100000"/>
+              </a:lnSpc>
+            </a:pPr>
             <a:r>
               <a:rPr lang="en-US" sz="1800" spc="-1" strike="noStrike">
                 <a:solidFill>
@@ -2572,6 +4287,7 @@
                   </a:solidFill>
                 </a:uFill>
                 <a:latin typeface="Arial"/>
+                <a:ea typeface="DejaVu Sans"/>
               </a:rPr>
               <a:t>Optional Zipcode</a:t>
             </a:r>
@@ -2591,14 +4307,14 @@
       </p:sp>
       <p:sp>
         <p:nvSpPr>
-          <p:cNvPr id="47" name="TextShape 9"/>
-          <p:cNvSpPr txBox="1"/>
+          <p:cNvPr id="80" name="CustomShape 9"/>
+          <p:cNvSpPr/>
           <p:nvPr/>
         </p:nvSpPr>
         <p:spPr>
           <a:xfrm>
             <a:off x="4389120" y="19440"/>
-            <a:ext cx="822960" cy="346320"/>
+            <a:ext cx="822600" cy="345960"/>
           </a:xfrm>
           <a:prstGeom prst="rect">
             <a:avLst/>
@@ -2608,6 +4324,12 @@
             <a:noFill/>
           </a:ln>
         </p:spPr>
+        <p:style>
+          <a:lnRef idx="0"/>
+          <a:fillRef idx="0"/>
+          <a:effectRef idx="0"/>
+          <a:fontRef idx="minor"/>
+        </p:style>
         <p:txBody>
           <a:bodyPr lIns="90000" rIns="90000" tIns="45000" bIns="45000"/>
           <a:p>
@@ -2641,14 +4363,14 @@
       </p:sp>
       <p:sp>
         <p:nvSpPr>
-          <p:cNvPr id="48" name="CustomShape 10"/>
+          <p:cNvPr id="81" name="CustomShape 10"/>
           <p:cNvSpPr/>
           <p:nvPr/>
         </p:nvSpPr>
         <p:spPr>
           <a:xfrm>
             <a:off x="4023360" y="7132320"/>
-            <a:ext cx="1554480" cy="274320"/>
+            <a:ext cx="1554120" cy="273960"/>
           </a:xfrm>
           <a:prstGeom prst="rect">
             <a:avLst/>
@@ -2671,7 +4393,11 @@
         <p:txBody>
           <a:bodyPr wrap="none" lIns="90000" rIns="90000" tIns="45000" bIns="45000" anchor="ctr"/>
           <a:p>
-            <a:pPr algn="ctr"/>
+            <a:pPr algn="ctr">
+              <a:lnSpc>
+                <a:spcPct val="100000"/>
+              </a:lnSpc>
+            </a:pPr>
             <a:r>
               <a:rPr lang="en-US" sz="1800" spc="-1" strike="noStrike">
                 <a:solidFill>
@@ -2683,6 +4409,7 @@
                   </a:solidFill>
                 </a:uFill>
                 <a:latin typeface="Arial"/>
+                <a:ea typeface="DejaVu Sans"/>
               </a:rPr>
               <a:t>skip to results</a:t>
             </a:r>
@@ -2702,6 +4429,33 @@
       </p:sp>
     </p:spTree>
   </p:cSld>
+  <p:timing>
+    <p:tnLst>
+      <p:par>
+        <p:cTn id="1" dur="indefinite" restart="never" nodeType="tmRoot">
+          <p:childTnLst>
+            <p:seq>
+              <p:cTn id="2" nodeType="mainSeq"/>
+              <p:prevCondLst>
+                <p:cond delay="0" evt="onPrev">
+                  <p:tgtEl>
+                    <p:sldTgt/>
+                  </p:tgtEl>
+                </p:cond>
+              </p:prevCondLst>
+              <p:nextCondLst>
+                <p:cond delay="0" evt="onNext">
+                  <p:tgtEl>
+                    <p:sldTgt/>
+                  </p:tgtEl>
+                </p:cond>
+              </p:nextCondLst>
+            </p:seq>
+          </p:childTnLst>
+        </p:cTn>
+      </p:par>
+    </p:tnLst>
+  </p:timing>
 </p:sld>
 </file>
 
@@ -2724,14 +4478,14 @@
       </p:grpSpPr>
       <p:sp>
         <p:nvSpPr>
-          <p:cNvPr id="49" name="CustomShape 1"/>
+          <p:cNvPr id="82" name="CustomShape 1"/>
           <p:cNvSpPr/>
           <p:nvPr/>
         </p:nvSpPr>
         <p:spPr>
           <a:xfrm>
             <a:off x="2817360" y="531360"/>
-            <a:ext cx="3840480" cy="3474720"/>
+            <a:ext cx="3840120" cy="3474360"/>
           </a:xfrm>
           <a:prstGeom prst="ellipse">
             <a:avLst/>
@@ -2754,7 +4508,11 @@
         <p:txBody>
           <a:bodyPr wrap="none" lIns="90000" rIns="90000" tIns="45000" bIns="45000" anchor="ctr"/>
           <a:p>
-            <a:pPr algn="ctr"/>
+            <a:pPr algn="ctr">
+              <a:lnSpc>
+                <a:spcPct val="100000"/>
+              </a:lnSpc>
+            </a:pPr>
             <a:r>
               <a:rPr lang="en-US" sz="1800" spc="-1" strike="noStrike">
                 <a:solidFill>
@@ -2766,6 +4524,7 @@
                   </a:solidFill>
                 </a:uFill>
                 <a:latin typeface="Arial"/>
+                <a:ea typeface="DejaVu Sans"/>
               </a:rPr>
               <a:t>Data Pie Chart</a:t>
             </a:r>
@@ -2785,14 +4544,14 @@
       </p:sp>
       <p:sp>
         <p:nvSpPr>
-          <p:cNvPr id="50" name="CustomShape 2"/>
+          <p:cNvPr id="83" name="CustomShape 2"/>
           <p:cNvSpPr/>
           <p:nvPr/>
         </p:nvSpPr>
         <p:spPr>
           <a:xfrm>
             <a:off x="4572000" y="6217920"/>
-            <a:ext cx="640080" cy="548640"/>
+            <a:ext cx="639720" cy="548280"/>
           </a:xfrm>
           <a:prstGeom prst="rect">
             <a:avLst/>
@@ -2815,7 +4574,11 @@
         <p:txBody>
           <a:bodyPr wrap="none" lIns="90000" rIns="90000" tIns="45000" bIns="45000" anchor="ctr"/>
           <a:p>
-            <a:pPr algn="ctr"/>
+            <a:pPr algn="ctr">
+              <a:lnSpc>
+                <a:spcPct val="100000"/>
+              </a:lnSpc>
+            </a:pPr>
             <a:r>
               <a:rPr lang="en-US" sz="1800" spc="-1" strike="noStrike">
                 <a:solidFill>
@@ -2827,6 +4590,7 @@
                   </a:solidFill>
                 </a:uFill>
                 <a:latin typeface="Arial"/>
+                <a:ea typeface="DejaVu Sans"/>
               </a:rPr>
               <a:t>f</a:t>
             </a:r>
@@ -2846,14 +4610,14 @@
       </p:sp>
       <p:sp>
         <p:nvSpPr>
-          <p:cNvPr id="51" name="CustomShape 3"/>
+          <p:cNvPr id="84" name="CustomShape 3"/>
           <p:cNvSpPr/>
           <p:nvPr/>
         </p:nvSpPr>
         <p:spPr>
           <a:xfrm>
             <a:off x="5394960" y="6217920"/>
-            <a:ext cx="640080" cy="548640"/>
+            <a:ext cx="639720" cy="548280"/>
           </a:xfrm>
           <a:prstGeom prst="rect">
             <a:avLst/>
@@ -2876,7 +4640,11 @@
         <p:txBody>
           <a:bodyPr wrap="none" lIns="90000" rIns="90000" tIns="45000" bIns="45000" anchor="ctr"/>
           <a:p>
-            <a:pPr algn="ctr"/>
+            <a:pPr algn="ctr">
+              <a:lnSpc>
+                <a:spcPct val="100000"/>
+              </a:lnSpc>
+            </a:pPr>
             <a:r>
               <a:rPr lang="en-US" sz="1800" spc="-1" strike="noStrike">
                 <a:solidFill>
@@ -2888,6 +4656,7 @@
                   </a:solidFill>
                 </a:uFill>
                 <a:latin typeface="Arial"/>
+                <a:ea typeface="DejaVu Sans"/>
               </a:rPr>
               <a:t>G+</a:t>
             </a:r>
@@ -2907,14 +4676,14 @@
       </p:sp>
       <p:sp>
         <p:nvSpPr>
-          <p:cNvPr id="52" name="CustomShape 4"/>
+          <p:cNvPr id="85" name="CustomShape 4"/>
           <p:cNvSpPr/>
           <p:nvPr/>
         </p:nvSpPr>
         <p:spPr>
           <a:xfrm>
             <a:off x="6217920" y="6217920"/>
-            <a:ext cx="640080" cy="548640"/>
+            <a:ext cx="639720" cy="548280"/>
           </a:xfrm>
           <a:prstGeom prst="rect">
             <a:avLst/>
@@ -2937,7 +4706,11 @@
         <p:txBody>
           <a:bodyPr wrap="none" lIns="90000" rIns="90000" tIns="45000" bIns="45000" anchor="ctr"/>
           <a:p>
-            <a:pPr algn="ctr"/>
+            <a:pPr algn="ctr">
+              <a:lnSpc>
+                <a:spcPct val="100000"/>
+              </a:lnSpc>
+            </a:pPr>
             <a:r>
               <a:rPr lang="en-US" sz="1800" spc="-1" strike="noStrike">
                 <a:solidFill>
@@ -2949,6 +4722,7 @@
                   </a:solidFill>
                 </a:uFill>
                 <a:latin typeface="Arial"/>
+                <a:ea typeface="DejaVu Sans"/>
               </a:rPr>
               <a:t>T</a:t>
             </a:r>
@@ -2968,14 +4742,14 @@
       </p:sp>
       <p:sp>
         <p:nvSpPr>
-          <p:cNvPr id="53" name="CustomShape 5"/>
+          <p:cNvPr id="86" name="CustomShape 5"/>
           <p:cNvSpPr/>
           <p:nvPr/>
         </p:nvSpPr>
         <p:spPr>
           <a:xfrm>
             <a:off x="2377440" y="5577840"/>
-            <a:ext cx="2011680" cy="548640"/>
+            <a:ext cx="2011320" cy="548280"/>
           </a:xfrm>
           <a:prstGeom prst="rect">
             <a:avLst/>
@@ -2998,7 +4772,11 @@
         <p:txBody>
           <a:bodyPr wrap="none" lIns="90000" rIns="90000" tIns="45000" bIns="45000" anchor="ctr"/>
           <a:p>
-            <a:pPr algn="ctr"/>
+            <a:pPr algn="ctr">
+              <a:lnSpc>
+                <a:spcPct val="100000"/>
+              </a:lnSpc>
+            </a:pPr>
             <a:r>
               <a:rPr lang="en-US" sz="1800" spc="-1" strike="noStrike">
                 <a:solidFill>
@@ -3010,6 +4788,7 @@
                   </a:solidFill>
                 </a:uFill>
                 <a:latin typeface="Arial"/>
+                <a:ea typeface="DejaVu Sans"/>
               </a:rPr>
               <a:t>Share:</a:t>
             </a:r>
@@ -3029,20 +4808,20 @@
       </p:sp>
       <p:sp>
         <p:nvSpPr>
-          <p:cNvPr id="54" name="CustomShape 6"/>
+          <p:cNvPr id="87" name="CustomShape 6"/>
           <p:cNvSpPr/>
           <p:nvPr/>
         </p:nvSpPr>
         <p:spPr>
           <a:xfrm>
             <a:off x="2743200" y="4389120"/>
-            <a:ext cx="3749040" cy="640080"/>
+            <a:ext cx="3748680" cy="639720"/>
           </a:xfrm>
           <a:custGeom>
             <a:avLst/>
             <a:gdLst/>
             <a:ahLst/>
-            <a:rect l="0" t="0" r="r" b="b"/>
+            <a:rect l="l" t="t" r="r" b="b"/>
             <a:pathLst>
               <a:path w="10416" h="1780">
                 <a:moveTo>
@@ -3101,7 +4880,11 @@
         <p:txBody>
           <a:bodyPr wrap="none" lIns="90000" rIns="90000" tIns="45000" bIns="45000" anchor="ctr"/>
           <a:p>
-            <a:pPr algn="ctr"/>
+            <a:pPr algn="ctr">
+              <a:lnSpc>
+                <a:spcPct val="100000"/>
+              </a:lnSpc>
+            </a:pPr>
             <a:r>
               <a:rPr lang="en-US" sz="1800" spc="-1" strike="noStrike">
                 <a:solidFill>
@@ -3113,6 +4896,7 @@
                   </a:solidFill>
                 </a:uFill>
                 <a:latin typeface="Arial"/>
+                <a:ea typeface="DejaVu Sans"/>
               </a:rPr>
               <a:t>Show US map</a:t>
             </a:r>
@@ -3132,6 +4916,33 @@
       </p:sp>
     </p:spTree>
   </p:cSld>
+  <p:timing>
+    <p:tnLst>
+      <p:par>
+        <p:cTn id="3" dur="indefinite" restart="never" nodeType="tmRoot">
+          <p:childTnLst>
+            <p:seq>
+              <p:cTn id="4" nodeType="mainSeq"/>
+              <p:prevCondLst>
+                <p:cond delay="0" evt="onPrev">
+                  <p:tgtEl>
+                    <p:sldTgt/>
+                  </p:tgtEl>
+                </p:cond>
+              </p:prevCondLst>
+              <p:nextCondLst>
+                <p:cond delay="0" evt="onNext">
+                  <p:tgtEl>
+                    <p:sldTgt/>
+                  </p:tgtEl>
+                </p:cond>
+              </p:nextCondLst>
+            </p:seq>
+          </p:childTnLst>
+        </p:cTn>
+      </p:par>
+    </p:tnLst>
+  </p:timing>
 </p:sld>
 </file>
 
@@ -3154,14 +4965,14 @@
       </p:grpSpPr>
       <p:sp>
         <p:nvSpPr>
-          <p:cNvPr id="55" name="TextShape 1"/>
-          <p:cNvSpPr txBox="1"/>
+          <p:cNvPr id="88" name="CustomShape 1"/>
+          <p:cNvSpPr/>
           <p:nvPr/>
         </p:nvSpPr>
         <p:spPr>
           <a:xfrm>
             <a:off x="4206240" y="91440"/>
-            <a:ext cx="1371600" cy="346320"/>
+            <a:ext cx="1371240" cy="345960"/>
           </a:xfrm>
           <a:prstGeom prst="rect">
             <a:avLst/>
@@ -3171,6 +4982,12 @@
             <a:noFill/>
           </a:ln>
         </p:spPr>
+        <p:style>
+          <a:lnRef idx="0"/>
+          <a:fillRef idx="0"/>
+          <a:effectRef idx="0"/>
+          <a:fontRef idx="minor"/>
+        </p:style>
         <p:txBody>
           <a:bodyPr lIns="90000" rIns="90000" tIns="45000" bIns="45000"/>
           <a:p>
@@ -3204,14 +5021,14 @@
       </p:sp>
       <p:sp>
         <p:nvSpPr>
-          <p:cNvPr id="56" name="CustomShape 2"/>
+          <p:cNvPr id="89" name="CustomShape 2"/>
           <p:cNvSpPr/>
           <p:nvPr/>
         </p:nvSpPr>
         <p:spPr>
           <a:xfrm>
             <a:off x="457200" y="457200"/>
-            <a:ext cx="9144000" cy="3383280"/>
+            <a:ext cx="9143640" cy="3382920"/>
           </a:xfrm>
           <a:prstGeom prst="rect">
             <a:avLst/>
@@ -3234,7 +5051,11 @@
         <p:txBody>
           <a:bodyPr wrap="none" lIns="90000" rIns="90000" tIns="45000" bIns="45000" anchor="ctr"/>
           <a:p>
-            <a:pPr algn="ctr"/>
+            <a:pPr algn="ctr">
+              <a:lnSpc>
+                <a:spcPct val="100000"/>
+              </a:lnSpc>
+            </a:pPr>
             <a:r>
               <a:rPr lang="en-US" sz="1800" spc="-1" strike="noStrike">
                 <a:solidFill>
@@ -3246,6 +5067,7 @@
                   </a:solidFill>
                 </a:uFill>
                 <a:latin typeface="Arial"/>
+                <a:ea typeface="DejaVu Sans"/>
               </a:rPr>
               <a:t>New Poll #</a:t>
             </a:r>
@@ -3262,7 +5084,11 @@
             </a:endParaRPr>
           </a:p>
           <a:p>
-            <a:pPr algn="ctr"/>
+            <a:pPr algn="ctr">
+              <a:lnSpc>
+                <a:spcPct val="100000"/>
+              </a:lnSpc>
+            </a:pPr>
             <a:endParaRPr lang="en-US" sz="1800" spc="-1" strike="noStrike">
               <a:solidFill>
                 <a:srgbClr val="000000"/>
@@ -3276,7 +5102,11 @@
             </a:endParaRPr>
           </a:p>
           <a:p>
-            <a:pPr algn="ctr"/>
+            <a:pPr algn="ctr">
+              <a:lnSpc>
+                <a:spcPct val="100000"/>
+              </a:lnSpc>
+            </a:pPr>
             <a:endParaRPr lang="en-US" sz="1800" spc="-1" strike="noStrike">
               <a:solidFill>
                 <a:srgbClr val="000000"/>
@@ -3290,7 +5120,11 @@
             </a:endParaRPr>
           </a:p>
           <a:p>
-            <a:pPr algn="ctr"/>
+            <a:pPr algn="ctr">
+              <a:lnSpc>
+                <a:spcPct val="100000"/>
+              </a:lnSpc>
+            </a:pPr>
             <a:endParaRPr lang="en-US" sz="1800" spc="-1" strike="noStrike">
               <a:solidFill>
                 <a:srgbClr val="000000"/>
@@ -3304,7 +5138,11 @@
             </a:endParaRPr>
           </a:p>
           <a:p>
-            <a:pPr algn="ctr"/>
+            <a:pPr algn="ctr">
+              <a:lnSpc>
+                <a:spcPct val="100000"/>
+              </a:lnSpc>
+            </a:pPr>
             <a:r>
               <a:rPr lang="en-US" sz="1800" spc="-1" strike="noStrike">
                 <a:solidFill>
@@ -3316,6 +5154,7 @@
                   </a:solidFill>
                 </a:uFill>
                 <a:latin typeface="Arial"/>
+                <a:ea typeface="DejaVu Sans"/>
               </a:rPr>
               <a:t>Question:</a:t>
             </a:r>
@@ -3332,7 +5171,11 @@
             </a:endParaRPr>
           </a:p>
           <a:p>
-            <a:pPr algn="ctr"/>
+            <a:pPr algn="ctr">
+              <a:lnSpc>
+                <a:spcPct val="100000"/>
+              </a:lnSpc>
+            </a:pPr>
             <a:endParaRPr lang="en-US" sz="1800" spc="-1" strike="noStrike">
               <a:solidFill>
                 <a:srgbClr val="000000"/>
@@ -3346,7 +5189,11 @@
             </a:endParaRPr>
           </a:p>
           <a:p>
-            <a:pPr algn="ctr"/>
+            <a:pPr algn="ctr">
+              <a:lnSpc>
+                <a:spcPct val="100000"/>
+              </a:lnSpc>
+            </a:pPr>
             <a:endParaRPr lang="en-US" sz="1800" spc="-1" strike="noStrike">
               <a:solidFill>
                 <a:srgbClr val="000000"/>
@@ -3360,7 +5207,11 @@
             </a:endParaRPr>
           </a:p>
           <a:p>
-            <a:pPr algn="ctr"/>
+            <a:pPr algn="ctr">
+              <a:lnSpc>
+                <a:spcPct val="100000"/>
+              </a:lnSpc>
+            </a:pPr>
             <a:endParaRPr lang="en-US" sz="1800" spc="-1" strike="noStrike">
               <a:solidFill>
                 <a:srgbClr val="000000"/>
@@ -3374,7 +5225,11 @@
             </a:endParaRPr>
           </a:p>
           <a:p>
-            <a:pPr algn="ctr"/>
+            <a:pPr algn="ctr">
+              <a:lnSpc>
+                <a:spcPct val="100000"/>
+              </a:lnSpc>
+            </a:pPr>
             <a:endParaRPr lang="en-US" sz="1800" spc="-1" strike="noStrike">
               <a:solidFill>
                 <a:srgbClr val="000000"/>
@@ -3391,14 +5246,14 @@
       </p:sp>
       <p:sp>
         <p:nvSpPr>
-          <p:cNvPr id="57" name="CustomShape 3"/>
+          <p:cNvPr id="90" name="CustomShape 3"/>
           <p:cNvSpPr/>
           <p:nvPr/>
         </p:nvSpPr>
         <p:spPr>
           <a:xfrm>
             <a:off x="457200" y="4023360"/>
-            <a:ext cx="9144000" cy="2651760"/>
+            <a:ext cx="9143640" cy="2651400"/>
           </a:xfrm>
           <a:prstGeom prst="rect">
             <a:avLst/>
@@ -3421,7 +5276,11 @@
         <p:txBody>
           <a:bodyPr wrap="none" lIns="90000" rIns="90000" tIns="45000" bIns="45000" anchor="ctr"/>
           <a:p>
-            <a:pPr algn="ctr"/>
+            <a:pPr algn="ctr">
+              <a:lnSpc>
+                <a:spcPct val="100000"/>
+              </a:lnSpc>
+            </a:pPr>
             <a:r>
               <a:rPr lang="en-US" sz="1800" spc="-1" strike="noStrike">
                 <a:solidFill>
@@ -3433,6 +5292,7 @@
                   </a:solidFill>
                 </a:uFill>
                 <a:latin typeface="Arial"/>
+                <a:ea typeface="DejaVu Sans"/>
               </a:rPr>
               <a:t>Desired entry fields</a:t>
             </a:r>
@@ -3449,7 +5309,11 @@
             </a:endParaRPr>
           </a:p>
           <a:p>
-            <a:pPr algn="ctr"/>
+            <a:pPr algn="ctr">
+              <a:lnSpc>
+                <a:spcPct val="100000"/>
+              </a:lnSpc>
+            </a:pPr>
             <a:r>
               <a:rPr lang="en-US" sz="1800" spc="-1" strike="noStrike">
                 <a:solidFill>
@@ -3461,6 +5325,7 @@
                   </a:solidFill>
                 </a:uFill>
                 <a:latin typeface="Arial"/>
+                <a:ea typeface="DejaVu Sans"/>
               </a:rPr>
               <a:t>Private/Public</a:t>
             </a:r>
@@ -3480,20 +5345,20 @@
       </p:sp>
       <p:sp>
         <p:nvSpPr>
-          <p:cNvPr id="58" name="CustomShape 4"/>
+          <p:cNvPr id="91" name="CustomShape 4"/>
           <p:cNvSpPr/>
           <p:nvPr/>
         </p:nvSpPr>
         <p:spPr>
           <a:xfrm>
             <a:off x="3200400" y="6766560"/>
-            <a:ext cx="3749040" cy="640080"/>
+            <a:ext cx="3748680" cy="639720"/>
           </a:xfrm>
           <a:custGeom>
             <a:avLst/>
             <a:gdLst/>
             <a:ahLst/>
-            <a:rect l="0" t="0" r="r" b="b"/>
+            <a:rect l="l" t="t" r="r" b="b"/>
             <a:pathLst>
               <a:path w="10416" h="1780">
                 <a:moveTo>
@@ -3552,7 +5417,11 @@
         <p:txBody>
           <a:bodyPr wrap="none" lIns="90000" rIns="90000" tIns="45000" bIns="45000" anchor="ctr"/>
           <a:p>
-            <a:pPr algn="ctr"/>
+            <a:pPr algn="ctr">
+              <a:lnSpc>
+                <a:spcPct val="100000"/>
+              </a:lnSpc>
+            </a:pPr>
             <a:r>
               <a:rPr lang="en-US" sz="1800" spc="-1" strike="noStrike">
                 <a:solidFill>
@@ -3564,6 +5433,7 @@
                   </a:solidFill>
                 </a:uFill>
                 <a:latin typeface="Arial"/>
+                <a:ea typeface="DejaVu Sans"/>
               </a:rPr>
               <a:t>Submit</a:t>
             </a:r>
@@ -3583,6 +5453,33 @@
       </p:sp>
     </p:spTree>
   </p:cSld>
+  <p:timing>
+    <p:tnLst>
+      <p:par>
+        <p:cTn id="5" dur="indefinite" restart="never" nodeType="tmRoot">
+          <p:childTnLst>
+            <p:seq>
+              <p:cTn id="6" nodeType="mainSeq"/>
+              <p:prevCondLst>
+                <p:cond delay="0" evt="onPrev">
+                  <p:tgtEl>
+                    <p:sldTgt/>
+                  </p:tgtEl>
+                </p:cond>
+              </p:prevCondLst>
+              <p:nextCondLst>
+                <p:cond delay="0" evt="onNext">
+                  <p:tgtEl>
+                    <p:sldTgt/>
+                  </p:tgtEl>
+                </p:cond>
+              </p:nextCondLst>
+            </p:seq>
+          </p:childTnLst>
+        </p:cTn>
+      </p:par>
+    </p:tnLst>
+  </p:timing>
 </p:sld>
 </file>
 
@@ -3605,14 +5502,14 @@
       </p:grpSpPr>
       <p:sp>
         <p:nvSpPr>
-          <p:cNvPr id="59" name="CustomShape 1"/>
+          <p:cNvPr id="92" name="CustomShape 1"/>
           <p:cNvSpPr/>
           <p:nvPr/>
         </p:nvSpPr>
         <p:spPr>
           <a:xfrm>
             <a:off x="457200" y="2194560"/>
-            <a:ext cx="9144000" cy="2651760"/>
+            <a:ext cx="9143640" cy="2651400"/>
           </a:xfrm>
           <a:prstGeom prst="rect">
             <a:avLst/>
@@ -3635,7 +5532,11 @@
         <p:txBody>
           <a:bodyPr wrap="none" lIns="90000" rIns="90000" tIns="45000" bIns="45000" anchor="ctr"/>
           <a:p>
-            <a:pPr algn="ctr"/>
+            <a:pPr algn="ctr">
+              <a:lnSpc>
+                <a:spcPct val="100000"/>
+              </a:lnSpc>
+            </a:pPr>
             <a:r>
               <a:rPr lang="en-US" sz="1800" spc="-1" strike="noStrike">
                 <a:solidFill>
@@ -3647,6 +5548,7 @@
                   </a:solidFill>
                 </a:uFill>
                 <a:latin typeface="Arial"/>
+                <a:ea typeface="DejaVu Sans"/>
               </a:rPr>
               <a:t>Link to poll</a:t>
             </a:r>
@@ -3663,7 +5565,11 @@
             </a:endParaRPr>
           </a:p>
           <a:p>
-            <a:pPr algn="ctr"/>
+            <a:pPr algn="ctr">
+              <a:lnSpc>
+                <a:spcPct val="100000"/>
+              </a:lnSpc>
+            </a:pPr>
             <a:endParaRPr lang="en-US" sz="1800" spc="-1" strike="noStrike">
               <a:solidFill>
                 <a:srgbClr val="000000"/>
@@ -3680,6 +5586,33 @@
       </p:sp>
     </p:spTree>
   </p:cSld>
+  <p:timing>
+    <p:tnLst>
+      <p:par>
+        <p:cTn id="7" dur="indefinite" restart="never" nodeType="tmRoot">
+          <p:childTnLst>
+            <p:seq>
+              <p:cTn id="8" nodeType="mainSeq"/>
+              <p:prevCondLst>
+                <p:cond delay="0" evt="onPrev">
+                  <p:tgtEl>
+                    <p:sldTgt/>
+                  </p:tgtEl>
+                </p:cond>
+              </p:prevCondLst>
+              <p:nextCondLst>
+                <p:cond delay="0" evt="onNext">
+                  <p:tgtEl>
+                    <p:sldTgt/>
+                  </p:tgtEl>
+                </p:cond>
+              </p:nextCondLst>
+            </p:seq>
+          </p:childTnLst>
+        </p:cTn>
+      </p:par>
+    </p:tnLst>
+  </p:timing>
 </p:sld>
 </file>
 
@@ -3702,14 +5635,14 @@
       </p:grpSpPr>
       <p:sp>
         <p:nvSpPr>
-          <p:cNvPr id="60" name="TextShape 1"/>
-          <p:cNvSpPr txBox="1"/>
+          <p:cNvPr id="93" name="CustomShape 1"/>
+          <p:cNvSpPr/>
           <p:nvPr/>
         </p:nvSpPr>
         <p:spPr>
           <a:xfrm>
             <a:off x="227520" y="3066840"/>
-            <a:ext cx="9071640" cy="1262160"/>
+            <a:ext cx="9071280" cy="1261800"/>
           </a:xfrm>
           <a:prstGeom prst="rect">
             <a:avLst/>
@@ -3719,10 +5652,20 @@
             <a:noFill/>
           </a:ln>
         </p:spPr>
+        <p:style>
+          <a:lnRef idx="0"/>
+          <a:fillRef idx="0"/>
+          <a:effectRef idx="0"/>
+          <a:fontRef idx="minor"/>
+        </p:style>
         <p:txBody>
           <a:bodyPr lIns="0" rIns="0" tIns="0" bIns="0" anchor="ctr"/>
           <a:p>
-            <a:pPr algn="ctr"/>
+            <a:pPr algn="ctr">
+              <a:lnSpc>
+                <a:spcPct val="100000"/>
+              </a:lnSpc>
+            </a:pPr>
             <a:r>
               <a:rPr lang="en-US" sz="4400" spc="-1" strike="noStrike">
                 <a:solidFill>
@@ -3737,7 +5680,7 @@
               </a:rPr>
               <a:t>Backend Diagrams</a:t>
             </a:r>
-            <a:endParaRPr lang="en-US" sz="4400" spc="-1" strike="noStrike">
+            <a:endParaRPr lang="en-US" sz="1800" spc="-1" strike="noStrike">
               <a:solidFill>
                 <a:srgbClr val="000000"/>
               </a:solidFill>
@@ -3753,6 +5696,33 @@
       </p:sp>
     </p:spTree>
   </p:cSld>
+  <p:timing>
+    <p:tnLst>
+      <p:par>
+        <p:cTn id="9" dur="indefinite" restart="never" nodeType="tmRoot">
+          <p:childTnLst>
+            <p:seq>
+              <p:cTn id="10" nodeType="mainSeq"/>
+              <p:prevCondLst>
+                <p:cond delay="0" evt="onPrev">
+                  <p:tgtEl>
+                    <p:sldTgt/>
+                  </p:tgtEl>
+                </p:cond>
+              </p:prevCondLst>
+              <p:nextCondLst>
+                <p:cond delay="0" evt="onNext">
+                  <p:tgtEl>
+                    <p:sldTgt/>
+                  </p:tgtEl>
+                </p:cond>
+              </p:nextCondLst>
+            </p:seq>
+          </p:childTnLst>
+        </p:cTn>
+      </p:par>
+    </p:tnLst>
+  </p:timing>
 </p:sld>
 </file>
 
@@ -3775,14 +5745,14 @@
       </p:grpSpPr>
       <p:sp>
         <p:nvSpPr>
-          <p:cNvPr id="61" name="TextShape 1"/>
-          <p:cNvSpPr txBox="1"/>
+          <p:cNvPr id="94" name="CustomShape 1"/>
+          <p:cNvSpPr/>
           <p:nvPr/>
         </p:nvSpPr>
         <p:spPr>
           <a:xfrm>
             <a:off x="504000" y="294480"/>
-            <a:ext cx="9071640" cy="626760"/>
+            <a:ext cx="9071280" cy="626400"/>
           </a:xfrm>
           <a:prstGeom prst="rect">
             <a:avLst/>
@@ -3792,10 +5762,20 @@
             <a:noFill/>
           </a:ln>
         </p:spPr>
+        <p:style>
+          <a:lnRef idx="0"/>
+          <a:fillRef idx="0"/>
+          <a:effectRef idx="0"/>
+          <a:fontRef idx="minor"/>
+        </p:style>
         <p:txBody>
           <a:bodyPr lIns="0" rIns="0" tIns="0" bIns="0" anchor="ctr"/>
           <a:p>
-            <a:pPr algn="ctr"/>
+            <a:pPr algn="ctr">
+              <a:lnSpc>
+                <a:spcPct val="100000"/>
+              </a:lnSpc>
+            </a:pPr>
             <a:r>
               <a:rPr lang="en-US" sz="4400" spc="-1" strike="noStrike">
                 <a:solidFill>
@@ -3810,30 +5790,30 @@
               </a:rPr>
               <a:t>ERD</a:t>
             </a:r>
-            <a:endParaRPr lang="en-US" sz="4400" spc="-1" strike="noStrike">
-              <a:solidFill>
-                <a:srgbClr val="000000"/>
-              </a:solidFill>
-              <a:uFill>
-                <a:solidFill>
-                  <a:srgbClr val="ffffff"/>
-                </a:solidFill>
-              </a:uFill>
-              <a:latin typeface="Arial"/>
-            </a:endParaRPr>
-          </a:p>
-        </p:txBody>
-      </p:sp>
-      <p:sp>
-        <p:nvSpPr>
-          <p:cNvPr id="62" name="CustomShape 2"/>
+            <a:endParaRPr lang="en-US" sz="1800" spc="-1" strike="noStrike">
+              <a:solidFill>
+                <a:srgbClr val="000000"/>
+              </a:solidFill>
+              <a:uFill>
+                <a:solidFill>
+                  <a:srgbClr val="ffffff"/>
+                </a:solidFill>
+              </a:uFill>
+              <a:latin typeface="Arial"/>
+            </a:endParaRPr>
+          </a:p>
+        </p:txBody>
+      </p:sp>
+      <p:sp>
+        <p:nvSpPr>
+          <p:cNvPr id="95" name="CustomShape 2"/>
           <p:cNvSpPr/>
           <p:nvPr/>
         </p:nvSpPr>
         <p:spPr>
           <a:xfrm>
             <a:off x="4006440" y="3975840"/>
-            <a:ext cx="2011680" cy="1554480"/>
+            <a:ext cx="2011320" cy="1554120"/>
           </a:xfrm>
           <a:prstGeom prst="rect">
             <a:avLst/>
@@ -3856,7 +5836,11 @@
         <p:txBody>
           <a:bodyPr wrap="none" lIns="90000" rIns="90000" tIns="45000" bIns="45000" anchor="ctr"/>
           <a:p>
-            <a:pPr algn="ctr"/>
+            <a:pPr algn="ctr">
+              <a:lnSpc>
+                <a:spcPct val="100000"/>
+              </a:lnSpc>
+            </a:pPr>
             <a:r>
               <a:rPr lang="en-US" sz="1800" spc="-1" strike="noStrike">
                 <a:solidFill>
@@ -3868,6 +5852,7 @@
                   </a:solidFill>
                 </a:uFill>
                 <a:latin typeface="Arial"/>
+                <a:ea typeface="DejaVu Sans"/>
               </a:rPr>
               <a:t>Users</a:t>
             </a:r>
@@ -3887,14 +5872,14 @@
       </p:sp>
       <p:sp>
         <p:nvSpPr>
-          <p:cNvPr id="63" name="CustomShape 3"/>
+          <p:cNvPr id="96" name="CustomShape 3"/>
           <p:cNvSpPr/>
           <p:nvPr/>
         </p:nvSpPr>
         <p:spPr>
           <a:xfrm>
             <a:off x="2194560" y="1645920"/>
-            <a:ext cx="2011680" cy="1554480"/>
+            <a:ext cx="2011320" cy="1554120"/>
           </a:xfrm>
           <a:prstGeom prst="rect">
             <a:avLst/>
@@ -3917,7 +5902,11 @@
         <p:txBody>
           <a:bodyPr wrap="none" lIns="90000" rIns="90000" tIns="45000" bIns="45000" anchor="ctr"/>
           <a:p>
-            <a:pPr algn="ctr"/>
+            <a:pPr algn="ctr">
+              <a:lnSpc>
+                <a:spcPct val="100000"/>
+              </a:lnSpc>
+            </a:pPr>
             <a:r>
               <a:rPr lang="en-US" sz="1800" spc="-1" strike="noStrike">
                 <a:solidFill>
@@ -3929,6 +5918,7 @@
                   </a:solidFill>
                 </a:uFill>
                 <a:latin typeface="Arial"/>
+                <a:ea typeface="DejaVu Sans"/>
               </a:rPr>
               <a:t>Polls</a:t>
             </a:r>
@@ -3948,14 +5938,14 @@
       </p:sp>
       <p:sp>
         <p:nvSpPr>
-          <p:cNvPr id="64" name="CustomShape 4"/>
+          <p:cNvPr id="97" name="CustomShape 4"/>
           <p:cNvSpPr/>
           <p:nvPr/>
         </p:nvSpPr>
         <p:spPr>
           <a:xfrm>
             <a:off x="5943600" y="1645920"/>
-            <a:ext cx="2011680" cy="1554480"/>
+            <a:ext cx="2011320" cy="1554120"/>
           </a:xfrm>
           <a:prstGeom prst="rect">
             <a:avLst/>
@@ -3978,7 +5968,11 @@
         <p:txBody>
           <a:bodyPr wrap="none" lIns="90000" rIns="90000" tIns="45000" bIns="45000" anchor="ctr"/>
           <a:p>
-            <a:pPr algn="ctr"/>
+            <a:pPr algn="ctr">
+              <a:lnSpc>
+                <a:spcPct val="100000"/>
+              </a:lnSpc>
+            </a:pPr>
             <a:r>
               <a:rPr lang="en-US" sz="1800" spc="-1" strike="noStrike">
                 <a:solidFill>
@@ -3990,6 +5984,7 @@
                   </a:solidFill>
                 </a:uFill>
                 <a:latin typeface="Arial"/>
+                <a:ea typeface="DejaVu Sans"/>
               </a:rPr>
               <a:t>Votes</a:t>
             </a:r>
@@ -4007,23 +6002,23 @@
           </a:p>
         </p:txBody>
       </p:sp>
-      <p:cxnSp>
-        <p:nvCxnSpPr>
-          <p:cNvPr id="65" name="Line 5"/>
-          <p:cNvCxnSpPr>
-            <a:stCxn id="62" idx="3"/>
-            <a:endCxn id="64" idx="2"/>
-          </p:cNvCxnSpPr>
+      <p:sp>
+        <p:nvSpPr>
+          <p:cNvPr id="98" name="CustomShape 5"/>
+          <p:cNvSpPr/>
           <p:nvPr/>
-        </p:nvCxnSpPr>
+        </p:nvSpPr>
         <p:spPr>
           <a:xfrm flipV="1">
-            <a:off x="6018120" y="3200400"/>
-            <a:ext cx="931680" cy="1553040"/>
+            <a:off x="6018120" y="3199680"/>
+            <a:ext cx="931320" cy="1552680"/>
           </a:xfrm>
           <a:prstGeom prst="bentConnector3">
-            <a:avLst/>
-          </a:prstGeom>
+            <a:avLst>
+              <a:gd name="adj1" fmla="val 50000"/>
+            </a:avLst>
+          </a:prstGeom>
+          <a:noFill/>
           <a:ln>
             <a:solidFill>
               <a:srgbClr val="000000"/>
@@ -4031,24 +6026,30 @@
             <a:tailEnd len="med" type="triangle" w="med"/>
           </a:ln>
         </p:spPr>
-      </p:cxnSp>
-      <p:cxnSp>
-        <p:nvCxnSpPr>
-          <p:cNvPr id="66" name="Line 6"/>
-          <p:cNvCxnSpPr>
-            <a:stCxn id="63" idx="3"/>
-            <a:endCxn id="64" idx="1"/>
-          </p:cNvCxnSpPr>
+        <p:style>
+          <a:lnRef idx="0"/>
+          <a:fillRef idx="0"/>
+          <a:effectRef idx="0"/>
+          <a:fontRef idx="minor"/>
+        </p:style>
+      </p:sp>
+      <p:sp>
+        <p:nvSpPr>
+          <p:cNvPr id="99" name="CustomShape 6"/>
+          <p:cNvSpPr/>
           <p:nvPr/>
-        </p:nvCxnSpPr>
+        </p:nvSpPr>
         <p:spPr>
           <a:xfrm>
             <a:off x="4206240" y="2423160"/>
-            <a:ext cx="1737720" cy="360"/>
+            <a:ext cx="1737360" cy="360"/>
           </a:xfrm>
           <a:prstGeom prst="bentConnector3">
-            <a:avLst/>
-          </a:prstGeom>
+            <a:avLst>
+              <a:gd name="adj1" fmla="val 50000"/>
+            </a:avLst>
+          </a:prstGeom>
+          <a:noFill/>
           <a:ln>
             <a:solidFill>
               <a:srgbClr val="000000"/>
@@ -4056,17 +6057,23 @@
             <a:tailEnd len="med" type="triangle" w="med"/>
           </a:ln>
         </p:spPr>
-      </p:cxnSp>
-      <p:sp>
-        <p:nvSpPr>
-          <p:cNvPr id="67" name="TextShape 7"/>
-          <p:cNvSpPr txBox="1"/>
+        <p:style>
+          <a:lnRef idx="0"/>
+          <a:fillRef idx="0"/>
+          <a:effectRef idx="0"/>
+          <a:fontRef idx="minor"/>
+        </p:style>
+      </p:sp>
+      <p:sp>
+        <p:nvSpPr>
+          <p:cNvPr id="100" name="CustomShape 7"/>
+          <p:cNvSpPr/>
           <p:nvPr/>
         </p:nvSpPr>
         <p:spPr>
           <a:xfrm>
             <a:off x="6309360" y="5140080"/>
-            <a:ext cx="274320" cy="346320"/>
+            <a:ext cx="273960" cy="345960"/>
           </a:xfrm>
           <a:prstGeom prst="rect">
             <a:avLst/>
@@ -4076,6 +6083,12 @@
             <a:noFill/>
           </a:ln>
         </p:spPr>
+        <p:style>
+          <a:lnRef idx="0"/>
+          <a:fillRef idx="0"/>
+          <a:effectRef idx="0"/>
+          <a:fontRef idx="minor"/>
+        </p:style>
         <p:txBody>
           <a:bodyPr lIns="90000" rIns="90000" tIns="45000" bIns="45000"/>
           <a:p>
@@ -4109,14 +6122,14 @@
       </p:sp>
       <p:sp>
         <p:nvSpPr>
-          <p:cNvPr id="68" name="TextShape 8"/>
-          <p:cNvSpPr txBox="1"/>
+          <p:cNvPr id="101" name="CustomShape 8"/>
+          <p:cNvSpPr/>
           <p:nvPr/>
         </p:nvSpPr>
         <p:spPr>
           <a:xfrm>
             <a:off x="7040880" y="3291840"/>
-            <a:ext cx="274320" cy="346320"/>
+            <a:ext cx="273960" cy="345960"/>
           </a:xfrm>
           <a:prstGeom prst="rect">
             <a:avLst/>
@@ -4126,6 +6139,12 @@
             <a:noFill/>
           </a:ln>
         </p:spPr>
+        <p:style>
+          <a:lnRef idx="0"/>
+          <a:fillRef idx="0"/>
+          <a:effectRef idx="0"/>
+          <a:fontRef idx="minor"/>
+        </p:style>
         <p:txBody>
           <a:bodyPr lIns="90000" rIns="90000" tIns="45000" bIns="45000"/>
           <a:p>
@@ -4159,14 +6178,14 @@
       </p:sp>
       <p:sp>
         <p:nvSpPr>
-          <p:cNvPr id="69" name="TextShape 9"/>
-          <p:cNvSpPr txBox="1"/>
+          <p:cNvPr id="102" name="CustomShape 9"/>
+          <p:cNvSpPr/>
           <p:nvPr/>
         </p:nvSpPr>
         <p:spPr>
           <a:xfrm>
             <a:off x="4297680" y="2103120"/>
-            <a:ext cx="274320" cy="346320"/>
+            <a:ext cx="273960" cy="345960"/>
           </a:xfrm>
           <a:prstGeom prst="rect">
             <a:avLst/>
@@ -4176,6 +6195,12 @@
             <a:noFill/>
           </a:ln>
         </p:spPr>
+        <p:style>
+          <a:lnRef idx="0"/>
+          <a:fillRef idx="0"/>
+          <a:effectRef idx="0"/>
+          <a:fontRef idx="minor"/>
+        </p:style>
         <p:txBody>
           <a:bodyPr lIns="90000" rIns="90000" tIns="45000" bIns="45000"/>
           <a:p>
@@ -4209,14 +6234,14 @@
       </p:sp>
       <p:sp>
         <p:nvSpPr>
-          <p:cNvPr id="70" name="TextShape 10"/>
-          <p:cNvSpPr txBox="1"/>
+          <p:cNvPr id="103" name="CustomShape 10"/>
+          <p:cNvSpPr/>
           <p:nvPr/>
         </p:nvSpPr>
         <p:spPr>
           <a:xfrm>
             <a:off x="5577840" y="2076840"/>
-            <a:ext cx="274320" cy="346320"/>
+            <a:ext cx="273960" cy="345960"/>
           </a:xfrm>
           <a:prstGeom prst="rect">
             <a:avLst/>
@@ -4226,6 +6251,12 @@
             <a:noFill/>
           </a:ln>
         </p:spPr>
+        <p:style>
+          <a:lnRef idx="0"/>
+          <a:fillRef idx="0"/>
+          <a:effectRef idx="0"/>
+          <a:fontRef idx="minor"/>
+        </p:style>
         <p:txBody>
           <a:bodyPr lIns="90000" rIns="90000" tIns="45000" bIns="45000"/>
           <a:p>
@@ -4259,6 +6290,33 @@
       </p:sp>
     </p:spTree>
   </p:cSld>
+  <p:timing>
+    <p:tnLst>
+      <p:par>
+        <p:cTn id="11" dur="indefinite" restart="never" nodeType="tmRoot">
+          <p:childTnLst>
+            <p:seq>
+              <p:cTn id="12" nodeType="mainSeq"/>
+              <p:prevCondLst>
+                <p:cond delay="0" evt="onPrev">
+                  <p:tgtEl>
+                    <p:sldTgt/>
+                  </p:tgtEl>
+                </p:cond>
+              </p:prevCondLst>
+              <p:nextCondLst>
+                <p:cond delay="0" evt="onNext">
+                  <p:tgtEl>
+                    <p:sldTgt/>
+                  </p:tgtEl>
+                </p:cond>
+              </p:nextCondLst>
+            </p:seq>
+          </p:childTnLst>
+        </p:cTn>
+      </p:par>
+    </p:tnLst>
+  </p:timing>
 </p:sld>
 </file>
 
@@ -4281,14 +6339,14 @@
       </p:grpSpPr>
       <p:sp>
         <p:nvSpPr>
-          <p:cNvPr id="71" name="TextShape 1"/>
-          <p:cNvSpPr txBox="1"/>
+          <p:cNvPr id="104" name="CustomShape 1"/>
+          <p:cNvSpPr/>
           <p:nvPr/>
         </p:nvSpPr>
         <p:spPr>
           <a:xfrm>
             <a:off x="504000" y="294480"/>
-            <a:ext cx="9071640" cy="626760"/>
+            <a:ext cx="9071280" cy="626400"/>
           </a:xfrm>
           <a:prstGeom prst="rect">
             <a:avLst/>
@@ -4298,10 +6356,20 @@
             <a:noFill/>
           </a:ln>
         </p:spPr>
+        <p:style>
+          <a:lnRef idx="0"/>
+          <a:fillRef idx="0"/>
+          <a:effectRef idx="0"/>
+          <a:fontRef idx="minor"/>
+        </p:style>
         <p:txBody>
           <a:bodyPr lIns="0" rIns="0" tIns="0" bIns="0" anchor="ctr"/>
           <a:p>
-            <a:pPr algn="ctr"/>
+            <a:pPr algn="ctr">
+              <a:lnSpc>
+                <a:spcPct val="100000"/>
+              </a:lnSpc>
+            </a:pPr>
             <a:r>
               <a:rPr lang="en-US" sz="4400" spc="-1" strike="noStrike">
                 <a:solidFill>
@@ -4316,30 +6384,30 @@
               </a:rPr>
               <a:t>ERDv2</a:t>
             </a:r>
-            <a:endParaRPr lang="en-US" sz="4400" spc="-1" strike="noStrike">
-              <a:solidFill>
-                <a:srgbClr val="000000"/>
-              </a:solidFill>
-              <a:uFill>
-                <a:solidFill>
-                  <a:srgbClr val="ffffff"/>
-                </a:solidFill>
-              </a:uFill>
-              <a:latin typeface="Arial"/>
-            </a:endParaRPr>
-          </a:p>
-        </p:txBody>
-      </p:sp>
-      <p:sp>
-        <p:nvSpPr>
-          <p:cNvPr id="72" name="CustomShape 2"/>
+            <a:endParaRPr lang="en-US" sz="1800" spc="-1" strike="noStrike">
+              <a:solidFill>
+                <a:srgbClr val="000000"/>
+              </a:solidFill>
+              <a:uFill>
+                <a:solidFill>
+                  <a:srgbClr val="ffffff"/>
+                </a:solidFill>
+              </a:uFill>
+              <a:latin typeface="Arial"/>
+            </a:endParaRPr>
+          </a:p>
+        </p:txBody>
+      </p:sp>
+      <p:sp>
+        <p:nvSpPr>
+          <p:cNvPr id="105" name="CustomShape 2"/>
           <p:cNvSpPr/>
           <p:nvPr/>
         </p:nvSpPr>
         <p:spPr>
           <a:xfrm>
             <a:off x="4023360" y="4206240"/>
-            <a:ext cx="2011680" cy="1554480"/>
+            <a:ext cx="2011320" cy="1554120"/>
           </a:xfrm>
           <a:prstGeom prst="rect">
             <a:avLst/>
@@ -4362,7 +6430,11 @@
         <p:txBody>
           <a:bodyPr wrap="none" lIns="90000" rIns="90000" tIns="45000" bIns="45000" anchor="ctr"/>
           <a:p>
-            <a:pPr algn="ctr"/>
+            <a:pPr algn="ctr">
+              <a:lnSpc>
+                <a:spcPct val="100000"/>
+              </a:lnSpc>
+            </a:pPr>
             <a:r>
               <a:rPr lang="en-US" sz="1800" spc="-1" strike="noStrike">
                 <a:solidFill>
@@ -4374,6 +6446,7 @@
                   </a:solidFill>
                 </a:uFill>
                 <a:latin typeface="Arial"/>
+                <a:ea typeface="DejaVu Sans"/>
               </a:rPr>
               <a:t>Users</a:t>
             </a:r>
@@ -4393,14 +6466,14 @@
       </p:sp>
       <p:sp>
         <p:nvSpPr>
-          <p:cNvPr id="73" name="CustomShape 3"/>
+          <p:cNvPr id="106" name="CustomShape 3"/>
           <p:cNvSpPr/>
           <p:nvPr/>
         </p:nvSpPr>
         <p:spPr>
           <a:xfrm>
             <a:off x="2194560" y="1645920"/>
-            <a:ext cx="2011680" cy="1554480"/>
+            <a:ext cx="2011320" cy="1554120"/>
           </a:xfrm>
           <a:prstGeom prst="rect">
             <a:avLst/>
@@ -4423,7 +6496,11 @@
         <p:txBody>
           <a:bodyPr wrap="none" lIns="90000" rIns="90000" tIns="45000" bIns="45000" anchor="ctr"/>
           <a:p>
-            <a:pPr algn="ctr"/>
+            <a:pPr algn="ctr">
+              <a:lnSpc>
+                <a:spcPct val="100000"/>
+              </a:lnSpc>
+            </a:pPr>
             <a:r>
               <a:rPr lang="en-US" sz="1800" spc="-1" strike="noStrike">
                 <a:solidFill>
@@ -4435,6 +6512,7 @@
                   </a:solidFill>
                 </a:uFill>
                 <a:latin typeface="Arial"/>
+                <a:ea typeface="DejaVu Sans"/>
               </a:rPr>
               <a:t>Polls</a:t>
             </a:r>
@@ -4454,14 +6532,14 @@
       </p:sp>
       <p:sp>
         <p:nvSpPr>
-          <p:cNvPr id="74" name="CustomShape 4"/>
+          <p:cNvPr id="107" name="CustomShape 4"/>
           <p:cNvSpPr/>
           <p:nvPr/>
         </p:nvSpPr>
         <p:spPr>
           <a:xfrm>
             <a:off x="5943600" y="1645920"/>
-            <a:ext cx="2011680" cy="1554480"/>
+            <a:ext cx="2011320" cy="1554120"/>
           </a:xfrm>
           <a:prstGeom prst="rect">
             <a:avLst/>
@@ -4484,7 +6562,11 @@
         <p:txBody>
           <a:bodyPr wrap="none" lIns="90000" rIns="90000" tIns="45000" bIns="45000" anchor="ctr"/>
           <a:p>
-            <a:pPr algn="ctr"/>
+            <a:pPr algn="ctr">
+              <a:lnSpc>
+                <a:spcPct val="100000"/>
+              </a:lnSpc>
+            </a:pPr>
             <a:r>
               <a:rPr lang="en-US" sz="1800" spc="-1" strike="noStrike">
                 <a:solidFill>
@@ -4496,6 +6578,7 @@
                   </a:solidFill>
                 </a:uFill>
                 <a:latin typeface="Arial"/>
+                <a:ea typeface="DejaVu Sans"/>
               </a:rPr>
               <a:t>Votes</a:t>
             </a:r>
@@ -4513,23 +6596,23 @@
           </a:p>
         </p:txBody>
       </p:sp>
-      <p:cxnSp>
-        <p:nvCxnSpPr>
-          <p:cNvPr id="75" name="Line 5"/>
-          <p:cNvCxnSpPr>
-            <a:stCxn id="73" idx="3"/>
-            <a:endCxn id="74" idx="1"/>
-          </p:cNvCxnSpPr>
+      <p:sp>
+        <p:nvSpPr>
+          <p:cNvPr id="108" name="CustomShape 5"/>
+          <p:cNvSpPr/>
           <p:nvPr/>
-        </p:nvCxnSpPr>
+        </p:nvSpPr>
         <p:spPr>
           <a:xfrm>
             <a:off x="4206240" y="2423160"/>
-            <a:ext cx="1737720" cy="360"/>
+            <a:ext cx="1737360" cy="360"/>
           </a:xfrm>
           <a:prstGeom prst="bentConnector3">
-            <a:avLst/>
-          </a:prstGeom>
+            <a:avLst>
+              <a:gd name="adj1" fmla="val 50000"/>
+            </a:avLst>
+          </a:prstGeom>
+          <a:noFill/>
           <a:ln>
             <a:solidFill>
               <a:srgbClr val="000000"/>
@@ -4537,17 +6620,23 @@
             <a:tailEnd len="med" type="triangle" w="med"/>
           </a:ln>
         </p:spPr>
-      </p:cxnSp>
-      <p:sp>
-        <p:nvSpPr>
-          <p:cNvPr id="76" name="TextShape 6"/>
-          <p:cNvSpPr txBox="1"/>
+        <p:style>
+          <a:lnRef idx="0"/>
+          <a:fillRef idx="0"/>
+          <a:effectRef idx="0"/>
+          <a:fontRef idx="minor"/>
+        </p:style>
+      </p:sp>
+      <p:sp>
+        <p:nvSpPr>
+          <p:cNvPr id="109" name="CustomShape 6"/>
+          <p:cNvSpPr/>
           <p:nvPr/>
         </p:nvSpPr>
         <p:spPr>
           <a:xfrm>
             <a:off x="3657600" y="5120640"/>
-            <a:ext cx="274320" cy="346320"/>
+            <a:ext cx="273960" cy="345960"/>
           </a:xfrm>
           <a:prstGeom prst="rect">
             <a:avLst/>
@@ -4557,6 +6646,12 @@
             <a:noFill/>
           </a:ln>
         </p:spPr>
+        <p:style>
+          <a:lnRef idx="0"/>
+          <a:fillRef idx="0"/>
+          <a:effectRef idx="0"/>
+          <a:fontRef idx="minor"/>
+        </p:style>
         <p:txBody>
           <a:bodyPr lIns="90000" rIns="90000" tIns="45000" bIns="45000"/>
           <a:p>
@@ -4590,14 +6685,14 @@
       </p:sp>
       <p:sp>
         <p:nvSpPr>
-          <p:cNvPr id="77" name="TextShape 7"/>
-          <p:cNvSpPr txBox="1"/>
+          <p:cNvPr id="110" name="CustomShape 7"/>
+          <p:cNvSpPr/>
           <p:nvPr/>
         </p:nvSpPr>
         <p:spPr>
           <a:xfrm>
             <a:off x="3200400" y="3311280"/>
-            <a:ext cx="274320" cy="346320"/>
+            <a:ext cx="273960" cy="345960"/>
           </a:xfrm>
           <a:prstGeom prst="rect">
             <a:avLst/>
@@ -4607,6 +6702,12 @@
             <a:noFill/>
           </a:ln>
         </p:spPr>
+        <p:style>
+          <a:lnRef idx="0"/>
+          <a:fillRef idx="0"/>
+          <a:effectRef idx="0"/>
+          <a:fontRef idx="minor"/>
+        </p:style>
         <p:txBody>
           <a:bodyPr lIns="90000" rIns="90000" tIns="45000" bIns="45000"/>
           <a:p>
@@ -4640,14 +6741,14 @@
       </p:sp>
       <p:sp>
         <p:nvSpPr>
-          <p:cNvPr id="78" name="TextShape 8"/>
-          <p:cNvSpPr txBox="1"/>
+          <p:cNvPr id="111" name="CustomShape 8"/>
+          <p:cNvSpPr/>
           <p:nvPr/>
         </p:nvSpPr>
         <p:spPr>
           <a:xfrm>
             <a:off x="4297680" y="2103120"/>
-            <a:ext cx="274320" cy="346320"/>
+            <a:ext cx="273960" cy="345960"/>
           </a:xfrm>
           <a:prstGeom prst="rect">
             <a:avLst/>
@@ -4657,6 +6758,12 @@
             <a:noFill/>
           </a:ln>
         </p:spPr>
+        <p:style>
+          <a:lnRef idx="0"/>
+          <a:fillRef idx="0"/>
+          <a:effectRef idx="0"/>
+          <a:fontRef idx="minor"/>
+        </p:style>
         <p:txBody>
           <a:bodyPr lIns="90000" rIns="90000" tIns="45000" bIns="45000"/>
           <a:p>
@@ -4690,14 +6797,14 @@
       </p:sp>
       <p:sp>
         <p:nvSpPr>
-          <p:cNvPr id="79" name="TextShape 9"/>
-          <p:cNvSpPr txBox="1"/>
+          <p:cNvPr id="112" name="CustomShape 9"/>
+          <p:cNvSpPr/>
           <p:nvPr/>
         </p:nvSpPr>
         <p:spPr>
           <a:xfrm>
             <a:off x="5577840" y="2076840"/>
-            <a:ext cx="274320" cy="346320"/>
+            <a:ext cx="273960" cy="345960"/>
           </a:xfrm>
           <a:prstGeom prst="rect">
             <a:avLst/>
@@ -4707,6 +6814,12 @@
             <a:noFill/>
           </a:ln>
         </p:spPr>
+        <p:style>
+          <a:lnRef idx="0"/>
+          <a:fillRef idx="0"/>
+          <a:effectRef idx="0"/>
+          <a:fontRef idx="minor"/>
+        </p:style>
         <p:txBody>
           <a:bodyPr lIns="90000" rIns="90000" tIns="45000" bIns="45000"/>
           <a:p>
@@ -4738,40 +6851,16 @@
           </a:p>
         </p:txBody>
       </p:sp>
-      <p:cxnSp>
-        <p:nvCxnSpPr>
-          <p:cNvPr id="80" name="Line 10"/>
-          <p:cNvCxnSpPr>
-            <a:stCxn id="72" idx="1"/>
-          </p:cNvCxnSpPr>
+      <p:sp>
+        <p:nvSpPr>
+          <p:cNvPr id="113" name="CustomShape 10"/>
+          <p:cNvSpPr/>
           <p:nvPr/>
-        </p:nvCxnSpPr>
-        <p:spPr>
-          <a:xfrm flipH="1" flipV="1">
-            <a:off x="3108960" y="3246120"/>
-            <a:ext cx="914760" cy="1737720"/>
-          </a:xfrm>
-          <a:prstGeom prst="bentConnector3">
-            <a:avLst/>
-          </a:prstGeom>
-          <a:ln>
-            <a:solidFill>
-              <a:srgbClr val="000000"/>
-            </a:solidFill>
-            <a:tailEnd len="med" type="triangle" w="med"/>
-          </a:ln>
-        </p:spPr>
-      </p:cxnSp>
-      <p:sp>
-        <p:nvSpPr>
-          <p:cNvPr id="81" name="TextShape 11"/>
-          <p:cNvSpPr txBox="1"/>
-          <p:nvPr/>
         </p:nvSpPr>
         <p:spPr>
           <a:xfrm>
             <a:off x="7040880" y="3291840"/>
-            <a:ext cx="274320" cy="346320"/>
+            <a:ext cx="273960" cy="345960"/>
           </a:xfrm>
           <a:prstGeom prst="rect">
             <a:avLst/>
@@ -4781,6 +6870,12 @@
             <a:noFill/>
           </a:ln>
         </p:spPr>
+        <p:style>
+          <a:lnRef idx="0"/>
+          <a:fillRef idx="0"/>
+          <a:effectRef idx="0"/>
+          <a:fontRef idx="minor"/>
+        </p:style>
         <p:txBody>
           <a:bodyPr lIns="90000" rIns="90000" tIns="45000" bIns="45000"/>
           <a:p>
@@ -4814,14 +6909,14 @@
       </p:sp>
       <p:sp>
         <p:nvSpPr>
-          <p:cNvPr id="82" name="TextShape 12"/>
-          <p:cNvSpPr txBox="1"/>
+          <p:cNvPr id="114" name="CustomShape 11"/>
+          <p:cNvSpPr/>
           <p:nvPr/>
         </p:nvSpPr>
         <p:spPr>
           <a:xfrm>
             <a:off x="6126480" y="5048640"/>
-            <a:ext cx="274320" cy="346320"/>
+            <a:ext cx="273960" cy="345960"/>
           </a:xfrm>
           <a:prstGeom prst="rect">
             <a:avLst/>
@@ -4831,6 +6926,12 @@
             <a:noFill/>
           </a:ln>
         </p:spPr>
+        <p:style>
+          <a:lnRef idx="0"/>
+          <a:fillRef idx="0"/>
+          <a:effectRef idx="0"/>
+          <a:fontRef idx="minor"/>
+        </p:style>
         <p:txBody>
           <a:bodyPr lIns="90000" rIns="90000" tIns="45000" bIns="45000"/>
           <a:p>
@@ -4862,34 +6963,279 @@
           </a:p>
         </p:txBody>
       </p:sp>
+      <p:sp>
+        <p:nvSpPr>
+          <p:cNvPr id="115" name="CustomShape 12"/>
+          <p:cNvSpPr/>
+          <p:nvPr/>
+        </p:nvSpPr>
+        <p:spPr>
+          <a:xfrm>
+            <a:off x="274680" y="4023360"/>
+            <a:ext cx="2011320" cy="1554120"/>
+          </a:xfrm>
+          <a:prstGeom prst="rect">
+            <a:avLst/>
+          </a:prstGeom>
+          <a:solidFill>
+            <a:srgbClr val="729fcf"/>
+          </a:solidFill>
+          <a:ln>
+            <a:solidFill>
+              <a:srgbClr val="3465a4"/>
+            </a:solidFill>
+          </a:ln>
+        </p:spPr>
+        <p:style>
+          <a:lnRef idx="0"/>
+          <a:fillRef idx="0"/>
+          <a:effectRef idx="0"/>
+          <a:fontRef idx="minor"/>
+        </p:style>
+        <p:txBody>
+          <a:bodyPr wrap="none" lIns="90000" rIns="90000" tIns="45000" bIns="45000" anchor="ctr"/>
+          <a:p>
+            <a:pPr algn="ctr">
+              <a:lnSpc>
+                <a:spcPct val="100000"/>
+              </a:lnSpc>
+            </a:pPr>
+            <a:r>
+              <a:rPr lang="en-US" sz="1800" spc="-1" strike="noStrike">
+                <a:solidFill>
+                  <a:srgbClr val="000000"/>
+                </a:solidFill>
+                <a:uFill>
+                  <a:solidFill>
+                    <a:srgbClr val="ffffff"/>
+                  </a:solidFill>
+                </a:uFill>
+                <a:latin typeface="Arial"/>
+                <a:ea typeface="DejaVu Sans"/>
+              </a:rPr>
+              <a:t>Option</a:t>
+            </a:r>
+            <a:endParaRPr lang="en-US" sz="1800" spc="-1" strike="noStrike">
+              <a:solidFill>
+                <a:srgbClr val="000000"/>
+              </a:solidFill>
+              <a:uFill>
+                <a:solidFill>
+                  <a:srgbClr val="ffffff"/>
+                </a:solidFill>
+              </a:uFill>
+              <a:latin typeface="Arial"/>
+            </a:endParaRPr>
+          </a:p>
+        </p:txBody>
+      </p:sp>
       <p:cxnSp>
         <p:nvCxnSpPr>
-          <p:cNvPr id="83" name="Line 13"/>
-          <p:cNvCxnSpPr>
-            <a:stCxn id="72" idx="3"/>
-            <a:endCxn id="74" idx="2"/>
-          </p:cNvCxnSpPr>
+          <p:cNvPr id="116" name="Line 13"/>
+          <p:cNvCxnSpPr/>
           <p:nvPr/>
         </p:nvCxnSpPr>
         <p:spPr>
-          <a:xfrm flipV="1">
-            <a:off x="6035040" y="3200400"/>
-            <a:ext cx="914760" cy="1783440"/>
-          </a:xfrm>
-          <a:prstGeom prst="bentConnector3">
+          <a:xfrm>
+            <a:off x="0" y="0"/>
+            <a:ext cx="360" cy="360"/>
+          </a:xfrm>
+          <a:prstGeom prst="line">
             <a:avLst/>
           </a:prstGeom>
           <a:ln>
             <a:solidFill>
               <a:srgbClr val="000000"/>
             </a:solidFill>
-            <a:headEnd len="med" type="triangle" w="med"/>
+            <a:tailEnd len="med" type="triangle" w="med"/>
+          </a:ln>
+        </p:spPr>
+      </p:cxnSp>
+      <p:sp>
+        <p:nvSpPr>
+          <p:cNvPr id="117" name="CustomShape 14"/>
+          <p:cNvSpPr/>
+          <p:nvPr/>
+        </p:nvSpPr>
+        <p:spPr>
+          <a:xfrm>
+            <a:off x="1829160" y="2011680"/>
+            <a:ext cx="273960" cy="345960"/>
+          </a:xfrm>
+          <a:prstGeom prst="rect">
+            <a:avLst/>
+          </a:prstGeom>
+          <a:noFill/>
+          <a:ln>
+            <a:noFill/>
+          </a:ln>
+        </p:spPr>
+        <p:style>
+          <a:lnRef idx="0"/>
+          <a:fillRef idx="0"/>
+          <a:effectRef idx="0"/>
+          <a:fontRef idx="minor"/>
+        </p:style>
+        <p:txBody>
+          <a:bodyPr lIns="90000" rIns="90000" tIns="45000" bIns="45000"/>
+          <a:p>
+            <a:r>
+              <a:rPr lang="en-US" sz="1800" spc="-1" strike="noStrike">
+                <a:solidFill>
+                  <a:srgbClr val="000000"/>
+                </a:solidFill>
+                <a:uFill>
+                  <a:solidFill>
+                    <a:srgbClr val="ffffff"/>
+                  </a:solidFill>
+                </a:uFill>
+                <a:latin typeface="Arial"/>
+              </a:rPr>
+              <a:t>1</a:t>
+            </a:r>
+            <a:endParaRPr lang="en-US" sz="1800" spc="-1" strike="noStrike">
+              <a:solidFill>
+                <a:srgbClr val="000000"/>
+              </a:solidFill>
+              <a:uFill>
+                <a:solidFill>
+                  <a:srgbClr val="ffffff"/>
+                </a:solidFill>
+              </a:uFill>
+              <a:latin typeface="Arial"/>
+            </a:endParaRPr>
+          </a:p>
+        </p:txBody>
+      </p:sp>
+      <p:sp>
+        <p:nvSpPr>
+          <p:cNvPr id="118" name="CustomShape 15"/>
+          <p:cNvSpPr/>
+          <p:nvPr/>
+        </p:nvSpPr>
+        <p:spPr>
+          <a:xfrm>
+            <a:off x="914400" y="3657600"/>
+            <a:ext cx="273960" cy="345960"/>
+          </a:xfrm>
+          <a:prstGeom prst="rect">
+            <a:avLst/>
+          </a:prstGeom>
+          <a:noFill/>
+          <a:ln>
+            <a:noFill/>
+          </a:ln>
+        </p:spPr>
+        <p:style>
+          <a:lnRef idx="0"/>
+          <a:fillRef idx="0"/>
+          <a:effectRef idx="0"/>
+          <a:fontRef idx="minor"/>
+        </p:style>
+        <p:txBody>
+          <a:bodyPr lIns="90000" rIns="90000" tIns="45000" bIns="45000"/>
+          <a:p>
+            <a:r>
+              <a:rPr lang="en-US" sz="1800" spc="-1" strike="noStrike">
+                <a:solidFill>
+                  <a:srgbClr val="000000"/>
+                </a:solidFill>
+                <a:uFill>
+                  <a:solidFill>
+                    <a:srgbClr val="ffffff"/>
+                  </a:solidFill>
+                </a:uFill>
+                <a:latin typeface="Arial"/>
+              </a:rPr>
+              <a:t>*</a:t>
+            </a:r>
+            <a:endParaRPr lang="en-US" sz="1800" spc="-1" strike="noStrike">
+              <a:solidFill>
+                <a:srgbClr val="000000"/>
+              </a:solidFill>
+              <a:uFill>
+                <a:solidFill>
+                  <a:srgbClr val="ffffff"/>
+                </a:solidFill>
+              </a:uFill>
+              <a:latin typeface="Arial"/>
+            </a:endParaRPr>
+          </a:p>
+        </p:txBody>
+      </p:sp>
+      <p:cxnSp>
+        <p:nvCxnSpPr>
+          <p:cNvPr id="119" name="Line 16"/>
+          <p:cNvCxnSpPr/>
+          <p:nvPr/>
+        </p:nvCxnSpPr>
+        <p:spPr>
+          <a:xfrm>
+            <a:off x="0" y="0"/>
+            <a:ext cx="360" cy="360"/>
+          </a:xfrm>
+          <a:prstGeom prst="line">
+            <a:avLst/>
+          </a:prstGeom>
+          <a:ln>
+            <a:solidFill>
+              <a:srgbClr val="000000"/>
+            </a:solidFill>
+            <a:tailEnd len="med" type="triangle" w="med"/>
+          </a:ln>
+        </p:spPr>
+      </p:cxnSp>
+      <p:cxnSp>
+        <p:nvCxnSpPr>
+          <p:cNvPr id="120" name="Line 17"/>
+          <p:cNvCxnSpPr/>
+          <p:nvPr/>
+        </p:nvCxnSpPr>
+        <p:spPr>
+          <a:xfrm>
+            <a:off x="0" y="0"/>
+            <a:ext cx="360" cy="360"/>
+          </a:xfrm>
+          <a:prstGeom prst="line">
+            <a:avLst/>
+          </a:prstGeom>
+          <a:ln>
+            <a:solidFill>
+              <a:srgbClr val="000000"/>
+            </a:solidFill>
             <a:tailEnd len="med" type="triangle" w="med"/>
           </a:ln>
         </p:spPr>
       </p:cxnSp>
     </p:spTree>
   </p:cSld>
+  <p:timing>
+    <p:tnLst>
+      <p:par>
+        <p:cTn id="13" dur="indefinite" restart="never" nodeType="tmRoot">
+          <p:childTnLst>
+            <p:seq>
+              <p:cTn id="14" nodeType="mainSeq"/>
+              <p:prevCondLst>
+                <p:cond delay="0" evt="onPrev">
+                  <p:tgtEl>
+                    <p:sldTgt/>
+                  </p:tgtEl>
+                </p:cond>
+              </p:prevCondLst>
+              <p:nextCondLst>
+                <p:cond delay="0" evt="onNext">
+                  <p:tgtEl>
+                    <p:sldTgt/>
+                  </p:tgtEl>
+                </p:cond>
+              </p:nextCondLst>
+            </p:seq>
+          </p:childTnLst>
+        </p:cTn>
+      </p:par>
+    </p:tnLst>
+  </p:timing>
 </p:sld>
 </file>
 
@@ -5114,4 +7460,227 @@
     </a:fmtScheme>
   </a:themeElements>
 </a:theme>
+</file>
+
+<file path=ppt/theme/theme2.xml><?xml version="1.0" encoding="utf-8"?>
+<a:theme xmlns:a="http://schemas.openxmlformats.org/drawingml/2006/main" name="Office Theme">
+  <a:themeElements>
+    <a:clrScheme name="Office">
+      <a:dk1>
+        <a:sysClr val="windowText" lastClr="000000"/>
+      </a:dk1>
+      <a:lt1>
+        <a:sysClr val="window" lastClr="FFFFFF"/>
+      </a:lt1>
+      <a:dk2>
+        <a:srgbClr val="1F497D"/>
+      </a:dk2>
+      <a:lt2>
+        <a:srgbClr val="EEECE1"/>
+      </a:lt2>
+      <a:accent1>
+        <a:srgbClr val="4F81BD"/>
+      </a:accent1>
+      <a:accent2>
+        <a:srgbClr val="C0504D"/>
+      </a:accent2>
+      <a:accent3>
+        <a:srgbClr val="9BBB59"/>
+      </a:accent3>
+      <a:accent4>
+        <a:srgbClr val="8064A2"/>
+      </a:accent4>
+      <a:accent5>
+        <a:srgbClr val="4BACC6"/>
+      </a:accent5>
+      <a:accent6>
+        <a:srgbClr val="F79646"/>
+      </a:accent6>
+      <a:hlink>
+        <a:srgbClr val="0000FF"/>
+      </a:hlink>
+      <a:folHlink>
+        <a:srgbClr val="800080"/>
+      </a:folHlink>
+    </a:clrScheme>
+    <a:fontScheme name="Office">
+      <a:majorFont>
+        <a:latin typeface="Arial"/>
+        <a:ea typeface="DejaVu Sans"/>
+        <a:cs typeface="DejaVu Sans"/>
+      </a:majorFont>
+      <a:minorFont>
+        <a:latin typeface="Arial"/>
+        <a:ea typeface="DejaVu Sans"/>
+        <a:cs typeface="DejaVu Sans"/>
+      </a:minorFont>
+    </a:fontScheme>
+    <a:fmtScheme name="Office">
+      <a:fillStyleLst>
+        <a:solidFill>
+          <a:schemeClr val="phClr"/>
+        </a:solidFill>
+        <a:gradFill rotWithShape="1">
+          <a:gsLst>
+            <a:gs pos="0">
+              <a:schemeClr val="phClr">
+                <a:tint val="50000"/>
+                <a:satMod val="300000"/>
+              </a:schemeClr>
+            </a:gs>
+            <a:gs pos="35000">
+              <a:schemeClr val="phClr">
+                <a:tint val="37000"/>
+                <a:satMod val="300000"/>
+              </a:schemeClr>
+            </a:gs>
+            <a:gs pos="100000">
+              <a:schemeClr val="phClr">
+                <a:tint val="15000"/>
+                <a:satMod val="350000"/>
+              </a:schemeClr>
+            </a:gs>
+          </a:gsLst>
+          <a:lin ang="16200000" scaled="1"/>
+        </a:gradFill>
+        <a:gradFill rotWithShape="1">
+          <a:gsLst>
+            <a:gs pos="0">
+              <a:schemeClr val="phClr">
+                <a:shade val="51000"/>
+                <a:satMod val="130000"/>
+              </a:schemeClr>
+            </a:gs>
+            <a:gs pos="80000">
+              <a:schemeClr val="phClr">
+                <a:shade val="93000"/>
+                <a:satMod val="130000"/>
+              </a:schemeClr>
+            </a:gs>
+            <a:gs pos="100000">
+              <a:schemeClr val="phClr">
+                <a:shade val="94000"/>
+                <a:satMod val="135000"/>
+              </a:schemeClr>
+            </a:gs>
+          </a:gsLst>
+          <a:lin ang="16200000" scaled="0"/>
+        </a:gradFill>
+      </a:fillStyleLst>
+      <a:lnStyleLst>
+        <a:ln w="9525" cap="flat" cmpd="sng" algn="ctr">
+          <a:solidFill>
+            <a:schemeClr val="phClr">
+              <a:shade val="95000"/>
+              <a:satMod val="105000"/>
+            </a:schemeClr>
+          </a:solidFill>
+          <a:prstDash val="solid"/>
+        </a:ln>
+        <a:ln w="25400" cap="flat" cmpd="sng" algn="ctr">
+          <a:solidFill>
+            <a:schemeClr val="phClr"/>
+          </a:solidFill>
+          <a:prstDash val="solid"/>
+        </a:ln>
+        <a:ln w="38100" cap="flat" cmpd="sng" algn="ctr">
+          <a:solidFill>
+            <a:schemeClr val="phClr"/>
+          </a:solidFill>
+          <a:prstDash val="solid"/>
+        </a:ln>
+      </a:lnStyleLst>
+      <a:effectStyleLst>
+        <a:effectStyle>
+          <a:effectLst>
+            <a:outerShdw blurRad="40000" dist="20000" dir="5400000" rotWithShape="0">
+              <a:srgbClr val="000000">
+                <a:alpha val="38000"/>
+              </a:srgbClr>
+            </a:outerShdw>
+          </a:effectLst>
+        </a:effectStyle>
+        <a:effectStyle>
+          <a:effectLst>
+            <a:outerShdw blurRad="40000" dist="23000" dir="5400000" rotWithShape="0">
+              <a:srgbClr val="000000">
+                <a:alpha val="35000"/>
+              </a:srgbClr>
+            </a:outerShdw>
+          </a:effectLst>
+        </a:effectStyle>
+        <a:effectStyle>
+          <a:effectLst>
+            <a:outerShdw blurRad="40000" dist="23000" dir="5400000" rotWithShape="0">
+              <a:srgbClr val="000000">
+                <a:alpha val="35000"/>
+              </a:srgbClr>
+            </a:outerShdw>
+          </a:effectLst>
+          <a:scene3d>
+            <a:camera prst="orthographicFront">
+              <a:rot lat="0" lon="0" rev="0"/>
+            </a:camera>
+            <a:lightRig rig="threePt" dir="t">
+              <a:rot lat="0" lon="0" rev="1200000"/>
+            </a:lightRig>
+          </a:scene3d>
+          <a:sp3d>
+            <a:bevelT w="63500" h="25400"/>
+          </a:sp3d>
+        </a:effectStyle>
+      </a:effectStyleLst>
+      <a:bgFillStyleLst>
+        <a:solidFill>
+          <a:schemeClr val="phClr"/>
+        </a:solidFill>
+        <a:gradFill rotWithShape="1">
+          <a:gsLst>
+            <a:gs pos="0">
+              <a:schemeClr val="phClr">
+                <a:tint val="40000"/>
+                <a:satMod val="350000"/>
+              </a:schemeClr>
+            </a:gs>
+            <a:gs pos="40000">
+              <a:schemeClr val="phClr">
+                <a:tint val="45000"/>
+                <a:shade val="99000"/>
+                <a:satMod val="350000"/>
+              </a:schemeClr>
+            </a:gs>
+            <a:gs pos="100000">
+              <a:schemeClr val="phClr">
+                <a:shade val="20000"/>
+                <a:satMod val="255000"/>
+              </a:schemeClr>
+            </a:gs>
+          </a:gsLst>
+          <a:path path="circle">
+            <a:fillToRect l="50000" t="-80000" r="50000" b="180000"/>
+          </a:path>
+        </a:gradFill>
+        <a:gradFill rotWithShape="1">
+          <a:gsLst>
+            <a:gs pos="0">
+              <a:schemeClr val="phClr">
+                <a:tint val="80000"/>
+                <a:satMod val="300000"/>
+              </a:schemeClr>
+            </a:gs>
+            <a:gs pos="100000">
+              <a:schemeClr val="phClr">
+                <a:shade val="30000"/>
+                <a:satMod val="200000"/>
+              </a:schemeClr>
+            </a:gs>
+          </a:gsLst>
+          <a:path path="circle">
+            <a:fillToRect l="50000" t="50000" r="50000" b="50000"/>
+          </a:path>
+        </a:gradFill>
+      </a:bgFillStyleLst>
+    </a:fmtScheme>
+  </a:themeElements>
+</a:theme>
 </file>
--- a/_Docs/Poll_it_wireframe.pptx
+++ b/_Docs/Poll_it_wireframe.pptx
@@ -12,7 +12,6 @@
     <p:sldId id="259" r:id="rId7"/>
     <p:sldId id="260" r:id="rId8"/>
     <p:sldId id="261" r:id="rId9"/>
-    <p:sldId id="262" r:id="rId10"/>
   </p:sldIdLst>
   <p:sldSz cx="10080625" cy="7559675"/>
   <p:notesSz cx="7772400" cy="10058400"/>
@@ -5812,8 +5811,8 @@
         </p:nvSpPr>
         <p:spPr>
           <a:xfrm>
-            <a:off x="4006440" y="3975840"/>
-            <a:ext cx="2011320" cy="1554120"/>
+            <a:off x="4070160" y="4186440"/>
+            <a:ext cx="1645920" cy="1371600"/>
           </a:xfrm>
           <a:prstGeom prst="rect">
             <a:avLst/>
@@ -5878,8 +5877,8 @@
         </p:nvSpPr>
         <p:spPr>
           <a:xfrm>
-            <a:off x="2194560" y="1645920"/>
-            <a:ext cx="2011320" cy="1554120"/>
+            <a:off x="3978360" y="1645920"/>
+            <a:ext cx="1737720" cy="1280160"/>
           </a:xfrm>
           <a:prstGeom prst="rect">
             <a:avLst/>
@@ -5944,8 +5943,8 @@
         </p:nvSpPr>
         <p:spPr>
           <a:xfrm>
-            <a:off x="5943600" y="1645920"/>
-            <a:ext cx="2011320" cy="1554120"/>
+            <a:off x="7040880" y="1645920"/>
+            <a:ext cx="1554480" cy="1280160"/>
           </a:xfrm>
           <a:prstGeom prst="rect">
             <a:avLst/>
@@ -6009,70 +6008,8 @@
           <p:nvPr/>
         </p:nvSpPr>
         <p:spPr>
-          <a:xfrm flipV="1">
-            <a:off x="6018120" y="3199680"/>
-            <a:ext cx="931320" cy="1552680"/>
-          </a:xfrm>
-          <a:prstGeom prst="bentConnector3">
-            <a:avLst>
-              <a:gd name="adj1" fmla="val 50000"/>
-            </a:avLst>
-          </a:prstGeom>
-          <a:noFill/>
-          <a:ln>
-            <a:solidFill>
-              <a:srgbClr val="000000"/>
-            </a:solidFill>
-            <a:tailEnd len="med" type="triangle" w="med"/>
-          </a:ln>
-        </p:spPr>
-        <p:style>
-          <a:lnRef idx="0"/>
-          <a:fillRef idx="0"/>
-          <a:effectRef idx="0"/>
-          <a:fontRef idx="minor"/>
-        </p:style>
-      </p:sp>
-      <p:sp>
-        <p:nvSpPr>
-          <p:cNvPr id="99" name="CustomShape 6"/>
-          <p:cNvSpPr/>
-          <p:nvPr/>
-        </p:nvSpPr>
-        <p:spPr>
-          <a:xfrm>
-            <a:off x="4206240" y="2423160"/>
-            <a:ext cx="1737360" cy="360"/>
-          </a:xfrm>
-          <a:prstGeom prst="bentConnector3">
-            <a:avLst>
-              <a:gd name="adj1" fmla="val 50000"/>
-            </a:avLst>
-          </a:prstGeom>
-          <a:noFill/>
-          <a:ln>
-            <a:solidFill>
-              <a:srgbClr val="000000"/>
-            </a:solidFill>
-            <a:tailEnd len="med" type="triangle" w="med"/>
-          </a:ln>
-        </p:spPr>
-        <p:style>
-          <a:lnRef idx="0"/>
-          <a:fillRef idx="0"/>
-          <a:effectRef idx="0"/>
-          <a:fontRef idx="minor"/>
-        </p:style>
-      </p:sp>
-      <p:sp>
-        <p:nvSpPr>
-          <p:cNvPr id="100" name="CustomShape 7"/>
-          <p:cNvSpPr/>
-          <p:nvPr/>
-        </p:nvSpPr>
-        <p:spPr>
-          <a:xfrm>
-            <a:off x="6309360" y="5140080"/>
+          <a:xfrm>
+            <a:off x="4618800" y="3840480"/>
             <a:ext cx="273960" cy="345960"/>
           </a:xfrm>
           <a:prstGeom prst="rect">
@@ -6122,13 +6059,13 @@
       </p:sp>
       <p:sp>
         <p:nvSpPr>
-          <p:cNvPr id="101" name="CustomShape 8"/>
+          <p:cNvPr id="99" name="CustomShape 6"/>
           <p:cNvSpPr/>
           <p:nvPr/>
         </p:nvSpPr>
         <p:spPr>
           <a:xfrm>
-            <a:off x="7040880" y="3291840"/>
+            <a:off x="4618800" y="2945880"/>
             <a:ext cx="273960" cy="345960"/>
           </a:xfrm>
           <a:prstGeom prst="rect">
@@ -6178,13 +6115,13 @@
       </p:sp>
       <p:sp>
         <p:nvSpPr>
-          <p:cNvPr id="102" name="CustomShape 9"/>
+          <p:cNvPr id="100" name="CustomShape 7"/>
           <p:cNvSpPr/>
           <p:nvPr/>
         </p:nvSpPr>
         <p:spPr>
           <a:xfrm>
-            <a:off x="4297680" y="2103120"/>
+            <a:off x="5716080" y="1985760"/>
             <a:ext cx="273960" cy="345960"/>
           </a:xfrm>
           <a:prstGeom prst="rect">
@@ -6234,14 +6171,14 @@
       </p:sp>
       <p:sp>
         <p:nvSpPr>
-          <p:cNvPr id="103" name="CustomShape 10"/>
+          <p:cNvPr id="101" name="CustomShape 8"/>
           <p:cNvSpPr/>
           <p:nvPr/>
         </p:nvSpPr>
         <p:spPr>
           <a:xfrm>
-            <a:off x="5577840" y="2076840"/>
-            <a:ext cx="273960" cy="345960"/>
+            <a:off x="6813000" y="1986120"/>
+            <a:ext cx="273960" cy="345600"/>
           </a:xfrm>
           <a:prstGeom prst="rect">
             <a:avLst/>
@@ -6288,691 +6225,16 @@
           </a:p>
         </p:txBody>
       </p:sp>
-    </p:spTree>
-  </p:cSld>
-  <p:timing>
-    <p:tnLst>
-      <p:par>
-        <p:cTn id="11" dur="indefinite" restart="never" nodeType="tmRoot">
-          <p:childTnLst>
-            <p:seq>
-              <p:cTn id="12" nodeType="mainSeq"/>
-              <p:prevCondLst>
-                <p:cond delay="0" evt="onPrev">
-                  <p:tgtEl>
-                    <p:sldTgt/>
-                  </p:tgtEl>
-                </p:cond>
-              </p:prevCondLst>
-              <p:nextCondLst>
-                <p:cond delay="0" evt="onNext">
-                  <p:tgtEl>
-                    <p:sldTgt/>
-                  </p:tgtEl>
-                </p:cond>
-              </p:nextCondLst>
-            </p:seq>
-          </p:childTnLst>
-        </p:cTn>
-      </p:par>
-    </p:tnLst>
-  </p:timing>
-</p:sld>
-</file>
-
-<file path=ppt/slides/slide7.xml><?xml version="1.0" encoding="utf-8"?>
-<p:sld xmlns:a="http://schemas.openxmlformats.org/drawingml/2006/main" xmlns:p="http://schemas.openxmlformats.org/presentationml/2006/main" xmlns:r="http://schemas.openxmlformats.org/officeDocument/2006/relationships">
-  <p:cSld>
-    <p:spTree>
-      <p:nvGrpSpPr>
-        <p:cNvPr id="1" name=""/>
-        <p:cNvGrpSpPr/>
-        <p:nvPr/>
-      </p:nvGrpSpPr>
-      <p:grpSpPr>
-        <a:xfrm>
-          <a:off x="0" y="0"/>
-          <a:ext cx="0" cy="0"/>
-          <a:chOff x="0" y="0"/>
-          <a:chExt cx="0" cy="0"/>
-        </a:xfrm>
-      </p:grpSpPr>
-      <p:sp>
-        <p:nvSpPr>
-          <p:cNvPr id="104" name="CustomShape 1"/>
+      <p:sp>
+        <p:nvSpPr>
+          <p:cNvPr id="102" name="CustomShape 9"/>
           <p:cNvSpPr/>
           <p:nvPr/>
         </p:nvSpPr>
         <p:spPr>
           <a:xfrm>
-            <a:off x="504000" y="294480"/>
-            <a:ext cx="9071280" cy="626400"/>
-          </a:xfrm>
-          <a:prstGeom prst="rect">
-            <a:avLst/>
-          </a:prstGeom>
-          <a:noFill/>
-          <a:ln>
-            <a:noFill/>
-          </a:ln>
-        </p:spPr>
-        <p:style>
-          <a:lnRef idx="0"/>
-          <a:fillRef idx="0"/>
-          <a:effectRef idx="0"/>
-          <a:fontRef idx="minor"/>
-        </p:style>
-        <p:txBody>
-          <a:bodyPr lIns="0" rIns="0" tIns="0" bIns="0" anchor="ctr"/>
-          <a:p>
-            <a:pPr algn="ctr">
-              <a:lnSpc>
-                <a:spcPct val="100000"/>
-              </a:lnSpc>
-            </a:pPr>
-            <a:r>
-              <a:rPr lang="en-US" sz="4400" spc="-1" strike="noStrike">
-                <a:solidFill>
-                  <a:srgbClr val="000000"/>
-                </a:solidFill>
-                <a:uFill>
-                  <a:solidFill>
-                    <a:srgbClr val="ffffff"/>
-                  </a:solidFill>
-                </a:uFill>
-                <a:latin typeface="Arial"/>
-              </a:rPr>
-              <a:t>ERDv2</a:t>
-            </a:r>
-            <a:endParaRPr lang="en-US" sz="1800" spc="-1" strike="noStrike">
-              <a:solidFill>
-                <a:srgbClr val="000000"/>
-              </a:solidFill>
-              <a:uFill>
-                <a:solidFill>
-                  <a:srgbClr val="ffffff"/>
-                </a:solidFill>
-              </a:uFill>
-              <a:latin typeface="Arial"/>
-            </a:endParaRPr>
-          </a:p>
-        </p:txBody>
-      </p:sp>
-      <p:sp>
-        <p:nvSpPr>
-          <p:cNvPr id="105" name="CustomShape 2"/>
-          <p:cNvSpPr/>
-          <p:nvPr/>
-        </p:nvSpPr>
-        <p:spPr>
-          <a:xfrm>
-            <a:off x="4023360" y="4206240"/>
-            <a:ext cx="2011320" cy="1554120"/>
-          </a:xfrm>
-          <a:prstGeom prst="rect">
-            <a:avLst/>
-          </a:prstGeom>
-          <a:solidFill>
-            <a:srgbClr val="729fcf"/>
-          </a:solidFill>
-          <a:ln>
-            <a:solidFill>
-              <a:srgbClr val="3465a4"/>
-            </a:solidFill>
-          </a:ln>
-        </p:spPr>
-        <p:style>
-          <a:lnRef idx="0"/>
-          <a:fillRef idx="0"/>
-          <a:effectRef idx="0"/>
-          <a:fontRef idx="minor"/>
-        </p:style>
-        <p:txBody>
-          <a:bodyPr wrap="none" lIns="90000" rIns="90000" tIns="45000" bIns="45000" anchor="ctr"/>
-          <a:p>
-            <a:pPr algn="ctr">
-              <a:lnSpc>
-                <a:spcPct val="100000"/>
-              </a:lnSpc>
-            </a:pPr>
-            <a:r>
-              <a:rPr lang="en-US" sz="1800" spc="-1" strike="noStrike">
-                <a:solidFill>
-                  <a:srgbClr val="000000"/>
-                </a:solidFill>
-                <a:uFill>
-                  <a:solidFill>
-                    <a:srgbClr val="ffffff"/>
-                  </a:solidFill>
-                </a:uFill>
-                <a:latin typeface="Arial"/>
-                <a:ea typeface="DejaVu Sans"/>
-              </a:rPr>
-              <a:t>Users</a:t>
-            </a:r>
-            <a:endParaRPr lang="en-US" sz="1800" spc="-1" strike="noStrike">
-              <a:solidFill>
-                <a:srgbClr val="000000"/>
-              </a:solidFill>
-              <a:uFill>
-                <a:solidFill>
-                  <a:srgbClr val="ffffff"/>
-                </a:solidFill>
-              </a:uFill>
-              <a:latin typeface="Arial"/>
-            </a:endParaRPr>
-          </a:p>
-        </p:txBody>
-      </p:sp>
-      <p:sp>
-        <p:nvSpPr>
-          <p:cNvPr id="106" name="CustomShape 3"/>
-          <p:cNvSpPr/>
-          <p:nvPr/>
-        </p:nvSpPr>
-        <p:spPr>
-          <a:xfrm>
-            <a:off x="2194560" y="1645920"/>
-            <a:ext cx="2011320" cy="1554120"/>
-          </a:xfrm>
-          <a:prstGeom prst="rect">
-            <a:avLst/>
-          </a:prstGeom>
-          <a:solidFill>
-            <a:srgbClr val="729fcf"/>
-          </a:solidFill>
-          <a:ln>
-            <a:solidFill>
-              <a:srgbClr val="3465a4"/>
-            </a:solidFill>
-          </a:ln>
-        </p:spPr>
-        <p:style>
-          <a:lnRef idx="0"/>
-          <a:fillRef idx="0"/>
-          <a:effectRef idx="0"/>
-          <a:fontRef idx="minor"/>
-        </p:style>
-        <p:txBody>
-          <a:bodyPr wrap="none" lIns="90000" rIns="90000" tIns="45000" bIns="45000" anchor="ctr"/>
-          <a:p>
-            <a:pPr algn="ctr">
-              <a:lnSpc>
-                <a:spcPct val="100000"/>
-              </a:lnSpc>
-            </a:pPr>
-            <a:r>
-              <a:rPr lang="en-US" sz="1800" spc="-1" strike="noStrike">
-                <a:solidFill>
-                  <a:srgbClr val="000000"/>
-                </a:solidFill>
-                <a:uFill>
-                  <a:solidFill>
-                    <a:srgbClr val="ffffff"/>
-                  </a:solidFill>
-                </a:uFill>
-                <a:latin typeface="Arial"/>
-                <a:ea typeface="DejaVu Sans"/>
-              </a:rPr>
-              <a:t>Polls</a:t>
-            </a:r>
-            <a:endParaRPr lang="en-US" sz="1800" spc="-1" strike="noStrike">
-              <a:solidFill>
-                <a:srgbClr val="000000"/>
-              </a:solidFill>
-              <a:uFill>
-                <a:solidFill>
-                  <a:srgbClr val="ffffff"/>
-                </a:solidFill>
-              </a:uFill>
-              <a:latin typeface="Arial"/>
-            </a:endParaRPr>
-          </a:p>
-        </p:txBody>
-      </p:sp>
-      <p:sp>
-        <p:nvSpPr>
-          <p:cNvPr id="107" name="CustomShape 4"/>
-          <p:cNvSpPr/>
-          <p:nvPr/>
-        </p:nvSpPr>
-        <p:spPr>
-          <a:xfrm>
-            <a:off x="5943600" y="1645920"/>
-            <a:ext cx="2011320" cy="1554120"/>
-          </a:xfrm>
-          <a:prstGeom prst="rect">
-            <a:avLst/>
-          </a:prstGeom>
-          <a:solidFill>
-            <a:srgbClr val="729fcf"/>
-          </a:solidFill>
-          <a:ln>
-            <a:solidFill>
-              <a:srgbClr val="3465a4"/>
-            </a:solidFill>
-          </a:ln>
-        </p:spPr>
-        <p:style>
-          <a:lnRef idx="0"/>
-          <a:fillRef idx="0"/>
-          <a:effectRef idx="0"/>
-          <a:fontRef idx="minor"/>
-        </p:style>
-        <p:txBody>
-          <a:bodyPr wrap="none" lIns="90000" rIns="90000" tIns="45000" bIns="45000" anchor="ctr"/>
-          <a:p>
-            <a:pPr algn="ctr">
-              <a:lnSpc>
-                <a:spcPct val="100000"/>
-              </a:lnSpc>
-            </a:pPr>
-            <a:r>
-              <a:rPr lang="en-US" sz="1800" spc="-1" strike="noStrike">
-                <a:solidFill>
-                  <a:srgbClr val="000000"/>
-                </a:solidFill>
-                <a:uFill>
-                  <a:solidFill>
-                    <a:srgbClr val="ffffff"/>
-                  </a:solidFill>
-                </a:uFill>
-                <a:latin typeface="Arial"/>
-                <a:ea typeface="DejaVu Sans"/>
-              </a:rPr>
-              <a:t>Votes</a:t>
-            </a:r>
-            <a:endParaRPr lang="en-US" sz="1800" spc="-1" strike="noStrike">
-              <a:solidFill>
-                <a:srgbClr val="000000"/>
-              </a:solidFill>
-              <a:uFill>
-                <a:solidFill>
-                  <a:srgbClr val="ffffff"/>
-                </a:solidFill>
-              </a:uFill>
-              <a:latin typeface="Arial"/>
-            </a:endParaRPr>
-          </a:p>
-        </p:txBody>
-      </p:sp>
-      <p:sp>
-        <p:nvSpPr>
-          <p:cNvPr id="108" name="CustomShape 5"/>
-          <p:cNvSpPr/>
-          <p:nvPr/>
-        </p:nvSpPr>
-        <p:spPr>
-          <a:xfrm>
-            <a:off x="4206240" y="2423160"/>
-            <a:ext cx="1737360" cy="360"/>
-          </a:xfrm>
-          <a:prstGeom prst="bentConnector3">
-            <a:avLst>
-              <a:gd name="adj1" fmla="val 50000"/>
-            </a:avLst>
-          </a:prstGeom>
-          <a:noFill/>
-          <a:ln>
-            <a:solidFill>
-              <a:srgbClr val="000000"/>
-            </a:solidFill>
-            <a:tailEnd len="med" type="triangle" w="med"/>
-          </a:ln>
-        </p:spPr>
-        <p:style>
-          <a:lnRef idx="0"/>
-          <a:fillRef idx="0"/>
-          <a:effectRef idx="0"/>
-          <a:fontRef idx="minor"/>
-        </p:style>
-      </p:sp>
-      <p:sp>
-        <p:nvSpPr>
-          <p:cNvPr id="109" name="CustomShape 6"/>
-          <p:cNvSpPr/>
-          <p:nvPr/>
-        </p:nvSpPr>
-        <p:spPr>
-          <a:xfrm>
-            <a:off x="3657600" y="5120640"/>
-            <a:ext cx="273960" cy="345960"/>
-          </a:xfrm>
-          <a:prstGeom prst="rect">
-            <a:avLst/>
-          </a:prstGeom>
-          <a:noFill/>
-          <a:ln>
-            <a:noFill/>
-          </a:ln>
-        </p:spPr>
-        <p:style>
-          <a:lnRef idx="0"/>
-          <a:fillRef idx="0"/>
-          <a:effectRef idx="0"/>
-          <a:fontRef idx="minor"/>
-        </p:style>
-        <p:txBody>
-          <a:bodyPr lIns="90000" rIns="90000" tIns="45000" bIns="45000"/>
-          <a:p>
-            <a:r>
-              <a:rPr lang="en-US" sz="1800" spc="-1" strike="noStrike">
-                <a:solidFill>
-                  <a:srgbClr val="000000"/>
-                </a:solidFill>
-                <a:uFill>
-                  <a:solidFill>
-                    <a:srgbClr val="ffffff"/>
-                  </a:solidFill>
-                </a:uFill>
-                <a:latin typeface="Arial"/>
-              </a:rPr>
-              <a:t>1</a:t>
-            </a:r>
-            <a:endParaRPr lang="en-US" sz="1800" spc="-1" strike="noStrike">
-              <a:solidFill>
-                <a:srgbClr val="000000"/>
-              </a:solidFill>
-              <a:uFill>
-                <a:solidFill>
-                  <a:srgbClr val="ffffff"/>
-                </a:solidFill>
-              </a:uFill>
-              <a:latin typeface="Arial"/>
-            </a:endParaRPr>
-          </a:p>
-        </p:txBody>
-      </p:sp>
-      <p:sp>
-        <p:nvSpPr>
-          <p:cNvPr id="110" name="CustomShape 7"/>
-          <p:cNvSpPr/>
-          <p:nvPr/>
-        </p:nvSpPr>
-        <p:spPr>
-          <a:xfrm>
-            <a:off x="3200400" y="3311280"/>
-            <a:ext cx="273960" cy="345960"/>
-          </a:xfrm>
-          <a:prstGeom prst="rect">
-            <a:avLst/>
-          </a:prstGeom>
-          <a:noFill/>
-          <a:ln>
-            <a:noFill/>
-          </a:ln>
-        </p:spPr>
-        <p:style>
-          <a:lnRef idx="0"/>
-          <a:fillRef idx="0"/>
-          <a:effectRef idx="0"/>
-          <a:fontRef idx="minor"/>
-        </p:style>
-        <p:txBody>
-          <a:bodyPr lIns="90000" rIns="90000" tIns="45000" bIns="45000"/>
-          <a:p>
-            <a:r>
-              <a:rPr lang="en-US" sz="1800" spc="-1" strike="noStrike">
-                <a:solidFill>
-                  <a:srgbClr val="000000"/>
-                </a:solidFill>
-                <a:uFill>
-                  <a:solidFill>
-                    <a:srgbClr val="ffffff"/>
-                  </a:solidFill>
-                </a:uFill>
-                <a:latin typeface="Arial"/>
-              </a:rPr>
-              <a:t>*</a:t>
-            </a:r>
-            <a:endParaRPr lang="en-US" sz="1800" spc="-1" strike="noStrike">
-              <a:solidFill>
-                <a:srgbClr val="000000"/>
-              </a:solidFill>
-              <a:uFill>
-                <a:solidFill>
-                  <a:srgbClr val="ffffff"/>
-                </a:solidFill>
-              </a:uFill>
-              <a:latin typeface="Arial"/>
-            </a:endParaRPr>
-          </a:p>
-        </p:txBody>
-      </p:sp>
-      <p:sp>
-        <p:nvSpPr>
-          <p:cNvPr id="111" name="CustomShape 8"/>
-          <p:cNvSpPr/>
-          <p:nvPr/>
-        </p:nvSpPr>
-        <p:spPr>
-          <a:xfrm>
-            <a:off x="4297680" y="2103120"/>
-            <a:ext cx="273960" cy="345960"/>
-          </a:xfrm>
-          <a:prstGeom prst="rect">
-            <a:avLst/>
-          </a:prstGeom>
-          <a:noFill/>
-          <a:ln>
-            <a:noFill/>
-          </a:ln>
-        </p:spPr>
-        <p:style>
-          <a:lnRef idx="0"/>
-          <a:fillRef idx="0"/>
-          <a:effectRef idx="0"/>
-          <a:fontRef idx="minor"/>
-        </p:style>
-        <p:txBody>
-          <a:bodyPr lIns="90000" rIns="90000" tIns="45000" bIns="45000"/>
-          <a:p>
-            <a:r>
-              <a:rPr lang="en-US" sz="1800" spc="-1" strike="noStrike">
-                <a:solidFill>
-                  <a:srgbClr val="000000"/>
-                </a:solidFill>
-                <a:uFill>
-                  <a:solidFill>
-                    <a:srgbClr val="ffffff"/>
-                  </a:solidFill>
-                </a:uFill>
-                <a:latin typeface="Arial"/>
-              </a:rPr>
-              <a:t>1</a:t>
-            </a:r>
-            <a:endParaRPr lang="en-US" sz="1800" spc="-1" strike="noStrike">
-              <a:solidFill>
-                <a:srgbClr val="000000"/>
-              </a:solidFill>
-              <a:uFill>
-                <a:solidFill>
-                  <a:srgbClr val="ffffff"/>
-                </a:solidFill>
-              </a:uFill>
-              <a:latin typeface="Arial"/>
-            </a:endParaRPr>
-          </a:p>
-        </p:txBody>
-      </p:sp>
-      <p:sp>
-        <p:nvSpPr>
-          <p:cNvPr id="112" name="CustomShape 9"/>
-          <p:cNvSpPr/>
-          <p:nvPr/>
-        </p:nvSpPr>
-        <p:spPr>
-          <a:xfrm>
-            <a:off x="5577840" y="2076840"/>
-            <a:ext cx="273960" cy="345960"/>
-          </a:xfrm>
-          <a:prstGeom prst="rect">
-            <a:avLst/>
-          </a:prstGeom>
-          <a:noFill/>
-          <a:ln>
-            <a:noFill/>
-          </a:ln>
-        </p:spPr>
-        <p:style>
-          <a:lnRef idx="0"/>
-          <a:fillRef idx="0"/>
-          <a:effectRef idx="0"/>
-          <a:fontRef idx="minor"/>
-        </p:style>
-        <p:txBody>
-          <a:bodyPr lIns="90000" rIns="90000" tIns="45000" bIns="45000"/>
-          <a:p>
-            <a:r>
-              <a:rPr lang="en-US" sz="1800" spc="-1" strike="noStrike">
-                <a:solidFill>
-                  <a:srgbClr val="000000"/>
-                </a:solidFill>
-                <a:uFill>
-                  <a:solidFill>
-                    <a:srgbClr val="ffffff"/>
-                  </a:solidFill>
-                </a:uFill>
-                <a:latin typeface="Arial"/>
-              </a:rPr>
-              <a:t>*</a:t>
-            </a:r>
-            <a:endParaRPr lang="en-US" sz="1800" spc="-1" strike="noStrike">
-              <a:solidFill>
-                <a:srgbClr val="000000"/>
-              </a:solidFill>
-              <a:uFill>
-                <a:solidFill>
-                  <a:srgbClr val="ffffff"/>
-                </a:solidFill>
-              </a:uFill>
-              <a:latin typeface="Arial"/>
-            </a:endParaRPr>
-          </a:p>
-        </p:txBody>
-      </p:sp>
-      <p:sp>
-        <p:nvSpPr>
-          <p:cNvPr id="113" name="CustomShape 10"/>
-          <p:cNvSpPr/>
-          <p:nvPr/>
-        </p:nvSpPr>
-        <p:spPr>
-          <a:xfrm>
-            <a:off x="7040880" y="3291840"/>
-            <a:ext cx="273960" cy="345960"/>
-          </a:xfrm>
-          <a:prstGeom prst="rect">
-            <a:avLst/>
-          </a:prstGeom>
-          <a:noFill/>
-          <a:ln>
-            <a:noFill/>
-          </a:ln>
-        </p:spPr>
-        <p:style>
-          <a:lnRef idx="0"/>
-          <a:fillRef idx="0"/>
-          <a:effectRef idx="0"/>
-          <a:fontRef idx="minor"/>
-        </p:style>
-        <p:txBody>
-          <a:bodyPr lIns="90000" rIns="90000" tIns="45000" bIns="45000"/>
-          <a:p>
-            <a:r>
-              <a:rPr lang="en-US" sz="1800" spc="-1" strike="noStrike">
-                <a:solidFill>
-                  <a:srgbClr val="000000"/>
-                </a:solidFill>
-                <a:uFill>
-                  <a:solidFill>
-                    <a:srgbClr val="ffffff"/>
-                  </a:solidFill>
-                </a:uFill>
-                <a:latin typeface="Arial"/>
-              </a:rPr>
-              <a:t>*</a:t>
-            </a:r>
-            <a:endParaRPr lang="en-US" sz="1800" spc="-1" strike="noStrike">
-              <a:solidFill>
-                <a:srgbClr val="000000"/>
-              </a:solidFill>
-              <a:uFill>
-                <a:solidFill>
-                  <a:srgbClr val="ffffff"/>
-                </a:solidFill>
-              </a:uFill>
-              <a:latin typeface="Arial"/>
-            </a:endParaRPr>
-          </a:p>
-        </p:txBody>
-      </p:sp>
-      <p:sp>
-        <p:nvSpPr>
-          <p:cNvPr id="114" name="CustomShape 11"/>
-          <p:cNvSpPr/>
-          <p:nvPr/>
-        </p:nvSpPr>
-        <p:spPr>
-          <a:xfrm>
-            <a:off x="6126480" y="5048640"/>
-            <a:ext cx="273960" cy="345960"/>
-          </a:xfrm>
-          <a:prstGeom prst="rect">
-            <a:avLst/>
-          </a:prstGeom>
-          <a:noFill/>
-          <a:ln>
-            <a:noFill/>
-          </a:ln>
-        </p:spPr>
-        <p:style>
-          <a:lnRef idx="0"/>
-          <a:fillRef idx="0"/>
-          <a:effectRef idx="0"/>
-          <a:fontRef idx="minor"/>
-        </p:style>
-        <p:txBody>
-          <a:bodyPr lIns="90000" rIns="90000" tIns="45000" bIns="45000"/>
-          <a:p>
-            <a:r>
-              <a:rPr lang="en-US" sz="1800" spc="-1" strike="noStrike">
-                <a:solidFill>
-                  <a:srgbClr val="000000"/>
-                </a:solidFill>
-                <a:uFill>
-                  <a:solidFill>
-                    <a:srgbClr val="ffffff"/>
-                  </a:solidFill>
-                </a:uFill>
-                <a:latin typeface="Arial"/>
-              </a:rPr>
-              <a:t>1</a:t>
-            </a:r>
-            <a:endParaRPr lang="en-US" sz="1800" spc="-1" strike="noStrike">
-              <a:solidFill>
-                <a:srgbClr val="000000"/>
-              </a:solidFill>
-              <a:uFill>
-                <a:solidFill>
-                  <a:srgbClr val="ffffff"/>
-                </a:solidFill>
-              </a:uFill>
-              <a:latin typeface="Arial"/>
-            </a:endParaRPr>
-          </a:p>
-        </p:txBody>
-      </p:sp>
-      <p:sp>
-        <p:nvSpPr>
-          <p:cNvPr id="115" name="CustomShape 12"/>
-          <p:cNvSpPr/>
-          <p:nvPr/>
-        </p:nvSpPr>
-        <p:spPr>
-          <a:xfrm>
-            <a:off x="274680" y="4023360"/>
-            <a:ext cx="2011320" cy="1554120"/>
+            <a:off x="1160640" y="1645920"/>
+            <a:ext cx="1645920" cy="1280160"/>
           </a:xfrm>
           <a:prstGeom prst="rect">
             <a:avLst/>
@@ -7031,7 +6293,7 @@
       </p:sp>
       <p:cxnSp>
         <p:nvCxnSpPr>
-          <p:cNvPr id="116" name="Line 13"/>
+          <p:cNvPr id="103" name="Line 10"/>
           <p:cNvCxnSpPr/>
           <p:nvPr/>
         </p:nvCxnSpPr>
@@ -7053,13 +6315,13 @@
       </p:cxnSp>
       <p:sp>
         <p:nvSpPr>
-          <p:cNvPr id="117" name="CustomShape 14"/>
+          <p:cNvPr id="104" name="CustomShape 11"/>
           <p:cNvSpPr/>
           <p:nvPr/>
         </p:nvSpPr>
         <p:spPr>
           <a:xfrm>
-            <a:off x="1829160" y="2011680"/>
+            <a:off x="3704400" y="1940040"/>
             <a:ext cx="273960" cy="345960"/>
           </a:xfrm>
           <a:prstGeom prst="rect">
@@ -7109,13 +6371,13 @@
       </p:sp>
       <p:sp>
         <p:nvSpPr>
-          <p:cNvPr id="118" name="CustomShape 15"/>
+          <p:cNvPr id="105" name="CustomShape 12"/>
           <p:cNvSpPr/>
           <p:nvPr/>
         </p:nvSpPr>
         <p:spPr>
           <a:xfrm>
-            <a:off x="914400" y="3657600"/>
+            <a:off x="2881440" y="2011680"/>
             <a:ext cx="273960" cy="345960"/>
           </a:xfrm>
           <a:prstGeom prst="rect">
@@ -7165,7 +6427,7 @@
       </p:sp>
       <p:cxnSp>
         <p:nvCxnSpPr>
-          <p:cNvPr id="119" name="Line 16"/>
+          <p:cNvPr id="106" name="Line 13"/>
           <p:cNvCxnSpPr/>
           <p:nvPr/>
         </p:nvCxnSpPr>
@@ -7187,7 +6449,7 @@
       </p:cxnSp>
       <p:cxnSp>
         <p:nvCxnSpPr>
-          <p:cNvPr id="120" name="Line 17"/>
+          <p:cNvPr id="107" name="Line 14"/>
           <p:cNvCxnSpPr/>
           <p:nvPr/>
         </p:nvCxnSpPr>
@@ -7212,10 +6474,10 @@
   <p:timing>
     <p:tnLst>
       <p:par>
-        <p:cTn id="13" dur="indefinite" restart="never" nodeType="tmRoot">
+        <p:cTn id="11" dur="indefinite" restart="never" nodeType="tmRoot">
           <p:childTnLst>
             <p:seq>
-              <p:cTn id="14" nodeType="mainSeq"/>
+              <p:cTn id="12" nodeType="mainSeq"/>
               <p:prevCondLst>
                 <p:cond delay="0" evt="onPrev">
                   <p:tgtEl>

--- a/_Docs/Poll_it_wireframe.pptx
+++ b/_Docs/Poll_it_wireframe.pptx
@@ -70,7 +70,7 @@
         <p:spPr>
           <a:xfrm>
             <a:off x="504000" y="301320"/>
-            <a:ext cx="9071280" cy="1261800"/>
+            <a:ext cx="9072000" cy="1261800"/>
           </a:xfrm>
           <a:prstGeom prst="rect">
             <a:avLst/>
@@ -106,8 +106,8 @@
         </p:nvSpPr>
         <p:spPr>
           <a:xfrm>
-            <a:off x="504000" y="1769040"/>
-            <a:ext cx="9071280" cy="2090880"/>
+            <a:off x="504000" y="1768680"/>
+            <a:ext cx="9072000" cy="2090880"/>
           </a:xfrm>
           <a:prstGeom prst="rect">
             <a:avLst/>
@@ -142,8 +142,8 @@
         </p:nvSpPr>
         <p:spPr>
           <a:xfrm>
-            <a:off x="504000" y="4059000"/>
-            <a:ext cx="9071280" cy="2090880"/>
+            <a:off x="504000" y="4058640"/>
+            <a:ext cx="9072000" cy="2090880"/>
           </a:xfrm>
           <a:prstGeom prst="rect">
             <a:avLst/>
@@ -201,7 +201,7 @@
         <p:spPr>
           <a:xfrm>
             <a:off x="504000" y="301320"/>
-            <a:ext cx="9071280" cy="1261800"/>
+            <a:ext cx="9072000" cy="1261800"/>
           </a:xfrm>
           <a:prstGeom prst="rect">
             <a:avLst/>
@@ -237,8 +237,8 @@
         </p:nvSpPr>
         <p:spPr>
           <a:xfrm>
-            <a:off x="504000" y="1769040"/>
-            <a:ext cx="4426560" cy="2090880"/>
+            <a:off x="504000" y="1768680"/>
+            <a:ext cx="4426920" cy="2090880"/>
           </a:xfrm>
           <a:prstGeom prst="rect">
             <a:avLst/>
@@ -273,8 +273,8 @@
         </p:nvSpPr>
         <p:spPr>
           <a:xfrm>
-            <a:off x="5152320" y="1769040"/>
-            <a:ext cx="4426560" cy="2090880"/>
+            <a:off x="5152680" y="1768680"/>
+            <a:ext cx="4426920" cy="2090880"/>
           </a:xfrm>
           <a:prstGeom prst="rect">
             <a:avLst/>
@@ -309,8 +309,8 @@
         </p:nvSpPr>
         <p:spPr>
           <a:xfrm>
-            <a:off x="5152320" y="4059000"/>
-            <a:ext cx="4426560" cy="2090880"/>
+            <a:off x="5152680" y="4058640"/>
+            <a:ext cx="4426920" cy="2090880"/>
           </a:xfrm>
           <a:prstGeom prst="rect">
             <a:avLst/>
@@ -345,8 +345,8 @@
         </p:nvSpPr>
         <p:spPr>
           <a:xfrm>
-            <a:off x="504000" y="4059000"/>
-            <a:ext cx="4426560" cy="2090880"/>
+            <a:off x="504000" y="4058640"/>
+            <a:ext cx="4426920" cy="2090880"/>
           </a:xfrm>
           <a:prstGeom prst="rect">
             <a:avLst/>
@@ -404,7 +404,7 @@
         <p:spPr>
           <a:xfrm>
             <a:off x="504000" y="301320"/>
-            <a:ext cx="9071280" cy="1261800"/>
+            <a:ext cx="9072000" cy="1261800"/>
           </a:xfrm>
           <a:prstGeom prst="rect">
             <a:avLst/>
@@ -440,8 +440,8 @@
         </p:nvSpPr>
         <p:spPr>
           <a:xfrm>
-            <a:off x="504000" y="1769040"/>
-            <a:ext cx="9071280" cy="4384080"/>
+            <a:off x="504000" y="1768680"/>
+            <a:ext cx="9072000" cy="4384080"/>
           </a:xfrm>
           <a:prstGeom prst="rect">
             <a:avLst/>
@@ -476,8 +476,8 @@
         </p:nvSpPr>
         <p:spPr>
           <a:xfrm>
-            <a:off x="504000" y="1769040"/>
-            <a:ext cx="9071280" cy="4384080"/>
+            <a:off x="504000" y="1768680"/>
+            <a:ext cx="9072000" cy="4384080"/>
           </a:xfrm>
           <a:prstGeom prst="rect">
             <a:avLst/>
@@ -512,7 +512,7 @@
         </p:blipFill>
         <p:spPr>
           <a:xfrm>
-            <a:off x="2292120" y="1769040"/>
+            <a:off x="2292480" y="1768680"/>
             <a:ext cx="5494680" cy="4384080"/>
           </a:xfrm>
           <a:prstGeom prst="rect">
@@ -535,7 +535,7 @@
         </p:blipFill>
         <p:spPr>
           <a:xfrm>
-            <a:off x="2292120" y="1769040"/>
+            <a:off x="2292480" y="1768680"/>
             <a:ext cx="5494680" cy="4384080"/>
           </a:xfrm>
           <a:prstGeom prst="rect">
@@ -603,7 +603,7 @@
         <p:spPr>
           <a:xfrm>
             <a:off x="504000" y="301320"/>
-            <a:ext cx="9071280" cy="1261800"/>
+            <a:ext cx="9072000" cy="1261800"/>
           </a:xfrm>
           <a:prstGeom prst="rect">
             <a:avLst/>
@@ -639,8 +639,8 @@
         </p:nvSpPr>
         <p:spPr>
           <a:xfrm>
-            <a:off x="504000" y="1769040"/>
-            <a:ext cx="9071280" cy="4384080"/>
+            <a:off x="504000" y="1768680"/>
+            <a:ext cx="9072000" cy="4384080"/>
           </a:xfrm>
           <a:prstGeom prst="rect">
             <a:avLst/>
@@ -699,7 +699,7 @@
         <p:spPr>
           <a:xfrm>
             <a:off x="504000" y="301320"/>
-            <a:ext cx="9071280" cy="1261800"/>
+            <a:ext cx="9072000" cy="1261800"/>
           </a:xfrm>
           <a:prstGeom prst="rect">
             <a:avLst/>
@@ -735,8 +735,8 @@
         </p:nvSpPr>
         <p:spPr>
           <a:xfrm>
-            <a:off x="504000" y="1769040"/>
-            <a:ext cx="9071280" cy="4384080"/>
+            <a:off x="504000" y="1768680"/>
+            <a:ext cx="9072000" cy="4384080"/>
           </a:xfrm>
           <a:prstGeom prst="rect">
             <a:avLst/>
@@ -794,7 +794,7 @@
         <p:spPr>
           <a:xfrm>
             <a:off x="504000" y="301320"/>
-            <a:ext cx="9071280" cy="1261800"/>
+            <a:ext cx="9072000" cy="1261800"/>
           </a:xfrm>
           <a:prstGeom prst="rect">
             <a:avLst/>
@@ -830,8 +830,8 @@
         </p:nvSpPr>
         <p:spPr>
           <a:xfrm>
-            <a:off x="504000" y="1769040"/>
-            <a:ext cx="4426560" cy="4384080"/>
+            <a:off x="504000" y="1768680"/>
+            <a:ext cx="4426920" cy="4384080"/>
           </a:xfrm>
           <a:prstGeom prst="rect">
             <a:avLst/>
@@ -866,8 +866,8 @@
         </p:nvSpPr>
         <p:spPr>
           <a:xfrm>
-            <a:off x="5152320" y="1769040"/>
-            <a:ext cx="4426560" cy="4384080"/>
+            <a:off x="5152680" y="1768680"/>
+            <a:ext cx="4426920" cy="4384080"/>
           </a:xfrm>
           <a:prstGeom prst="rect">
             <a:avLst/>
@@ -925,7 +925,7 @@
         <p:spPr>
           <a:xfrm>
             <a:off x="504000" y="301320"/>
-            <a:ext cx="9071280" cy="1261800"/>
+            <a:ext cx="9072000" cy="1261800"/>
           </a:xfrm>
           <a:prstGeom prst="rect">
             <a:avLst/>
@@ -984,7 +984,7 @@
         <p:spPr>
           <a:xfrm>
             <a:off x="504000" y="301320"/>
-            <a:ext cx="9071280" cy="5850360"/>
+            <a:ext cx="9072000" cy="5850360"/>
           </a:xfrm>
           <a:prstGeom prst="rect">
             <a:avLst/>
@@ -1043,7 +1043,7 @@
         <p:spPr>
           <a:xfrm>
             <a:off x="504000" y="301320"/>
-            <a:ext cx="9071280" cy="1261800"/>
+            <a:ext cx="9072000" cy="1261800"/>
           </a:xfrm>
           <a:prstGeom prst="rect">
             <a:avLst/>
@@ -1079,8 +1079,8 @@
         </p:nvSpPr>
         <p:spPr>
           <a:xfrm>
-            <a:off x="504000" y="1769040"/>
-            <a:ext cx="4426560" cy="2090880"/>
+            <a:off x="504000" y="1768680"/>
+            <a:ext cx="4426920" cy="2090880"/>
           </a:xfrm>
           <a:prstGeom prst="rect">
             <a:avLst/>
@@ -1115,8 +1115,8 @@
         </p:nvSpPr>
         <p:spPr>
           <a:xfrm>
-            <a:off x="504000" y="4059000"/>
-            <a:ext cx="4426560" cy="2090880"/>
+            <a:off x="504000" y="4058640"/>
+            <a:ext cx="4426920" cy="2090880"/>
           </a:xfrm>
           <a:prstGeom prst="rect">
             <a:avLst/>
@@ -1151,8 +1151,8 @@
         </p:nvSpPr>
         <p:spPr>
           <a:xfrm>
-            <a:off x="5152320" y="1769040"/>
-            <a:ext cx="4426560" cy="4384080"/>
+            <a:off x="5152680" y="1768680"/>
+            <a:ext cx="4426920" cy="4384080"/>
           </a:xfrm>
           <a:prstGeom prst="rect">
             <a:avLst/>
@@ -1210,7 +1210,7 @@
         <p:spPr>
           <a:xfrm>
             <a:off x="504000" y="301320"/>
-            <a:ext cx="9071280" cy="1261800"/>
+            <a:ext cx="9072000" cy="1261800"/>
           </a:xfrm>
           <a:prstGeom prst="rect">
             <a:avLst/>
@@ -1246,8 +1246,8 @@
         </p:nvSpPr>
         <p:spPr>
           <a:xfrm>
-            <a:off x="504000" y="1769040"/>
-            <a:ext cx="9071280" cy="4384080"/>
+            <a:off x="504000" y="1768680"/>
+            <a:ext cx="9072000" cy="4384080"/>
           </a:xfrm>
           <a:prstGeom prst="rect">
             <a:avLst/>
@@ -1306,7 +1306,7 @@
         <p:spPr>
           <a:xfrm>
             <a:off x="504000" y="301320"/>
-            <a:ext cx="9071280" cy="1261800"/>
+            <a:ext cx="9072000" cy="1261800"/>
           </a:xfrm>
           <a:prstGeom prst="rect">
             <a:avLst/>
@@ -1342,8 +1342,8 @@
         </p:nvSpPr>
         <p:spPr>
           <a:xfrm>
-            <a:off x="504000" y="1769040"/>
-            <a:ext cx="4426560" cy="4384080"/>
+            <a:off x="504000" y="1768680"/>
+            <a:ext cx="4426920" cy="4384080"/>
           </a:xfrm>
           <a:prstGeom prst="rect">
             <a:avLst/>
@@ -1378,8 +1378,8 @@
         </p:nvSpPr>
         <p:spPr>
           <a:xfrm>
-            <a:off x="5152320" y="1769040"/>
-            <a:ext cx="4426560" cy="2090880"/>
+            <a:off x="5152680" y="1768680"/>
+            <a:ext cx="4426920" cy="2090880"/>
           </a:xfrm>
           <a:prstGeom prst="rect">
             <a:avLst/>
@@ -1414,8 +1414,8 @@
         </p:nvSpPr>
         <p:spPr>
           <a:xfrm>
-            <a:off x="5152320" y="4059000"/>
-            <a:ext cx="4426560" cy="2090880"/>
+            <a:off x="5152680" y="4058640"/>
+            <a:ext cx="4426920" cy="2090880"/>
           </a:xfrm>
           <a:prstGeom prst="rect">
             <a:avLst/>
@@ -1473,7 +1473,7 @@
         <p:spPr>
           <a:xfrm>
             <a:off x="504000" y="301320"/>
-            <a:ext cx="9071280" cy="1261800"/>
+            <a:ext cx="9072000" cy="1261800"/>
           </a:xfrm>
           <a:prstGeom prst="rect">
             <a:avLst/>
@@ -1509,8 +1509,8 @@
         </p:nvSpPr>
         <p:spPr>
           <a:xfrm>
-            <a:off x="504000" y="1769040"/>
-            <a:ext cx="4426560" cy="2090880"/>
+            <a:off x="504000" y="1768680"/>
+            <a:ext cx="4426920" cy="2090880"/>
           </a:xfrm>
           <a:prstGeom prst="rect">
             <a:avLst/>
@@ -1545,8 +1545,8 @@
         </p:nvSpPr>
         <p:spPr>
           <a:xfrm>
-            <a:off x="5152320" y="1769040"/>
-            <a:ext cx="4426560" cy="2090880"/>
+            <a:off x="5152680" y="1768680"/>
+            <a:ext cx="4426920" cy="2090880"/>
           </a:xfrm>
           <a:prstGeom prst="rect">
             <a:avLst/>
@@ -1581,8 +1581,8 @@
         </p:nvSpPr>
         <p:spPr>
           <a:xfrm>
-            <a:off x="504000" y="4059000"/>
-            <a:ext cx="9071280" cy="2090880"/>
+            <a:off x="504000" y="4058640"/>
+            <a:ext cx="9072000" cy="2090880"/>
           </a:xfrm>
           <a:prstGeom prst="rect">
             <a:avLst/>
@@ -1640,7 +1640,7 @@
         <p:spPr>
           <a:xfrm>
             <a:off x="504000" y="301320"/>
-            <a:ext cx="9071280" cy="1261800"/>
+            <a:ext cx="9072000" cy="1261800"/>
           </a:xfrm>
           <a:prstGeom prst="rect">
             <a:avLst/>
@@ -1676,8 +1676,8 @@
         </p:nvSpPr>
         <p:spPr>
           <a:xfrm>
-            <a:off x="504000" y="1769040"/>
-            <a:ext cx="9071280" cy="2090880"/>
+            <a:off x="504000" y="1768680"/>
+            <a:ext cx="9072000" cy="2090880"/>
           </a:xfrm>
           <a:prstGeom prst="rect">
             <a:avLst/>
@@ -1712,8 +1712,8 @@
         </p:nvSpPr>
         <p:spPr>
           <a:xfrm>
-            <a:off x="504000" y="4059000"/>
-            <a:ext cx="9071280" cy="2090880"/>
+            <a:off x="504000" y="4058640"/>
+            <a:ext cx="9072000" cy="2090880"/>
           </a:xfrm>
           <a:prstGeom prst="rect">
             <a:avLst/>
@@ -1771,7 +1771,7 @@
         <p:spPr>
           <a:xfrm>
             <a:off x="504000" y="301320"/>
-            <a:ext cx="9071280" cy="1261800"/>
+            <a:ext cx="9072000" cy="1261800"/>
           </a:xfrm>
           <a:prstGeom prst="rect">
             <a:avLst/>
@@ -1807,8 +1807,8 @@
         </p:nvSpPr>
         <p:spPr>
           <a:xfrm>
-            <a:off x="504000" y="1769040"/>
-            <a:ext cx="4426560" cy="2090880"/>
+            <a:off x="504000" y="1768680"/>
+            <a:ext cx="4426920" cy="2090880"/>
           </a:xfrm>
           <a:prstGeom prst="rect">
             <a:avLst/>
@@ -1843,8 +1843,8 @@
         </p:nvSpPr>
         <p:spPr>
           <a:xfrm>
-            <a:off x="5152320" y="1769040"/>
-            <a:ext cx="4426560" cy="2090880"/>
+            <a:off x="5152680" y="1768680"/>
+            <a:ext cx="4426920" cy="2090880"/>
           </a:xfrm>
           <a:prstGeom prst="rect">
             <a:avLst/>
@@ -1879,8 +1879,8 @@
         </p:nvSpPr>
         <p:spPr>
           <a:xfrm>
-            <a:off x="5152320" y="4059000"/>
-            <a:ext cx="4426560" cy="2090880"/>
+            <a:off x="5152680" y="4058640"/>
+            <a:ext cx="4426920" cy="2090880"/>
           </a:xfrm>
           <a:prstGeom prst="rect">
             <a:avLst/>
@@ -1915,8 +1915,8 @@
         </p:nvSpPr>
         <p:spPr>
           <a:xfrm>
-            <a:off x="504000" y="4059000"/>
-            <a:ext cx="4426560" cy="2090880"/>
+            <a:off x="504000" y="4058640"/>
+            <a:ext cx="4426920" cy="2090880"/>
           </a:xfrm>
           <a:prstGeom prst="rect">
             <a:avLst/>
@@ -1974,7 +1974,7 @@
         <p:spPr>
           <a:xfrm>
             <a:off x="504000" y="301320"/>
-            <a:ext cx="9071280" cy="1261800"/>
+            <a:ext cx="9072000" cy="1261800"/>
           </a:xfrm>
           <a:prstGeom prst="rect">
             <a:avLst/>
@@ -2010,8 +2010,8 @@
         </p:nvSpPr>
         <p:spPr>
           <a:xfrm>
-            <a:off x="504000" y="1769040"/>
-            <a:ext cx="9071280" cy="4384080"/>
+            <a:off x="504000" y="1768680"/>
+            <a:ext cx="9072000" cy="4384080"/>
           </a:xfrm>
           <a:prstGeom prst="rect">
             <a:avLst/>
@@ -2046,8 +2046,8 @@
         </p:nvSpPr>
         <p:spPr>
           <a:xfrm>
-            <a:off x="504000" y="1769040"/>
-            <a:ext cx="9071280" cy="4384080"/>
+            <a:off x="504000" y="1768680"/>
+            <a:ext cx="9072000" cy="4384080"/>
           </a:xfrm>
           <a:prstGeom prst="rect">
             <a:avLst/>
@@ -2082,7 +2082,7 @@
         </p:blipFill>
         <p:spPr>
           <a:xfrm>
-            <a:off x="2292120" y="1769040"/>
+            <a:off x="2292480" y="1768680"/>
             <a:ext cx="5494680" cy="4384080"/>
           </a:xfrm>
           <a:prstGeom prst="rect">
@@ -2105,7 +2105,7 @@
         </p:blipFill>
         <p:spPr>
           <a:xfrm>
-            <a:off x="2292120" y="1769040"/>
+            <a:off x="2292480" y="1768680"/>
             <a:ext cx="5494680" cy="4384080"/>
           </a:xfrm>
           <a:prstGeom prst="rect">
@@ -2151,7 +2151,7 @@
         <p:spPr>
           <a:xfrm>
             <a:off x="504000" y="301320"/>
-            <a:ext cx="9071280" cy="1261800"/>
+            <a:ext cx="9072000" cy="1261800"/>
           </a:xfrm>
           <a:prstGeom prst="rect">
             <a:avLst/>
@@ -2187,8 +2187,8 @@
         </p:nvSpPr>
         <p:spPr>
           <a:xfrm>
-            <a:off x="504000" y="1769040"/>
-            <a:ext cx="9071280" cy="4384080"/>
+            <a:off x="504000" y="1768680"/>
+            <a:ext cx="9072000" cy="4384080"/>
           </a:xfrm>
           <a:prstGeom prst="rect">
             <a:avLst/>
@@ -2246,7 +2246,7 @@
         <p:spPr>
           <a:xfrm>
             <a:off x="504000" y="301320"/>
-            <a:ext cx="9071280" cy="1261800"/>
+            <a:ext cx="9072000" cy="1261800"/>
           </a:xfrm>
           <a:prstGeom prst="rect">
             <a:avLst/>
@@ -2282,8 +2282,8 @@
         </p:nvSpPr>
         <p:spPr>
           <a:xfrm>
-            <a:off x="504000" y="1769040"/>
-            <a:ext cx="4426560" cy="4384080"/>
+            <a:off x="504000" y="1768680"/>
+            <a:ext cx="4426920" cy="4384080"/>
           </a:xfrm>
           <a:prstGeom prst="rect">
             <a:avLst/>
@@ -2318,8 +2318,8 @@
         </p:nvSpPr>
         <p:spPr>
           <a:xfrm>
-            <a:off x="5152320" y="1769040"/>
-            <a:ext cx="4426560" cy="4384080"/>
+            <a:off x="5152680" y="1768680"/>
+            <a:ext cx="4426920" cy="4384080"/>
           </a:xfrm>
           <a:prstGeom prst="rect">
             <a:avLst/>
@@ -2377,7 +2377,7 @@
         <p:spPr>
           <a:xfrm>
             <a:off x="504000" y="301320"/>
-            <a:ext cx="9071280" cy="1261800"/>
+            <a:ext cx="9072000" cy="1261800"/>
           </a:xfrm>
           <a:prstGeom prst="rect">
             <a:avLst/>
@@ -2436,7 +2436,7 @@
         <p:spPr>
           <a:xfrm>
             <a:off x="504000" y="301320"/>
-            <a:ext cx="9071280" cy="5850360"/>
+            <a:ext cx="9072000" cy="5850360"/>
           </a:xfrm>
           <a:prstGeom prst="rect">
             <a:avLst/>
@@ -2495,7 +2495,7 @@
         <p:spPr>
           <a:xfrm>
             <a:off x="504000" y="301320"/>
-            <a:ext cx="9071280" cy="1261800"/>
+            <a:ext cx="9072000" cy="1261800"/>
           </a:xfrm>
           <a:prstGeom prst="rect">
             <a:avLst/>
@@ -2531,8 +2531,8 @@
         </p:nvSpPr>
         <p:spPr>
           <a:xfrm>
-            <a:off x="504000" y="1769040"/>
-            <a:ext cx="4426560" cy="2090880"/>
+            <a:off x="504000" y="1768680"/>
+            <a:ext cx="4426920" cy="2090880"/>
           </a:xfrm>
           <a:prstGeom prst="rect">
             <a:avLst/>
@@ -2567,8 +2567,8 @@
         </p:nvSpPr>
         <p:spPr>
           <a:xfrm>
-            <a:off x="504000" y="4059000"/>
-            <a:ext cx="4426560" cy="2090880"/>
+            <a:off x="504000" y="4058640"/>
+            <a:ext cx="4426920" cy="2090880"/>
           </a:xfrm>
           <a:prstGeom prst="rect">
             <a:avLst/>
@@ -2603,8 +2603,8 @@
         </p:nvSpPr>
         <p:spPr>
           <a:xfrm>
-            <a:off x="5152320" y="1769040"/>
-            <a:ext cx="4426560" cy="4384080"/>
+            <a:off x="5152680" y="1768680"/>
+            <a:ext cx="4426920" cy="4384080"/>
           </a:xfrm>
           <a:prstGeom prst="rect">
             <a:avLst/>
@@ -2662,7 +2662,7 @@
         <p:spPr>
           <a:xfrm>
             <a:off x="504000" y="301320"/>
-            <a:ext cx="9071280" cy="1261800"/>
+            <a:ext cx="9072000" cy="1261800"/>
           </a:xfrm>
           <a:prstGeom prst="rect">
             <a:avLst/>
@@ -2698,8 +2698,8 @@
         </p:nvSpPr>
         <p:spPr>
           <a:xfrm>
-            <a:off x="504000" y="1769040"/>
-            <a:ext cx="4426560" cy="4384080"/>
+            <a:off x="504000" y="1768680"/>
+            <a:ext cx="4426920" cy="4384080"/>
           </a:xfrm>
           <a:prstGeom prst="rect">
             <a:avLst/>
@@ -2734,8 +2734,8 @@
         </p:nvSpPr>
         <p:spPr>
           <a:xfrm>
-            <a:off x="5152320" y="1769040"/>
-            <a:ext cx="4426560" cy="2090880"/>
+            <a:off x="5152680" y="1768680"/>
+            <a:ext cx="4426920" cy="2090880"/>
           </a:xfrm>
           <a:prstGeom prst="rect">
             <a:avLst/>
@@ -2770,8 +2770,8 @@
         </p:nvSpPr>
         <p:spPr>
           <a:xfrm>
-            <a:off x="5152320" y="4059000"/>
-            <a:ext cx="4426560" cy="2090880"/>
+            <a:off x="5152680" y="4058640"/>
+            <a:ext cx="4426920" cy="2090880"/>
           </a:xfrm>
           <a:prstGeom prst="rect">
             <a:avLst/>
@@ -2829,7 +2829,7 @@
         <p:spPr>
           <a:xfrm>
             <a:off x="504000" y="301320"/>
-            <a:ext cx="9071280" cy="1261800"/>
+            <a:ext cx="9072000" cy="1261800"/>
           </a:xfrm>
           <a:prstGeom prst="rect">
             <a:avLst/>
@@ -2865,8 +2865,8 @@
         </p:nvSpPr>
         <p:spPr>
           <a:xfrm>
-            <a:off x="504000" y="1769040"/>
-            <a:ext cx="4426560" cy="2090880"/>
+            <a:off x="504000" y="1768680"/>
+            <a:ext cx="4426920" cy="2090880"/>
           </a:xfrm>
           <a:prstGeom prst="rect">
             <a:avLst/>
@@ -2901,8 +2901,8 @@
         </p:nvSpPr>
         <p:spPr>
           <a:xfrm>
-            <a:off x="5152320" y="1769040"/>
-            <a:ext cx="4426560" cy="2090880"/>
+            <a:off x="5152680" y="1768680"/>
+            <a:ext cx="4426920" cy="2090880"/>
           </a:xfrm>
           <a:prstGeom prst="rect">
             <a:avLst/>
@@ -2937,8 +2937,8 @@
         </p:nvSpPr>
         <p:spPr>
           <a:xfrm>
-            <a:off x="504000" y="4059000"/>
-            <a:ext cx="9071280" cy="2090880"/>
+            <a:off x="504000" y="4058640"/>
+            <a:ext cx="9072000" cy="2090880"/>
           </a:xfrm>
           <a:prstGeom prst="rect">
             <a:avLst/>
@@ -2996,7 +2996,7 @@
         <p:spPr>
           <a:xfrm>
             <a:off x="504000" y="301320"/>
-            <a:ext cx="9071280" cy="1261800"/>
+            <a:ext cx="9070920" cy="1261440"/>
           </a:xfrm>
           <a:prstGeom prst="rect">
             <a:avLst/>
@@ -3032,8 +3032,8 @@
         </p:nvSpPr>
         <p:spPr>
           <a:xfrm>
-            <a:off x="504000" y="1768680"/>
-            <a:ext cx="9072000" cy="4384080"/>
+            <a:off x="504000" y="1769040"/>
+            <a:ext cx="9070920" cy="4383720"/>
           </a:xfrm>
           <a:prstGeom prst="rect">
             <a:avLst/>
@@ -3051,7 +3051,7 @@
               <a:buChar char=""/>
             </a:pPr>
             <a:r>
-              <a:rPr lang="en-US" sz="3200" spc="-1" strike="noStrike">
+              <a:rPr lang="en-US" sz="1800" spc="-1" strike="noStrike">
                 <a:solidFill>
                   <a:srgbClr val="000000"/>
                 </a:solidFill>
@@ -3064,7 +3064,7 @@
               </a:rPr>
               <a:t>Click to edit the outline text format</a:t>
             </a:r>
-            <a:endParaRPr lang="en-US" sz="3200" spc="-1" strike="noStrike">
+            <a:endParaRPr lang="en-US" sz="1800" spc="-1" strike="noStrike">
               <a:solidFill>
                 <a:srgbClr val="000000"/>
               </a:solidFill>
@@ -3086,7 +3086,7 @@
               <a:buChar char=""/>
             </a:pPr>
             <a:r>
-              <a:rPr lang="en-US" sz="2800" spc="-1" strike="noStrike">
+              <a:rPr lang="en-US" sz="1800" spc="-1" strike="noStrike">
                 <a:solidFill>
                   <a:srgbClr val="000000"/>
                 </a:solidFill>
@@ -3099,7 +3099,7 @@
               </a:rPr>
               <a:t>Second Outline Level</a:t>
             </a:r>
-            <a:endParaRPr lang="en-US" sz="2800" spc="-1" strike="noStrike">
+            <a:endParaRPr lang="en-US" sz="1800" spc="-1" strike="noStrike">
               <a:solidFill>
                 <a:srgbClr val="000000"/>
               </a:solidFill>
@@ -3121,7 +3121,7 @@
               <a:buChar char=""/>
             </a:pPr>
             <a:r>
-              <a:rPr lang="en-US" sz="2400" spc="-1" strike="noStrike">
+              <a:rPr lang="en-US" sz="1800" spc="-1" strike="noStrike">
                 <a:solidFill>
                   <a:srgbClr val="000000"/>
                 </a:solidFill>
@@ -3134,7 +3134,7 @@
               </a:rPr>
               <a:t>Third Outline Level</a:t>
             </a:r>
-            <a:endParaRPr lang="en-US" sz="2400" spc="-1" strike="noStrike">
+            <a:endParaRPr lang="en-US" sz="1800" spc="-1" strike="noStrike">
               <a:solidFill>
                 <a:srgbClr val="000000"/>
               </a:solidFill>
@@ -3156,7 +3156,7 @@
               <a:buChar char=""/>
             </a:pPr>
             <a:r>
-              <a:rPr lang="en-US" sz="2000" spc="-1" strike="noStrike">
+              <a:rPr lang="en-US" sz="1800" spc="-1" strike="noStrike">
                 <a:solidFill>
                   <a:srgbClr val="000000"/>
                 </a:solidFill>
@@ -3169,7 +3169,7 @@
               </a:rPr>
               <a:t>Fourth Outline Level</a:t>
             </a:r>
-            <a:endParaRPr lang="en-US" sz="2000" spc="-1" strike="noStrike">
+            <a:endParaRPr lang="en-US" sz="1800" spc="-1" strike="noStrike">
               <a:solidFill>
                 <a:srgbClr val="000000"/>
               </a:solidFill>
@@ -3191,7 +3191,7 @@
               <a:buChar char=""/>
             </a:pPr>
             <a:r>
-              <a:rPr lang="en-US" sz="2000" spc="-1" strike="noStrike">
+              <a:rPr lang="en-US" sz="1800" spc="-1" strike="noStrike">
                 <a:solidFill>
                   <a:srgbClr val="000000"/>
                 </a:solidFill>
@@ -3204,7 +3204,7 @@
               </a:rPr>
               <a:t>Fifth Outline Level</a:t>
             </a:r>
-            <a:endParaRPr lang="en-US" sz="2000" spc="-1" strike="noStrike">
+            <a:endParaRPr lang="en-US" sz="1800" spc="-1" strike="noStrike">
               <a:solidFill>
                 <a:srgbClr val="000000"/>
               </a:solidFill>
@@ -3226,7 +3226,7 @@
               <a:buChar char=""/>
             </a:pPr>
             <a:r>
-              <a:rPr lang="en-US" sz="2000" spc="-1" strike="noStrike">
+              <a:rPr lang="en-US" sz="1800" spc="-1" strike="noStrike">
                 <a:solidFill>
                   <a:srgbClr val="000000"/>
                 </a:solidFill>
@@ -3239,7 +3239,7 @@
               </a:rPr>
               <a:t>Sixth Outline Level</a:t>
             </a:r>
-            <a:endParaRPr lang="en-US" sz="2000" spc="-1" strike="noStrike">
+            <a:endParaRPr lang="en-US" sz="1800" spc="-1" strike="noStrike">
               <a:solidFill>
                 <a:srgbClr val="000000"/>
               </a:solidFill>
@@ -3261,7 +3261,7 @@
               <a:buChar char=""/>
             </a:pPr>
             <a:r>
-              <a:rPr lang="en-US" sz="2000" spc="-1" strike="noStrike">
+              <a:rPr lang="en-US" sz="1800" spc="-1" strike="noStrike">
                 <a:solidFill>
                   <a:srgbClr val="000000"/>
                 </a:solidFill>
@@ -3274,7 +3274,7 @@
               </a:rPr>
               <a:t>Seventh Outline Level</a:t>
             </a:r>
-            <a:endParaRPr lang="en-US" sz="2000" spc="-1" strike="noStrike">
+            <a:endParaRPr lang="en-US" sz="1800" spc="-1" strike="noStrike">
               <a:solidFill>
                 <a:srgbClr val="000000"/>
               </a:solidFill>
@@ -3338,7 +3338,7 @@
         <p:spPr>
           <a:xfrm>
             <a:off x="504000" y="301320"/>
-            <a:ext cx="9071280" cy="1261800"/>
+            <a:ext cx="9072000" cy="1261800"/>
           </a:xfrm>
           <a:prstGeom prst="rect">
             <a:avLst/>
@@ -3348,6 +3348,20 @@
           <a:bodyPr lIns="0" rIns="0" tIns="0" bIns="0" anchor="ctr"/>
           <a:p>
             <a:pPr algn="ctr"/>
+            <a:r>
+              <a:rPr lang="en-US" sz="4400" spc="-1" strike="noStrike">
+                <a:solidFill>
+                  <a:srgbClr val="000000"/>
+                </a:solidFill>
+                <a:uFill>
+                  <a:solidFill>
+                    <a:srgbClr val="ffffff"/>
+                  </a:solidFill>
+                </a:uFill>
+                <a:latin typeface="Arial"/>
+              </a:rPr>
+              <a:t>Click to edit the title text format</a:t>
+            </a:r>
             <a:endParaRPr lang="en-US" sz="4400" spc="-1" strike="noStrike">
               <a:solidFill>
                 <a:srgbClr val="000000"/>
@@ -3374,8 +3388,8 @@
         </p:nvSpPr>
         <p:spPr>
           <a:xfrm>
-            <a:off x="504000" y="1769040"/>
-            <a:ext cx="9071280" cy="4384080"/>
+            <a:off x="504000" y="1768680"/>
+            <a:ext cx="9072000" cy="4384080"/>
           </a:xfrm>
           <a:prstGeom prst="rect">
             <a:avLst/>
@@ -3393,7 +3407,7 @@
               <a:buChar char=""/>
             </a:pPr>
             <a:r>
-              <a:rPr lang="en-US" sz="1800" spc="-1" strike="noStrike">
+              <a:rPr lang="en-US" sz="3200" spc="-1" strike="noStrike">
                 <a:solidFill>
                   <a:srgbClr val="000000"/>
                 </a:solidFill>
@@ -3406,7 +3420,7 @@
               </a:rPr>
               <a:t>Click to edit the outline text format</a:t>
             </a:r>
-            <a:endParaRPr lang="en-US" sz="1800" spc="-1" strike="noStrike">
+            <a:endParaRPr lang="en-US" sz="3200" spc="-1" strike="noStrike">
               <a:solidFill>
                 <a:srgbClr val="000000"/>
               </a:solidFill>
@@ -3428,7 +3442,7 @@
               <a:buChar char=""/>
             </a:pPr>
             <a:r>
-              <a:rPr lang="en-US" sz="1800" spc="-1" strike="noStrike">
+              <a:rPr lang="en-US" sz="2800" spc="-1" strike="noStrike">
                 <a:solidFill>
                   <a:srgbClr val="000000"/>
                 </a:solidFill>
@@ -3441,7 +3455,7 @@
               </a:rPr>
               <a:t>Second Outline Level</a:t>
             </a:r>
-            <a:endParaRPr lang="en-US" sz="1800" spc="-1" strike="noStrike">
+            <a:endParaRPr lang="en-US" sz="2800" spc="-1" strike="noStrike">
               <a:solidFill>
                 <a:srgbClr val="000000"/>
               </a:solidFill>
@@ -3463,7 +3477,7 @@
               <a:buChar char=""/>
             </a:pPr>
             <a:r>
-              <a:rPr lang="en-US" sz="1800" spc="-1" strike="noStrike">
+              <a:rPr lang="en-US" sz="2400" spc="-1" strike="noStrike">
                 <a:solidFill>
                   <a:srgbClr val="000000"/>
                 </a:solidFill>
@@ -3476,7 +3490,7 @@
               </a:rPr>
               <a:t>Third Outline Level</a:t>
             </a:r>
-            <a:endParaRPr lang="en-US" sz="1800" spc="-1" strike="noStrike">
+            <a:endParaRPr lang="en-US" sz="2400" spc="-1" strike="noStrike">
               <a:solidFill>
                 <a:srgbClr val="000000"/>
               </a:solidFill>
@@ -3498,7 +3512,7 @@
               <a:buChar char=""/>
             </a:pPr>
             <a:r>
-              <a:rPr lang="en-US" sz="1800" spc="-1" strike="noStrike">
+              <a:rPr lang="en-US" sz="2000" spc="-1" strike="noStrike">
                 <a:solidFill>
                   <a:srgbClr val="000000"/>
                 </a:solidFill>
@@ -3511,7 +3525,7 @@
               </a:rPr>
               <a:t>Fourth Outline Level</a:t>
             </a:r>
-            <a:endParaRPr lang="en-US" sz="1800" spc="-1" strike="noStrike">
+            <a:endParaRPr lang="en-US" sz="2000" spc="-1" strike="noStrike">
               <a:solidFill>
                 <a:srgbClr val="000000"/>
               </a:solidFill>
@@ -3533,7 +3547,7 @@
               <a:buChar char=""/>
             </a:pPr>
             <a:r>
-              <a:rPr lang="en-US" sz="1800" spc="-1" strike="noStrike">
+              <a:rPr lang="en-US" sz="2000" spc="-1" strike="noStrike">
                 <a:solidFill>
                   <a:srgbClr val="000000"/>
                 </a:solidFill>
@@ -3546,7 +3560,7 @@
               </a:rPr>
               <a:t>Fifth Outline Level</a:t>
             </a:r>
-            <a:endParaRPr lang="en-US" sz="1800" spc="-1" strike="noStrike">
+            <a:endParaRPr lang="en-US" sz="2000" spc="-1" strike="noStrike">
               <a:solidFill>
                 <a:srgbClr val="000000"/>
               </a:solidFill>
@@ -3568,7 +3582,7 @@
               <a:buChar char=""/>
             </a:pPr>
             <a:r>
-              <a:rPr lang="en-US" sz="1800" spc="-1" strike="noStrike">
+              <a:rPr lang="en-US" sz="2000" spc="-1" strike="noStrike">
                 <a:solidFill>
                   <a:srgbClr val="000000"/>
                 </a:solidFill>
@@ -3581,7 +3595,7 @@
               </a:rPr>
               <a:t>Sixth Outline Level</a:t>
             </a:r>
-            <a:endParaRPr lang="en-US" sz="1800" spc="-1" strike="noStrike">
+            <a:endParaRPr lang="en-US" sz="2000" spc="-1" strike="noStrike">
               <a:solidFill>
                 <a:srgbClr val="000000"/>
               </a:solidFill>
@@ -3603,7 +3617,7 @@
               <a:buChar char=""/>
             </a:pPr>
             <a:r>
-              <a:rPr lang="en-US" sz="1800" spc="-1" strike="noStrike">
+              <a:rPr lang="en-US" sz="2000" spc="-1" strike="noStrike">
                 <a:solidFill>
                   <a:srgbClr val="000000"/>
                 </a:solidFill>
@@ -3616,7 +3630,7 @@
               </a:rPr>
               <a:t>Seventh Outline Level</a:t>
             </a:r>
-            <a:endParaRPr lang="en-US" sz="1800" spc="-1" strike="noStrike">
+            <a:endParaRPr lang="en-US" sz="2000" spc="-1" strike="noStrike">
               <a:solidFill>
                 <a:srgbClr val="000000"/>
               </a:solidFill>
@@ -3676,7 +3690,7 @@
         <p:spPr>
           <a:xfrm>
             <a:off x="548640" y="457200"/>
-            <a:ext cx="9143640" cy="3382920"/>
+            <a:ext cx="9143280" cy="3382560"/>
           </a:xfrm>
           <a:prstGeom prst="rect">
             <a:avLst/>
@@ -3901,7 +3915,7 @@
         <p:spPr>
           <a:xfrm>
             <a:off x="3017520" y="6400800"/>
-            <a:ext cx="3748680" cy="639720"/>
+            <a:ext cx="3748320" cy="639360"/>
           </a:xfrm>
           <a:custGeom>
             <a:avLst/>
@@ -4009,7 +4023,7 @@
         <p:spPr>
           <a:xfrm>
             <a:off x="3665520" y="4206240"/>
-            <a:ext cx="182520" cy="182520"/>
+            <a:ext cx="182160" cy="182160"/>
           </a:xfrm>
           <a:prstGeom prst="rect">
             <a:avLst/>
@@ -4039,7 +4053,7 @@
         <p:spPr>
           <a:xfrm>
             <a:off x="3939840" y="4134240"/>
-            <a:ext cx="674280" cy="345960"/>
+            <a:ext cx="673920" cy="345600"/>
           </a:xfrm>
           <a:prstGeom prst="rect">
             <a:avLst/>
@@ -4069,6 +4083,7 @@
                   </a:solidFill>
                 </a:uFill>
                 <a:latin typeface="Arial"/>
+                <a:ea typeface="DejaVu Sans"/>
               </a:rPr>
               <a:t>Male</a:t>
             </a:r>
@@ -4095,7 +4110,7 @@
         <p:spPr>
           <a:xfrm>
             <a:off x="4819680" y="4206240"/>
-            <a:ext cx="182520" cy="182520"/>
+            <a:ext cx="182160" cy="182160"/>
           </a:xfrm>
           <a:prstGeom prst="rect">
             <a:avLst/>
@@ -4125,7 +4140,7 @@
         <p:spPr>
           <a:xfrm>
             <a:off x="5002560" y="4134240"/>
-            <a:ext cx="940680" cy="345960"/>
+            <a:ext cx="940320" cy="345600"/>
           </a:xfrm>
           <a:prstGeom prst="rect">
             <a:avLst/>
@@ -4155,6 +4170,7 @@
                   </a:solidFill>
                 </a:uFill>
                 <a:latin typeface="Arial"/>
+                <a:ea typeface="DejaVu Sans"/>
               </a:rPr>
               <a:t>Female</a:t>
             </a:r>
@@ -4181,7 +4197,7 @@
         <p:spPr>
           <a:xfrm>
             <a:off x="2560320" y="4663440"/>
-            <a:ext cx="4754520" cy="365400"/>
+            <a:ext cx="4754160" cy="365040"/>
           </a:xfrm>
           <a:prstGeom prst="rect">
             <a:avLst/>
@@ -4247,7 +4263,7 @@
         <p:spPr>
           <a:xfrm>
             <a:off x="3749040" y="5303520"/>
-            <a:ext cx="2102760" cy="273960"/>
+            <a:ext cx="2102400" cy="273600"/>
           </a:xfrm>
           <a:prstGeom prst="rect">
             <a:avLst/>
@@ -4313,7 +4329,7 @@
         <p:spPr>
           <a:xfrm>
             <a:off x="4389120" y="19440"/>
-            <a:ext cx="822600" cy="345960"/>
+            <a:ext cx="822240" cy="345600"/>
           </a:xfrm>
           <a:prstGeom prst="rect">
             <a:avLst/>
@@ -4343,6 +4359,7 @@
                   </a:solidFill>
                 </a:uFill>
                 <a:latin typeface="Arial"/>
+                <a:ea typeface="DejaVu Sans"/>
               </a:rPr>
               <a:t>Home</a:t>
             </a:r>
@@ -4369,7 +4386,7 @@
         <p:spPr>
           <a:xfrm>
             <a:off x="4023360" y="7132320"/>
-            <a:ext cx="1554120" cy="273960"/>
+            <a:ext cx="1553760" cy="273600"/>
           </a:xfrm>
           <a:prstGeom prst="rect">
             <a:avLst/>
@@ -4484,7 +4501,7 @@
         <p:spPr>
           <a:xfrm>
             <a:off x="2817360" y="531360"/>
-            <a:ext cx="3840120" cy="3474360"/>
+            <a:ext cx="3839760" cy="3474000"/>
           </a:xfrm>
           <a:prstGeom prst="ellipse">
             <a:avLst/>
@@ -4550,7 +4567,7 @@
         <p:spPr>
           <a:xfrm>
             <a:off x="4572000" y="6217920"/>
-            <a:ext cx="639720" cy="548280"/>
+            <a:ext cx="639360" cy="547920"/>
           </a:xfrm>
           <a:prstGeom prst="rect">
             <a:avLst/>
@@ -4616,7 +4633,7 @@
         <p:spPr>
           <a:xfrm>
             <a:off x="5394960" y="6217920"/>
-            <a:ext cx="639720" cy="548280"/>
+            <a:ext cx="639360" cy="547920"/>
           </a:xfrm>
           <a:prstGeom prst="rect">
             <a:avLst/>
@@ -4682,7 +4699,7 @@
         <p:spPr>
           <a:xfrm>
             <a:off x="6217920" y="6217920"/>
-            <a:ext cx="639720" cy="548280"/>
+            <a:ext cx="639360" cy="547920"/>
           </a:xfrm>
           <a:prstGeom prst="rect">
             <a:avLst/>
@@ -4748,7 +4765,7 @@
         <p:spPr>
           <a:xfrm>
             <a:off x="2377440" y="5577840"/>
-            <a:ext cx="2011320" cy="548280"/>
+            <a:ext cx="2010960" cy="547920"/>
           </a:xfrm>
           <a:prstGeom prst="rect">
             <a:avLst/>
@@ -4814,7 +4831,7 @@
         <p:spPr>
           <a:xfrm>
             <a:off x="2743200" y="4389120"/>
-            <a:ext cx="3748680" cy="639720"/>
+            <a:ext cx="3748320" cy="639360"/>
           </a:xfrm>
           <a:custGeom>
             <a:avLst/>
@@ -4971,7 +4988,7 @@
         <p:spPr>
           <a:xfrm>
             <a:off x="4206240" y="91440"/>
-            <a:ext cx="1371240" cy="345960"/>
+            <a:ext cx="1370880" cy="345600"/>
           </a:xfrm>
           <a:prstGeom prst="rect">
             <a:avLst/>
@@ -5001,6 +5018,7 @@
                   </a:solidFill>
                 </a:uFill>
                 <a:latin typeface="Arial"/>
+                <a:ea typeface="DejaVu Sans"/>
               </a:rPr>
               <a:t>Create Poll</a:t>
             </a:r>
@@ -5027,7 +5045,7 @@
         <p:spPr>
           <a:xfrm>
             <a:off x="457200" y="457200"/>
-            <a:ext cx="9143640" cy="3382920"/>
+            <a:ext cx="9143280" cy="3382560"/>
           </a:xfrm>
           <a:prstGeom prst="rect">
             <a:avLst/>
@@ -5252,7 +5270,7 @@
         <p:spPr>
           <a:xfrm>
             <a:off x="457200" y="4023360"/>
-            <a:ext cx="9143640" cy="2651400"/>
+            <a:ext cx="9143280" cy="2651040"/>
           </a:xfrm>
           <a:prstGeom prst="rect">
             <a:avLst/>
@@ -5351,7 +5369,7 @@
         <p:spPr>
           <a:xfrm>
             <a:off x="3200400" y="6766560"/>
-            <a:ext cx="3748680" cy="639720"/>
+            <a:ext cx="3748320" cy="639360"/>
           </a:xfrm>
           <a:custGeom>
             <a:avLst/>
@@ -5508,7 +5526,7 @@
         <p:spPr>
           <a:xfrm>
             <a:off x="457200" y="2194560"/>
-            <a:ext cx="9143640" cy="2651400"/>
+            <a:ext cx="9143280" cy="2651040"/>
           </a:xfrm>
           <a:prstGeom prst="rect">
             <a:avLst/>
@@ -5641,7 +5659,7 @@
         <p:spPr>
           <a:xfrm>
             <a:off x="227520" y="3066840"/>
-            <a:ext cx="9071280" cy="1261800"/>
+            <a:ext cx="9070920" cy="1261440"/>
           </a:xfrm>
           <a:prstGeom prst="rect">
             <a:avLst/>
@@ -5676,6 +5694,7 @@
                   </a:solidFill>
                 </a:uFill>
                 <a:latin typeface="Arial"/>
+                <a:ea typeface="DejaVu Sans"/>
               </a:rPr>
               <a:t>Backend Diagrams</a:t>
             </a:r>
@@ -5751,7 +5770,7 @@
         <p:spPr>
           <a:xfrm>
             <a:off x="504000" y="294480"/>
-            <a:ext cx="9071280" cy="626400"/>
+            <a:ext cx="9070920" cy="626040"/>
           </a:xfrm>
           <a:prstGeom prst="rect">
             <a:avLst/>
@@ -5786,6 +5805,7 @@
                   </a:solidFill>
                 </a:uFill>
                 <a:latin typeface="Arial"/>
+                <a:ea typeface="DejaVu Sans"/>
               </a:rPr>
               <a:t>ERD</a:t>
             </a:r>
@@ -5811,8 +5831,8 @@
         </p:nvSpPr>
         <p:spPr>
           <a:xfrm>
-            <a:off x="4070160" y="4186440"/>
-            <a:ext cx="1645920" cy="1371600"/>
+            <a:off x="4034160" y="4186440"/>
+            <a:ext cx="1645560" cy="1371240"/>
           </a:xfrm>
           <a:prstGeom prst="rect">
             <a:avLst/>
@@ -5878,7 +5898,7 @@
         <p:spPr>
           <a:xfrm>
             <a:off x="3978360" y="1645920"/>
-            <a:ext cx="1737720" cy="1280160"/>
+            <a:ext cx="1737360" cy="1279800"/>
           </a:xfrm>
           <a:prstGeom prst="rect">
             <a:avLst/>
@@ -5944,7 +5964,7 @@
         <p:spPr>
           <a:xfrm>
             <a:off x="7040880" y="1645920"/>
-            <a:ext cx="1554480" cy="1280160"/>
+            <a:ext cx="1554120" cy="1279800"/>
           </a:xfrm>
           <a:prstGeom prst="rect">
             <a:avLst/>
@@ -6010,7 +6030,7 @@
         <p:spPr>
           <a:xfrm>
             <a:off x="4618800" y="3840480"/>
-            <a:ext cx="273960" cy="345960"/>
+            <a:ext cx="273600" cy="345600"/>
           </a:xfrm>
           <a:prstGeom prst="rect">
             <a:avLst/>
@@ -6040,6 +6060,7 @@
                   </a:solidFill>
                 </a:uFill>
                 <a:latin typeface="Arial"/>
+                <a:ea typeface="DejaVu Sans"/>
               </a:rPr>
               <a:t>1</a:t>
             </a:r>
@@ -6066,7 +6087,7 @@
         <p:spPr>
           <a:xfrm>
             <a:off x="4618800" y="2945880"/>
-            <a:ext cx="273960" cy="345960"/>
+            <a:ext cx="273600" cy="345600"/>
           </a:xfrm>
           <a:prstGeom prst="rect">
             <a:avLst/>
@@ -6096,6 +6117,7 @@
                   </a:solidFill>
                 </a:uFill>
                 <a:latin typeface="Arial"/>
+                <a:ea typeface="DejaVu Sans"/>
               </a:rPr>
               <a:t>*</a:t>
             </a:r>
@@ -6122,7 +6144,7 @@
         <p:spPr>
           <a:xfrm>
             <a:off x="5716080" y="1985760"/>
-            <a:ext cx="273960" cy="345960"/>
+            <a:ext cx="273600" cy="345600"/>
           </a:xfrm>
           <a:prstGeom prst="rect">
             <a:avLst/>
@@ -6152,6 +6174,7 @@
                   </a:solidFill>
                 </a:uFill>
                 <a:latin typeface="Arial"/>
+                <a:ea typeface="DejaVu Sans"/>
               </a:rPr>
               <a:t>1</a:t>
             </a:r>
@@ -6178,7 +6201,7 @@
         <p:spPr>
           <a:xfrm>
             <a:off x="6813000" y="1986120"/>
-            <a:ext cx="273960" cy="345600"/>
+            <a:ext cx="273600" cy="345240"/>
           </a:xfrm>
           <a:prstGeom prst="rect">
             <a:avLst/>
@@ -6208,6 +6231,7 @@
                   </a:solidFill>
                 </a:uFill>
                 <a:latin typeface="Arial"/>
+                <a:ea typeface="DejaVu Sans"/>
               </a:rPr>
               <a:t>*</a:t>
             </a:r>
@@ -6234,7 +6258,7 @@
         <p:spPr>
           <a:xfrm>
             <a:off x="1160640" y="1645920"/>
-            <a:ext cx="1645920" cy="1280160"/>
+            <a:ext cx="1645560" cy="1279800"/>
           </a:xfrm>
           <a:prstGeom prst="rect">
             <a:avLst/>
@@ -6291,12 +6315,12 @@
           </a:p>
         </p:txBody>
       </p:sp>
-      <p:cxnSp>
-        <p:nvCxnSpPr>
+      <p:sp>
+        <p:nvSpPr>
           <p:cNvPr id="103" name="Line 10"/>
-          <p:cNvCxnSpPr/>
+          <p:cNvSpPr/>
           <p:nvPr/>
-        </p:nvCxnSpPr>
+        </p:nvSpPr>
         <p:spPr>
           <a:xfrm>
             <a:off x="0" y="0"/>
@@ -6312,32 +6336,38 @@
             <a:tailEnd len="med" type="triangle" w="med"/>
           </a:ln>
         </p:spPr>
-      </p:cxnSp>
-      <p:sp>
-        <p:nvSpPr>
-          <p:cNvPr id="104" name="CustomShape 11"/>
-          <p:cNvSpPr/>
-          <p:nvPr/>
-        </p:nvSpPr>
-        <p:spPr>
-          <a:xfrm>
-            <a:off x="3704400" y="1940040"/>
-            <a:ext cx="273960" cy="345960"/>
-          </a:xfrm>
-          <a:prstGeom prst="rect">
-            <a:avLst/>
-          </a:prstGeom>
-          <a:noFill/>
-          <a:ln>
-            <a:noFill/>
-          </a:ln>
-        </p:spPr>
         <p:style>
           <a:lnRef idx="0"/>
           <a:fillRef idx="0"/>
           <a:effectRef idx="0"/>
           <a:fontRef idx="minor"/>
         </p:style>
+      </p:sp>
+      <p:sp>
+        <p:nvSpPr>
+          <p:cNvPr id="104" name="CustomShape 11"/>
+          <p:cNvSpPr/>
+          <p:nvPr/>
+        </p:nvSpPr>
+        <p:spPr>
+          <a:xfrm>
+            <a:off x="3704400" y="1940040"/>
+            <a:ext cx="273600" cy="345600"/>
+          </a:xfrm>
+          <a:prstGeom prst="rect">
+            <a:avLst/>
+          </a:prstGeom>
+          <a:noFill/>
+          <a:ln>
+            <a:noFill/>
+          </a:ln>
+        </p:spPr>
+        <p:style>
+          <a:lnRef idx="0"/>
+          <a:fillRef idx="0"/>
+          <a:effectRef idx="0"/>
+          <a:fontRef idx="minor"/>
+        </p:style>
         <p:txBody>
           <a:bodyPr lIns="90000" rIns="90000" tIns="45000" bIns="45000"/>
           <a:p>
@@ -6352,6 +6382,7 @@
                   </a:solidFill>
                 </a:uFill>
                 <a:latin typeface="Arial"/>
+                <a:ea typeface="DejaVu Sans"/>
               </a:rPr>
               <a:t>1</a:t>
             </a:r>
@@ -6378,7 +6409,7 @@
         <p:spPr>
           <a:xfrm>
             <a:off x="2881440" y="2011680"/>
-            <a:ext cx="273960" cy="345960"/>
+            <a:ext cx="273600" cy="345600"/>
           </a:xfrm>
           <a:prstGeom prst="rect">
             <a:avLst/>
@@ -6408,6 +6439,7 @@
                   </a:solidFill>
                 </a:uFill>
                 <a:latin typeface="Arial"/>
+                <a:ea typeface="DejaVu Sans"/>
               </a:rPr>
               <a:t>*</a:t>
             </a:r>
@@ -6425,12 +6457,12 @@
           </a:p>
         </p:txBody>
       </p:sp>
-      <p:cxnSp>
-        <p:nvCxnSpPr>
+      <p:sp>
+        <p:nvSpPr>
           <p:cNvPr id="106" name="Line 13"/>
-          <p:cNvCxnSpPr/>
+          <p:cNvSpPr/>
           <p:nvPr/>
-        </p:nvCxnSpPr>
+        </p:nvSpPr>
         <p:spPr>
           <a:xfrm>
             <a:off x="0" y="0"/>
@@ -6446,10 +6478,88 @@
             <a:tailEnd len="med" type="triangle" w="med"/>
           </a:ln>
         </p:spPr>
+        <p:style>
+          <a:lnRef idx="0"/>
+          <a:fillRef idx="0"/>
+          <a:effectRef idx="0"/>
+          <a:fontRef idx="minor"/>
+        </p:style>
+      </p:sp>
+      <p:sp>
+        <p:nvSpPr>
+          <p:cNvPr id="107" name="Line 14"/>
+          <p:cNvSpPr/>
+          <p:nvPr/>
+        </p:nvSpPr>
+        <p:spPr>
+          <a:xfrm>
+            <a:off x="0" y="0"/>
+            <a:ext cx="360" cy="360"/>
+          </a:xfrm>
+          <a:prstGeom prst="line">
+            <a:avLst/>
+          </a:prstGeom>
+          <a:ln>
+            <a:solidFill>
+              <a:srgbClr val="000000"/>
+            </a:solidFill>
+            <a:tailEnd len="med" type="triangle" w="med"/>
+          </a:ln>
+        </p:spPr>
+        <p:style>
+          <a:lnRef idx="0"/>
+          <a:fillRef idx="0"/>
+          <a:effectRef idx="0"/>
+          <a:fontRef idx="minor"/>
+        </p:style>
+      </p:sp>
+      <p:cxnSp>
+        <p:nvCxnSpPr>
+          <p:cNvPr id="108" name="Line 15"/>
+          <p:cNvCxnSpPr/>
+          <p:nvPr/>
+        </p:nvCxnSpPr>
+        <p:spPr>
+          <a:xfrm>
+            <a:off x="0" y="0"/>
+            <a:ext cx="360" cy="360"/>
+          </a:xfrm>
+          <a:prstGeom prst="line">
+            <a:avLst/>
+          </a:prstGeom>
+          <a:ln>
+            <a:solidFill>
+              <a:srgbClr val="000000"/>
+            </a:solidFill>
+            <a:tailEnd len="med" type="triangle" w="med"/>
+          </a:ln>
+        </p:spPr>
       </p:cxnSp>
       <p:cxnSp>
         <p:nvCxnSpPr>
-          <p:cNvPr id="107" name="Line 14"/>
+          <p:cNvPr id="109" name="Line 16"/>
+          <p:cNvCxnSpPr/>
+          <p:nvPr/>
+        </p:nvCxnSpPr>
+        <p:spPr>
+          <a:xfrm>
+            <a:off x="0" y="0"/>
+            <a:ext cx="360" cy="360"/>
+          </a:xfrm>
+          <a:prstGeom prst="line">
+            <a:avLst/>
+          </a:prstGeom>
+          <a:ln>
+            <a:solidFill>
+              <a:srgbClr val="000000"/>
+            </a:solidFill>
+            <a:tailEnd len="med" type="triangle" w="med"/>
+          </a:ln>
+        </p:spPr>
+      </p:cxnSp>
+      <p:cxnSp>
+        <p:nvCxnSpPr>
+          <p:cNvPr id="110" name="Line 17"/>
           <p:cNvCxnSpPr/>
           <p:nvPr/>
         </p:nvCxnSpPr>
